--- a/modelling_presentation/ComputerModellingPresentation.pptx
+++ b/modelling_presentation/ComputerModellingPresentation.pptx
@@ -10,27 +10,30 @@
     <p:sldId id="270" r:id="rId4"/>
     <p:sldId id="267" r:id="rId5"/>
     <p:sldId id="260" r:id="rId6"/>
-    <p:sldId id="268" r:id="rId7"/>
+    <p:sldId id="269" r:id="rId7"/>
     <p:sldId id="259" r:id="rId8"/>
-    <p:sldId id="269" r:id="rId9"/>
-    <p:sldId id="256" r:id="rId10"/>
-    <p:sldId id="271" r:id="rId11"/>
-    <p:sldId id="273" r:id="rId12"/>
-    <p:sldId id="274" r:id="rId13"/>
-    <p:sldId id="275" r:id="rId14"/>
-    <p:sldId id="261" r:id="rId15"/>
-    <p:sldId id="279" r:id="rId16"/>
-    <p:sldId id="264" r:id="rId17"/>
-    <p:sldId id="281" r:id="rId18"/>
+    <p:sldId id="271" r:id="rId9"/>
+    <p:sldId id="273" r:id="rId10"/>
+    <p:sldId id="274" r:id="rId11"/>
+    <p:sldId id="282" r:id="rId12"/>
+    <p:sldId id="275" r:id="rId13"/>
+    <p:sldId id="261" r:id="rId14"/>
+    <p:sldId id="279" r:id="rId15"/>
+    <p:sldId id="264" r:id="rId16"/>
+    <p:sldId id="281" r:id="rId17"/>
+    <p:sldId id="262" r:id="rId18"/>
     <p:sldId id="257" r:id="rId19"/>
-    <p:sldId id="262" r:id="rId20"/>
-    <p:sldId id="280" r:id="rId21"/>
-    <p:sldId id="278" r:id="rId22"/>
-    <p:sldId id="263" r:id="rId23"/>
-    <p:sldId id="258" r:id="rId24"/>
-    <p:sldId id="272" r:id="rId25"/>
-    <p:sldId id="277" r:id="rId26"/>
-    <p:sldId id="276" r:id="rId27"/>
+    <p:sldId id="280" r:id="rId20"/>
+    <p:sldId id="278" r:id="rId21"/>
+    <p:sldId id="263" r:id="rId22"/>
+    <p:sldId id="286" r:id="rId23"/>
+    <p:sldId id="283" r:id="rId24"/>
+    <p:sldId id="277" r:id="rId25"/>
+    <p:sldId id="287" r:id="rId26"/>
+    <p:sldId id="288" r:id="rId27"/>
+    <p:sldId id="284" r:id="rId28"/>
+    <p:sldId id="285" r:id="rId29"/>
+    <p:sldId id="276" r:id="rId30"/>
   </p:sldIdLst>
   <p:sldSz cx="12192000" cy="6858000"/>
   <p:notesSz cx="6858000" cy="9144000"/>
@@ -149,43 +152,6 @@
 </p:cmAuthorLst>
 </file>
 
-<file path=ppt/comments/comment1.xml><?xml version="1.0" encoding="utf-8"?>
-<p:cmLst xmlns:a="http://schemas.openxmlformats.org/drawingml/2006/main" xmlns:r="http://schemas.openxmlformats.org/officeDocument/2006/relationships" xmlns:p="http://schemas.openxmlformats.org/presentationml/2006/main">
-  <p:cm authorId="1" dt="2021-09-16T14:23:58.653" idx="1">
-    <p:pos x="5903" y="460"/>
-    <p:text>Key features 8) in the notes "Each level of resistance gives protection against the counterpart antibiotic and all lower levels of antibiotics. E.g. resistance 2 makes antibiotics 2 and 1 useless." is wrong - they don't implicitly impart resistance, but since the order is always used, and higher ones are only administered if someone is already resistant, to be resistant to a higher one, you must have already developed resistance to all the lower ones</p:text>
-    <p:extLst>
-      <p:ext uri="{C676402C-5697-4E1C-873F-D02D1690AC5C}">
-        <p15:threadingInfo xmlns:p15="http://schemas.microsoft.com/office/powerpoint/2012/main" timeZoneBias="-60"/>
-      </p:ext>
-    </p:extLst>
-  </p:cm>
-</p:cmLst>
-</file>
-
-<file path=ppt/comments/comment2.xml><?xml version="1.0" encoding="utf-8"?>
-<p:cmLst xmlns:a="http://schemas.openxmlformats.org/drawingml/2006/main" xmlns:r="http://schemas.openxmlformats.org/officeDocument/2006/relationships" xmlns:p="http://schemas.openxmlformats.org/presentationml/2006/main">
-  <p:cm authorId="1" dt="2021-09-16T14:54:04.571" idx="2">
-    <p:pos x="3995" y="460"/>
-    <p:text>"If the infection is not resistant, there will be a greater chance of recovering from the disease every turn" - false. this does not affect it, it is just fewer antibiotics will work</p:text>
-    <p:extLst>
-      <p:ext uri="{C676402C-5697-4E1C-873F-D02D1690AC5C}">
-        <p15:threadingInfo xmlns:p15="http://schemas.microsoft.com/office/powerpoint/2012/main" timeZoneBias="-60"/>
-      </p:ext>
-    </p:extLst>
-  </p:cm>
-  <p:cm authorId="1" dt="2021-09-16T14:55:26.425" idx="3">
-    <p:pos x="6978" y="3294"/>
-    <p:text>"Every turn the person has not recovered or died, there is a probability the staff will move up one antibiotic level." - this was correct, but following the meeting, I finally got around to adding the thing were there is a time period lag before moving up</p:text>
-    <p:extLst>
-      <p:ext uri="{C676402C-5697-4E1C-873F-D02D1690AC5C}">
-        <p15:threadingInfo xmlns:p15="http://schemas.microsoft.com/office/powerpoint/2012/main" timeZoneBias="-60"/>
-      </p:ext>
-    </p:extLst>
-  </p:cm>
-</p:cmLst>
-</file>
-
 <file path=ppt/slideLayouts/slideLayout1.xml><?xml version="1.0" encoding="utf-8"?>
 <p:sldLayout xmlns:a="http://schemas.openxmlformats.org/drawingml/2006/main" xmlns:r="http://schemas.openxmlformats.org/officeDocument/2006/relationships" xmlns:p="http://schemas.openxmlformats.org/presentationml/2006/main" type="title" preserve="1">
   <p:cSld name="Title Slide">
@@ -335,7 +301,7 @@
           <a:p>
             <a:fld id="{40BAFBEF-7E3E-4FB3-826B-F29C51A86206}" type="datetimeFigureOut">
               <a:rPr lang="en-GB" smtClean="0"/>
-              <a:t>16/09/2021</a:t>
+              <a:t>20/09/2021</a:t>
             </a:fld>
             <a:endParaRPr lang="en-GB"/>
           </a:p>
@@ -535,7 +501,7 @@
           <a:p>
             <a:fld id="{40BAFBEF-7E3E-4FB3-826B-F29C51A86206}" type="datetimeFigureOut">
               <a:rPr lang="en-GB" smtClean="0"/>
-              <a:t>16/09/2021</a:t>
+              <a:t>20/09/2021</a:t>
             </a:fld>
             <a:endParaRPr lang="en-GB"/>
           </a:p>
@@ -745,7 +711,7 @@
           <a:p>
             <a:fld id="{40BAFBEF-7E3E-4FB3-826B-F29C51A86206}" type="datetimeFigureOut">
               <a:rPr lang="en-GB" smtClean="0"/>
-              <a:t>16/09/2021</a:t>
+              <a:t>20/09/2021</a:t>
             </a:fld>
             <a:endParaRPr lang="en-GB"/>
           </a:p>
@@ -945,7 +911,7 @@
           <a:p>
             <a:fld id="{40BAFBEF-7E3E-4FB3-826B-F29C51A86206}" type="datetimeFigureOut">
               <a:rPr lang="en-GB" smtClean="0"/>
-              <a:t>16/09/2021</a:t>
+              <a:t>20/09/2021</a:t>
             </a:fld>
             <a:endParaRPr lang="en-GB"/>
           </a:p>
@@ -1221,7 +1187,7 @@
           <a:p>
             <a:fld id="{40BAFBEF-7E3E-4FB3-826B-F29C51A86206}" type="datetimeFigureOut">
               <a:rPr lang="en-GB" smtClean="0"/>
-              <a:t>16/09/2021</a:t>
+              <a:t>20/09/2021</a:t>
             </a:fld>
             <a:endParaRPr lang="en-GB"/>
           </a:p>
@@ -1489,7 +1455,7 @@
           <a:p>
             <a:fld id="{40BAFBEF-7E3E-4FB3-826B-F29C51A86206}" type="datetimeFigureOut">
               <a:rPr lang="en-GB" smtClean="0"/>
-              <a:t>16/09/2021</a:t>
+              <a:t>20/09/2021</a:t>
             </a:fld>
             <a:endParaRPr lang="en-GB"/>
           </a:p>
@@ -1904,7 +1870,7 @@
           <a:p>
             <a:fld id="{40BAFBEF-7E3E-4FB3-826B-F29C51A86206}" type="datetimeFigureOut">
               <a:rPr lang="en-GB" smtClean="0"/>
-              <a:t>16/09/2021</a:t>
+              <a:t>20/09/2021</a:t>
             </a:fld>
             <a:endParaRPr lang="en-GB"/>
           </a:p>
@@ -2046,7 +2012,7 @@
           <a:p>
             <a:fld id="{40BAFBEF-7E3E-4FB3-826B-F29C51A86206}" type="datetimeFigureOut">
               <a:rPr lang="en-GB" smtClean="0"/>
-              <a:t>16/09/2021</a:t>
+              <a:t>20/09/2021</a:t>
             </a:fld>
             <a:endParaRPr lang="en-GB"/>
           </a:p>
@@ -2159,7 +2125,7 @@
           <a:p>
             <a:fld id="{40BAFBEF-7E3E-4FB3-826B-F29C51A86206}" type="datetimeFigureOut">
               <a:rPr lang="en-GB" smtClean="0"/>
-              <a:t>16/09/2021</a:t>
+              <a:t>20/09/2021</a:t>
             </a:fld>
             <a:endParaRPr lang="en-GB"/>
           </a:p>
@@ -2472,7 +2438,7 @@
           <a:p>
             <a:fld id="{40BAFBEF-7E3E-4FB3-826B-F29C51A86206}" type="datetimeFigureOut">
               <a:rPr lang="en-GB" smtClean="0"/>
-              <a:t>16/09/2021</a:t>
+              <a:t>20/09/2021</a:t>
             </a:fld>
             <a:endParaRPr lang="en-GB"/>
           </a:p>
@@ -2761,7 +2727,7 @@
           <a:p>
             <a:fld id="{40BAFBEF-7E3E-4FB3-826B-F29C51A86206}" type="datetimeFigureOut">
               <a:rPr lang="en-GB" smtClean="0"/>
-              <a:t>16/09/2021</a:t>
+              <a:t>20/09/2021</a:t>
             </a:fld>
             <a:endParaRPr lang="en-GB"/>
           </a:p>
@@ -3004,7 +2970,7 @@
           <a:p>
             <a:fld id="{40BAFBEF-7E3E-4FB3-826B-F29C51A86206}" type="datetimeFigureOut">
               <a:rPr lang="en-GB" smtClean="0"/>
-              <a:t>16/09/2021</a:t>
+              <a:t>20/09/2021</a:t>
             </a:fld>
             <a:endParaRPr lang="en-GB"/>
           </a:p>
@@ -3468,215 +3434,6 @@
 </file>
 
 <file path=ppt/slides/slide10.xml><?xml version="1.0" encoding="utf-8"?>
-<p:sld xmlns:a="http://schemas.openxmlformats.org/drawingml/2006/main" xmlns:r="http://schemas.openxmlformats.org/officeDocument/2006/relationships" xmlns:p="http://schemas.openxmlformats.org/presentationml/2006/main">
-  <p:cSld>
-    <p:spTree>
-      <p:nvGrpSpPr>
-        <p:cNvPr id="1" name=""/>
-        <p:cNvGrpSpPr/>
-        <p:nvPr/>
-      </p:nvGrpSpPr>
-      <p:grpSpPr>
-        <a:xfrm>
-          <a:off x="0" y="0"/>
-          <a:ext cx="0" cy="0"/>
-          <a:chOff x="0" y="0"/>
-          <a:chExt cx="0" cy="0"/>
-        </a:xfrm>
-      </p:grpSpPr>
-      <p:sp>
-        <p:nvSpPr>
-          <p:cNvPr id="2" name="Title 1">
-            <a:extLst>
-              <a:ext uri="{FF2B5EF4-FFF2-40B4-BE49-F238E27FC236}">
-                <a16:creationId xmlns:a16="http://schemas.microsoft.com/office/drawing/2014/main" id="{A490FED1-72C2-49F4-A356-AB26392C057D}"/>
-              </a:ext>
-            </a:extLst>
-          </p:cNvPr>
-          <p:cNvSpPr>
-            <a:spLocks noGrp="1"/>
-          </p:cNvSpPr>
-          <p:nvPr>
-            <p:ph type="title"/>
-          </p:nvPr>
-        </p:nvSpPr>
-        <p:spPr>
-          <a:xfrm>
-            <a:off x="838200" y="795338"/>
-            <a:ext cx="10515600" cy="2852737"/>
-          </a:xfrm>
-        </p:spPr>
-        <p:txBody>
-          <a:bodyPr/>
-          <a:lstStyle/>
-          <a:p>
-            <a:pPr algn="ctr"/>
-            <a:r>
-              <a:rPr lang="en-GB" dirty="0"/>
-              <a:t>Implementation &amp; features</a:t>
-            </a:r>
-          </a:p>
-        </p:txBody>
-      </p:sp>
-    </p:spTree>
-    <p:extLst>
-      <p:ext uri="{BB962C8B-B14F-4D97-AF65-F5344CB8AC3E}">
-        <p14:creationId xmlns:p14="http://schemas.microsoft.com/office/powerpoint/2010/main" val="19703046"/>
-      </p:ext>
-    </p:extLst>
-  </p:cSld>
-  <p:clrMapOvr>
-    <a:masterClrMapping/>
-  </p:clrMapOvr>
-</p:sld>
-</file>
-
-<file path=ppt/slides/slide11.xml><?xml version="1.0" encoding="utf-8"?>
-<p:sld xmlns:a="http://schemas.openxmlformats.org/drawingml/2006/main" xmlns:r="http://schemas.openxmlformats.org/officeDocument/2006/relationships" xmlns:p="http://schemas.openxmlformats.org/presentationml/2006/main">
-  <p:cSld>
-    <p:spTree>
-      <p:nvGrpSpPr>
-        <p:cNvPr id="1" name=""/>
-        <p:cNvGrpSpPr/>
-        <p:nvPr/>
-      </p:nvGrpSpPr>
-      <p:grpSpPr>
-        <a:xfrm>
-          <a:off x="0" y="0"/>
-          <a:ext cx="0" cy="0"/>
-          <a:chOff x="0" y="0"/>
-          <a:chExt cx="0" cy="0"/>
-        </a:xfrm>
-      </p:grpSpPr>
-      <p:sp>
-        <p:nvSpPr>
-          <p:cNvPr id="2" name="Title 1">
-            <a:extLst>
-              <a:ext uri="{FF2B5EF4-FFF2-40B4-BE49-F238E27FC236}">
-                <a16:creationId xmlns:a16="http://schemas.microsoft.com/office/drawing/2014/main" id="{26BDD262-EA69-45C4-8668-4EDCDE606433}"/>
-              </a:ext>
-            </a:extLst>
-          </p:cNvPr>
-          <p:cNvSpPr>
-            <a:spLocks noGrp="1"/>
-          </p:cNvSpPr>
-          <p:nvPr>
-            <p:ph type="title"/>
-          </p:nvPr>
-        </p:nvSpPr>
-        <p:spPr/>
-        <p:txBody>
-          <a:bodyPr/>
-          <a:lstStyle/>
-          <a:p>
-            <a:r>
-              <a:rPr lang="en-GB" dirty="0"/>
-              <a:t>Disease and people within the model</a:t>
-            </a:r>
-          </a:p>
-        </p:txBody>
-      </p:sp>
-      <p:sp>
-        <p:nvSpPr>
-          <p:cNvPr id="3" name="Content Placeholder 2">
-            <a:extLst>
-              <a:ext uri="{FF2B5EF4-FFF2-40B4-BE49-F238E27FC236}">
-                <a16:creationId xmlns:a16="http://schemas.microsoft.com/office/drawing/2014/main" id="{AD698E42-8243-417B-8F93-3E3A492D218B}"/>
-              </a:ext>
-            </a:extLst>
-          </p:cNvPr>
-          <p:cNvSpPr>
-            <a:spLocks noGrp="1"/>
-          </p:cNvSpPr>
-          <p:nvPr>
-            <p:ph idx="1"/>
-          </p:nvPr>
-        </p:nvSpPr>
-        <p:spPr/>
-        <p:txBody>
-          <a:bodyPr>
-            <a:normAutofit lnSpcReduction="10000"/>
-          </a:bodyPr>
-          <a:lstStyle/>
-          <a:p>
-            <a:pPr marL="514350" indent="-514350">
-              <a:buFont typeface="+mj-lt"/>
-              <a:buAutoNum type="arabicPeriod"/>
-            </a:pPr>
-            <a:r>
-              <a:rPr lang="en-GB" dirty="0"/>
-              <a:t>A disease with a probability of death and a probability of recovery spreads through the population</a:t>
-            </a:r>
-          </a:p>
-          <a:p>
-            <a:pPr marL="514350" indent="-514350">
-              <a:buFont typeface="+mj-lt"/>
-              <a:buAutoNum type="arabicPeriod"/>
-            </a:pPr>
-            <a:r>
-              <a:rPr lang="en-GB" dirty="0"/>
-              <a:t>Patients have a small chance of recovering by themselves, or can be treated with antibiotics, which have a larger chance of curing them</a:t>
-            </a:r>
-          </a:p>
-          <a:p>
-            <a:pPr marL="514350" indent="-514350">
-              <a:buFont typeface="+mj-lt"/>
-              <a:buAutoNum type="arabicPeriod"/>
-            </a:pPr>
-            <a:r>
-              <a:rPr lang="en-GB" dirty="0"/>
-              <a:t>When they have recovered, they become immune to the disease irrespective of resistance</a:t>
-            </a:r>
-          </a:p>
-          <a:p>
-            <a:pPr marL="514350" indent="-514350">
-              <a:buFont typeface="+mj-lt"/>
-              <a:buAutoNum type="arabicPeriod"/>
-            </a:pPr>
-            <a:r>
-              <a:rPr lang="en-GB" dirty="0"/>
-              <a:t>Patients also have a small chance of dying due to the disease</a:t>
-            </a:r>
-          </a:p>
-          <a:p>
-            <a:pPr marL="514350" indent="-514350">
-              <a:buFont typeface="+mj-lt"/>
-              <a:buAutoNum type="arabicPeriod"/>
-            </a:pPr>
-            <a:r>
-              <a:rPr lang="en-GB" dirty="0"/>
-              <a:t>Hence, patients can be uninfected, infected (with resistances), immune, or dead.</a:t>
-            </a:r>
-          </a:p>
-          <a:p>
-            <a:pPr marL="514350" indent="-514350">
-              <a:buFont typeface="+mj-lt"/>
-              <a:buAutoNum type="arabicPeriod"/>
-            </a:pPr>
-            <a:r>
-              <a:rPr lang="en-GB" dirty="0"/>
-              <a:t>Eventually, all individuals will be either uninfected, immune or dead</a:t>
-            </a:r>
-          </a:p>
-          <a:p>
-            <a:endParaRPr lang="en-GB" dirty="0"/>
-          </a:p>
-        </p:txBody>
-      </p:sp>
-    </p:spTree>
-    <p:extLst>
-      <p:ext uri="{BB962C8B-B14F-4D97-AF65-F5344CB8AC3E}">
-        <p14:creationId xmlns:p14="http://schemas.microsoft.com/office/powerpoint/2010/main" val="3075941230"/>
-      </p:ext>
-    </p:extLst>
-  </p:cSld>
-  <p:clrMapOvr>
-    <a:masterClrMapping/>
-  </p:clrMapOvr>
-</p:sld>
-</file>
-
-<file path=ppt/slides/slide12.xml><?xml version="1.0" encoding="utf-8"?>
 <p:sld xmlns:a="http://schemas.openxmlformats.org/drawingml/2006/main" xmlns:r="http://schemas.openxmlformats.org/officeDocument/2006/relationships" xmlns:p="http://schemas.openxmlformats.org/presentationml/2006/main">
   <p:cSld>
     <p:spTree>
@@ -6515,479 +6272,7 @@
 </p:sld>
 </file>
 
-<file path=ppt/slides/slide13.xml><?xml version="1.0" encoding="utf-8"?>
-<p:sld xmlns:a="http://schemas.openxmlformats.org/drawingml/2006/main" xmlns:r="http://schemas.openxmlformats.org/officeDocument/2006/relationships" xmlns:p="http://schemas.openxmlformats.org/presentationml/2006/main">
-  <p:cSld>
-    <p:spTree>
-      <p:nvGrpSpPr>
-        <p:cNvPr id="1" name=""/>
-        <p:cNvGrpSpPr/>
-        <p:nvPr/>
-      </p:nvGrpSpPr>
-      <p:grpSpPr>
-        <a:xfrm>
-          <a:off x="0" y="0"/>
-          <a:ext cx="0" cy="0"/>
-          <a:chOff x="0" y="0"/>
-          <a:chExt cx="0" cy="0"/>
-        </a:xfrm>
-      </p:grpSpPr>
-      <p:sp>
-        <p:nvSpPr>
-          <p:cNvPr id="2" name="Title 1">
-            <a:extLst>
-              <a:ext uri="{FF2B5EF4-FFF2-40B4-BE49-F238E27FC236}">
-                <a16:creationId xmlns:a16="http://schemas.microsoft.com/office/drawing/2014/main" id="{9DFAB6D9-6B04-435A-8F2B-C8037A46285C}"/>
-              </a:ext>
-            </a:extLst>
-          </p:cNvPr>
-          <p:cNvSpPr>
-            <a:spLocks noGrp="1"/>
-          </p:cNvSpPr>
-          <p:nvPr>
-            <p:ph type="title"/>
-          </p:nvPr>
-        </p:nvSpPr>
-        <p:spPr/>
-        <p:txBody>
-          <a:bodyPr/>
-          <a:lstStyle/>
-          <a:p>
-            <a:r>
-              <a:rPr lang="en-GB" dirty="0"/>
-              <a:t>Treatment in the model</a:t>
-            </a:r>
-          </a:p>
-        </p:txBody>
-      </p:sp>
-      <p:sp>
-        <p:nvSpPr>
-          <p:cNvPr id="3" name="Content Placeholder 2">
-            <a:extLst>
-              <a:ext uri="{FF2B5EF4-FFF2-40B4-BE49-F238E27FC236}">
-                <a16:creationId xmlns:a16="http://schemas.microsoft.com/office/drawing/2014/main" id="{3F938046-09A5-4A6C-AA05-2078A6AD82AB}"/>
-              </a:ext>
-            </a:extLst>
-          </p:cNvPr>
-          <p:cNvSpPr>
-            <a:spLocks noGrp="1"/>
-          </p:cNvSpPr>
-          <p:nvPr>
-            <p:ph idx="1"/>
-          </p:nvPr>
-        </p:nvSpPr>
-        <p:spPr/>
-        <p:txBody>
-          <a:bodyPr>
-            <a:normAutofit fontScale="92500" lnSpcReduction="20000"/>
-          </a:bodyPr>
-          <a:lstStyle/>
-          <a:p>
-            <a:r>
-              <a:rPr lang="en-GB" dirty="0"/>
-              <a:t>Antibiotics are used in a specific order, with antibiotic 1 used before 2 and so on</a:t>
-            </a:r>
-          </a:p>
-          <a:p>
-            <a:r>
-              <a:rPr lang="en-GB" dirty="0"/>
-              <a:t>Diseases have a small chance of developing resistance to antibiotics when they are being used on a patient</a:t>
-            </a:r>
-          </a:p>
-          <a:p>
-            <a:r>
-              <a:rPr lang="en-GB" dirty="0"/>
-              <a:t>Once a person becomes infected, treatment starts immediately</a:t>
-            </a:r>
-          </a:p>
-          <a:p>
-            <a:r>
-              <a:rPr lang="en-GB" dirty="0"/>
-              <a:t>Staff do not know if there is any resistance, hence they will start with the lowest level of antibiotics</a:t>
-            </a:r>
-          </a:p>
-          <a:p>
-            <a:r>
-              <a:rPr lang="en-GB" dirty="0"/>
-              <a:t>If the infection is resistant, there will be no greater chance of recovery than for an untreated patient – i.e. the antibiotic won’t work</a:t>
-            </a:r>
-          </a:p>
-          <a:p>
-            <a:r>
-              <a:rPr lang="en-GB" dirty="0"/>
-              <a:t>Every turn the person has not recovered or died, if the person has been treated for a number of consecutive days with the, a certain probability is exceeded, and they actually require the new drug, move them up a treatment tier</a:t>
-            </a:r>
-          </a:p>
-          <a:p>
-            <a:endParaRPr lang="en-GB" dirty="0"/>
-          </a:p>
-          <a:p>
-            <a:endParaRPr lang="en-GB" dirty="0"/>
-          </a:p>
-        </p:txBody>
-      </p:sp>
-    </p:spTree>
-    <p:extLst>
-      <p:ext uri="{BB962C8B-B14F-4D97-AF65-F5344CB8AC3E}">
-        <p14:creationId xmlns:p14="http://schemas.microsoft.com/office/powerpoint/2010/main" val="1221622486"/>
-      </p:ext>
-    </p:extLst>
-  </p:cSld>
-  <p:clrMapOvr>
-    <a:masterClrMapping/>
-  </p:clrMapOvr>
-</p:sld>
-</file>
-
-<file path=ppt/slides/slide14.xml><?xml version="1.0" encoding="utf-8"?>
-<p:sld xmlns:a="http://schemas.openxmlformats.org/drawingml/2006/main" xmlns:r="http://schemas.openxmlformats.org/officeDocument/2006/relationships" xmlns:p="http://schemas.openxmlformats.org/presentationml/2006/main">
-  <p:cSld>
-    <p:spTree>
-      <p:nvGrpSpPr>
-        <p:cNvPr id="1" name=""/>
-        <p:cNvGrpSpPr/>
-        <p:nvPr/>
-      </p:nvGrpSpPr>
-      <p:grpSpPr>
-        <a:xfrm>
-          <a:off x="0" y="0"/>
-          <a:ext cx="0" cy="0"/>
-          <a:chOff x="0" y="0"/>
-          <a:chExt cx="0" cy="0"/>
-        </a:xfrm>
-      </p:grpSpPr>
-      <p:pic>
-        <p:nvPicPr>
-          <p:cNvPr id="4" name="Picture 3" descr="Text&#10;&#10;Description automatically generated">
-            <a:extLst>
-              <a:ext uri="{FF2B5EF4-FFF2-40B4-BE49-F238E27FC236}">
-                <a16:creationId xmlns:a16="http://schemas.microsoft.com/office/drawing/2014/main" id="{586BD206-0B8D-46DB-8821-89C08A178167}"/>
-              </a:ext>
-            </a:extLst>
-          </p:cNvPr>
-          <p:cNvPicPr>
-            <a:picLocks noChangeAspect="1"/>
-          </p:cNvPicPr>
-          <p:nvPr/>
-        </p:nvPicPr>
-        <p:blipFill>
-          <a:blip r:embed="rId2">
-            <a:extLst>
-              <a:ext uri="{28A0092B-C50C-407E-A947-70E740481C1C}">
-                <a14:useLocalDpi xmlns:a14="http://schemas.microsoft.com/office/drawing/2010/main" val="0"/>
-              </a:ext>
-            </a:extLst>
-          </a:blip>
-          <a:stretch>
-            <a:fillRect/>
-          </a:stretch>
-        </p:blipFill>
-        <p:spPr>
-          <a:xfrm>
-            <a:off x="2010929" y="1052945"/>
-            <a:ext cx="8170141" cy="5440045"/>
-          </a:xfrm>
-          <a:prstGeom prst="rect">
-            <a:avLst/>
-          </a:prstGeom>
-        </p:spPr>
-      </p:pic>
-    </p:spTree>
-    <p:extLst>
-      <p:ext uri="{BB962C8B-B14F-4D97-AF65-F5344CB8AC3E}">
-        <p14:creationId xmlns:p14="http://schemas.microsoft.com/office/powerpoint/2010/main" val="1621922302"/>
-      </p:ext>
-    </p:extLst>
-  </p:cSld>
-  <p:clrMapOvr>
-    <a:masterClrMapping/>
-  </p:clrMapOvr>
-</p:sld>
-</file>
-
-<file path=ppt/slides/slide15.xml><?xml version="1.0" encoding="utf-8"?>
-<p:sld xmlns:a="http://schemas.openxmlformats.org/drawingml/2006/main" xmlns:r="http://schemas.openxmlformats.org/officeDocument/2006/relationships" xmlns:p="http://schemas.openxmlformats.org/presentationml/2006/main">
-  <p:cSld>
-    <p:spTree>
-      <p:nvGrpSpPr>
-        <p:cNvPr id="1" name=""/>
-        <p:cNvGrpSpPr/>
-        <p:nvPr/>
-      </p:nvGrpSpPr>
-      <p:grpSpPr>
-        <a:xfrm>
-          <a:off x="0" y="0"/>
-          <a:ext cx="0" cy="0"/>
-          <a:chOff x="0" y="0"/>
-          <a:chExt cx="0" cy="0"/>
-        </a:xfrm>
-      </p:grpSpPr>
-      <p:sp>
-        <p:nvSpPr>
-          <p:cNvPr id="2" name="Title 1">
-            <a:extLst>
-              <a:ext uri="{FF2B5EF4-FFF2-40B4-BE49-F238E27FC236}">
-                <a16:creationId xmlns:a16="http://schemas.microsoft.com/office/drawing/2014/main" id="{9DFAB6D9-6B04-435A-8F2B-C8037A46285C}"/>
-              </a:ext>
-            </a:extLst>
-          </p:cNvPr>
-          <p:cNvSpPr>
-            <a:spLocks noGrp="1"/>
-          </p:cNvSpPr>
-          <p:nvPr>
-            <p:ph type="title"/>
-          </p:nvPr>
-        </p:nvSpPr>
-        <p:spPr/>
-        <p:txBody>
-          <a:bodyPr/>
-          <a:lstStyle/>
-          <a:p>
-            <a:r>
-              <a:rPr lang="en-GB" dirty="0"/>
-              <a:t>Spread and isolation in the model</a:t>
-            </a:r>
-          </a:p>
-        </p:txBody>
-      </p:sp>
-      <p:sp>
-        <p:nvSpPr>
-          <p:cNvPr id="3" name="Content Placeholder 2">
-            <a:extLst>
-              <a:ext uri="{FF2B5EF4-FFF2-40B4-BE49-F238E27FC236}">
-                <a16:creationId xmlns:a16="http://schemas.microsoft.com/office/drawing/2014/main" id="{3F938046-09A5-4A6C-AA05-2078A6AD82AB}"/>
-              </a:ext>
-            </a:extLst>
-          </p:cNvPr>
-          <p:cNvSpPr>
-            <a:spLocks noGrp="1"/>
-          </p:cNvSpPr>
-          <p:nvPr>
-            <p:ph idx="1"/>
-          </p:nvPr>
-        </p:nvSpPr>
-        <p:spPr/>
-        <p:txBody>
-          <a:bodyPr/>
-          <a:lstStyle/>
-          <a:p>
-            <a:pPr marL="514350" indent="-514350">
-              <a:buFont typeface="+mj-lt"/>
-              <a:buAutoNum type="arabicPeriod"/>
-            </a:pPr>
-            <a:r>
-              <a:rPr lang="en-GB" dirty="0"/>
-              <a:t>Disease can spread from infected patients to uninfected patients, and patients with a less resistant strain, with a certain probability of doing this each timestep</a:t>
-            </a:r>
-          </a:p>
-        </p:txBody>
-      </p:sp>
-    </p:spTree>
-    <p:extLst>
-      <p:ext uri="{BB962C8B-B14F-4D97-AF65-F5344CB8AC3E}">
-        <p14:creationId xmlns:p14="http://schemas.microsoft.com/office/powerpoint/2010/main" val="479761472"/>
-      </p:ext>
-    </p:extLst>
-  </p:cSld>
-  <p:clrMapOvr>
-    <a:masterClrMapping/>
-  </p:clrMapOvr>
-</p:sld>
-</file>
-
-<file path=ppt/slides/slide16.xml><?xml version="1.0" encoding="utf-8"?>
-<p:sld xmlns:a="http://schemas.openxmlformats.org/drawingml/2006/main" xmlns:r="http://schemas.openxmlformats.org/officeDocument/2006/relationships" xmlns:p="http://schemas.openxmlformats.org/presentationml/2006/main">
-  <p:cSld>
-    <p:spTree>
-      <p:nvGrpSpPr>
-        <p:cNvPr id="1" name=""/>
-        <p:cNvGrpSpPr/>
-        <p:nvPr/>
-      </p:nvGrpSpPr>
-      <p:grpSpPr>
-        <a:xfrm>
-          <a:off x="0" y="0"/>
-          <a:ext cx="0" cy="0"/>
-          <a:chOff x="0" y="0"/>
-          <a:chExt cx="0" cy="0"/>
-        </a:xfrm>
-      </p:grpSpPr>
-      <p:pic>
-        <p:nvPicPr>
-          <p:cNvPr id="5" name="Picture 4" descr="Text&#10;&#10;Description automatically generated">
-            <a:extLst>
-              <a:ext uri="{FF2B5EF4-FFF2-40B4-BE49-F238E27FC236}">
-                <a16:creationId xmlns:a16="http://schemas.microsoft.com/office/drawing/2014/main" id="{10B5128A-F24E-477E-A5F6-AE0173B4C421}"/>
-              </a:ext>
-            </a:extLst>
-          </p:cNvPr>
-          <p:cNvPicPr>
-            <a:picLocks noChangeAspect="1"/>
-          </p:cNvPicPr>
-          <p:nvPr/>
-        </p:nvPicPr>
-        <p:blipFill>
-          <a:blip r:embed="rId2">
-            <a:extLst>
-              <a:ext uri="{28A0092B-C50C-407E-A947-70E740481C1C}">
-                <a14:useLocalDpi xmlns:a14="http://schemas.microsoft.com/office/drawing/2010/main" val="0"/>
-              </a:ext>
-            </a:extLst>
-          </a:blip>
-          <a:stretch>
-            <a:fillRect/>
-          </a:stretch>
-        </p:blipFill>
-        <p:spPr>
-          <a:xfrm>
-            <a:off x="895349" y="1566801"/>
-            <a:ext cx="10401300" cy="4119996"/>
-          </a:xfrm>
-          <a:prstGeom prst="rect">
-            <a:avLst/>
-          </a:prstGeom>
-        </p:spPr>
-      </p:pic>
-    </p:spTree>
-    <p:extLst>
-      <p:ext uri="{BB962C8B-B14F-4D97-AF65-F5344CB8AC3E}">
-        <p14:creationId xmlns:p14="http://schemas.microsoft.com/office/powerpoint/2010/main" val="1511649719"/>
-      </p:ext>
-    </p:extLst>
-  </p:cSld>
-  <p:clrMapOvr>
-    <a:masterClrMapping/>
-  </p:clrMapOvr>
-</p:sld>
-</file>
-
-<file path=ppt/slides/slide17.xml><?xml version="1.0" encoding="utf-8"?>
-<p:sld xmlns:a="http://schemas.openxmlformats.org/drawingml/2006/main" xmlns:r="http://schemas.openxmlformats.org/officeDocument/2006/relationships" xmlns:p="http://schemas.openxmlformats.org/presentationml/2006/main">
-  <p:cSld>
-    <p:spTree>
-      <p:nvGrpSpPr>
-        <p:cNvPr id="1" name=""/>
-        <p:cNvGrpSpPr/>
-        <p:nvPr/>
-      </p:nvGrpSpPr>
-      <p:grpSpPr>
-        <a:xfrm>
-          <a:off x="0" y="0"/>
-          <a:ext cx="0" cy="0"/>
-          <a:chOff x="0" y="0"/>
-          <a:chExt cx="0" cy="0"/>
-        </a:xfrm>
-      </p:grpSpPr>
-      <p:sp>
-        <p:nvSpPr>
-          <p:cNvPr id="2" name="Title 1">
-            <a:extLst>
-              <a:ext uri="{FF2B5EF4-FFF2-40B4-BE49-F238E27FC236}">
-                <a16:creationId xmlns:a16="http://schemas.microsoft.com/office/drawing/2014/main" id="{9DFAB6D9-6B04-435A-8F2B-C8037A46285C}"/>
-              </a:ext>
-            </a:extLst>
-          </p:cNvPr>
-          <p:cNvSpPr>
-            <a:spLocks noGrp="1"/>
-          </p:cNvSpPr>
-          <p:nvPr>
-            <p:ph type="title"/>
-          </p:nvPr>
-        </p:nvSpPr>
-        <p:spPr/>
-        <p:txBody>
-          <a:bodyPr/>
-          <a:lstStyle/>
-          <a:p>
-            <a:r>
-              <a:rPr lang="en-GB" dirty="0"/>
-              <a:t>Spread and isolation in the model</a:t>
-            </a:r>
-          </a:p>
-        </p:txBody>
-      </p:sp>
-      <p:sp>
-        <p:nvSpPr>
-          <p:cNvPr id="3" name="Content Placeholder 2">
-            <a:extLst>
-              <a:ext uri="{FF2B5EF4-FFF2-40B4-BE49-F238E27FC236}">
-                <a16:creationId xmlns:a16="http://schemas.microsoft.com/office/drawing/2014/main" id="{3F938046-09A5-4A6C-AA05-2078A6AD82AB}"/>
-              </a:ext>
-            </a:extLst>
-          </p:cNvPr>
-          <p:cNvSpPr>
-            <a:spLocks noGrp="1"/>
-          </p:cNvSpPr>
-          <p:nvPr>
-            <p:ph idx="1"/>
-          </p:nvPr>
-        </p:nvSpPr>
-        <p:spPr/>
-        <p:txBody>
-          <a:bodyPr/>
-          <a:lstStyle/>
-          <a:p>
-            <a:pPr marL="514350" indent="-514350">
-              <a:buFont typeface="+mj-lt"/>
-              <a:buAutoNum type="arabicPeriod"/>
-            </a:pPr>
-            <a:r>
-              <a:rPr lang="en-GB" dirty="0"/>
-              <a:t>Disease can spread from infected patients to uninfected patients, and patients with a less resistant strain, with a certain probability of doing this each timestep</a:t>
-            </a:r>
-          </a:p>
-          <a:p>
-            <a:pPr marL="514350" indent="-514350">
-              <a:buFont typeface="+mj-lt"/>
-              <a:buAutoNum type="arabicPeriod"/>
-            </a:pPr>
-            <a:r>
-              <a:rPr lang="en-GB" dirty="0"/>
-              <a:t>Patients can be isolated, meaning they cannot spread the disease</a:t>
-            </a:r>
-          </a:p>
-          <a:p>
-            <a:r>
-              <a:rPr lang="en-GB" dirty="0"/>
-              <a:t>Without our product:</a:t>
-            </a:r>
-          </a:p>
-          <a:p>
-            <a:pPr lvl="1"/>
-            <a:r>
-              <a:rPr lang="en-GB" dirty="0"/>
-              <a:t>A person enters isolation when they reach the highest level of treatment (i.e. it is not related to whether the infection has the highest level of resistance)</a:t>
-            </a:r>
-          </a:p>
-          <a:p>
-            <a:r>
-              <a:rPr lang="en-GB" dirty="0"/>
-              <a:t>With our product:</a:t>
-            </a:r>
-          </a:p>
-          <a:p>
-            <a:pPr lvl="1"/>
-            <a:r>
-              <a:rPr lang="en-GB" dirty="0"/>
-              <a:t>Isolation is not dependent on treatment level, but whether the highest level of resistance has been detected. If it hasn’t, no isolation. If it has, isolation.</a:t>
-            </a:r>
-          </a:p>
-        </p:txBody>
-      </p:sp>
-    </p:spTree>
-    <p:extLst>
-      <p:ext uri="{BB962C8B-B14F-4D97-AF65-F5344CB8AC3E}">
-        <p14:creationId xmlns:p14="http://schemas.microsoft.com/office/powerpoint/2010/main" val="1918978976"/>
-      </p:ext>
-    </p:extLst>
-  </p:cSld>
-  <p:clrMapOvr>
-    <a:masterClrMapping/>
-  </p:clrMapOvr>
-</p:sld>
-</file>
-
-<file path=ppt/slides/slide18.xml><?xml version="1.0" encoding="utf-8"?>
+<file path=ppt/slides/slide11.xml><?xml version="1.0" encoding="utf-8"?>
 <p:sld xmlns:a="http://schemas.openxmlformats.org/drawingml/2006/main" xmlns:r="http://schemas.openxmlformats.org/officeDocument/2006/relationships" xmlns:p="http://schemas.openxmlformats.org/presentationml/2006/main">
   <p:cSld>
     <p:spTree>
@@ -7812,7 +7097,7 @@
         </p:nvSpPr>
         <p:spPr>
           <a:xfrm>
-            <a:off x="4017850" y="1177726"/>
+            <a:off x="3998527" y="1796807"/>
             <a:ext cx="844336" cy="276999"/>
           </a:xfrm>
           <a:prstGeom prst="rect">
@@ -7847,7 +7132,7 @@
         </p:nvSpPr>
         <p:spPr>
           <a:xfrm>
-            <a:off x="6889511" y="1725627"/>
+            <a:off x="6897291" y="2036497"/>
             <a:ext cx="844336" cy="276999"/>
           </a:xfrm>
           <a:prstGeom prst="rect">
@@ -7882,7 +7167,7 @@
         </p:nvSpPr>
         <p:spPr>
           <a:xfrm rot="16200000">
-            <a:off x="7649348" y="3897187"/>
+            <a:off x="6997771" y="3897186"/>
             <a:ext cx="432000" cy="432000"/>
           </a:xfrm>
           <a:prstGeom prst="curvedRightArrow">
@@ -7913,94 +7198,6 @@
                 <a:schemeClr val="tx1"/>
               </a:solidFill>
             </a:endParaRPr>
-          </a:p>
-        </p:txBody>
-      </p:sp>
-      <p:sp>
-        <p:nvSpPr>
-          <p:cNvPr id="39" name="TextBox 38">
-            <a:extLst>
-              <a:ext uri="{FF2B5EF4-FFF2-40B4-BE49-F238E27FC236}">
-                <a16:creationId xmlns:a16="http://schemas.microsoft.com/office/drawing/2014/main" id="{1CE4F8A4-3193-47B9-88E2-DCD81F6E434F}"/>
-              </a:ext>
-            </a:extLst>
-          </p:cNvPr>
-          <p:cNvSpPr txBox="1"/>
-          <p:nvPr/>
-        </p:nvSpPr>
-        <p:spPr>
-          <a:xfrm>
-            <a:off x="8254120" y="3908979"/>
-            <a:ext cx="3713880" cy="2677656"/>
-          </a:xfrm>
-          <a:prstGeom prst="rect">
-            <a:avLst/>
-          </a:prstGeom>
-          <a:ln w="76200">
-            <a:solidFill>
-              <a:srgbClr val="FF0000"/>
-            </a:solidFill>
-            <a:prstDash val="dash"/>
-          </a:ln>
-        </p:spPr>
-        <p:style>
-          <a:lnRef idx="2">
-            <a:schemeClr val="accent1"/>
-          </a:lnRef>
-          <a:fillRef idx="1">
-            <a:schemeClr val="lt1"/>
-          </a:fillRef>
-          <a:effectRef idx="0">
-            <a:schemeClr val="accent1"/>
-          </a:effectRef>
-          <a:fontRef idx="minor">
-            <a:schemeClr val="dk1"/>
-          </a:fontRef>
-        </p:style>
-        <p:txBody>
-          <a:bodyPr wrap="square" rtlCol="0">
-            <a:spAutoFit/>
-          </a:bodyPr>
-          <a:lstStyle/>
-          <a:p>
-            <a:r>
-              <a:rPr lang="en-GB" sz="1200" dirty="0"/>
-              <a:t>A patient can be put into isolation, which doesn’t change their state, but stops them spreading/receiving any infections they have.</a:t>
-            </a:r>
-          </a:p>
-          <a:p>
-            <a:endParaRPr lang="en-GB" sz="1200" dirty="0">
-              <a:solidFill>
-                <a:srgbClr val="FF0000"/>
-              </a:solidFill>
-            </a:endParaRPr>
-          </a:p>
-          <a:p>
-            <a:r>
-              <a:rPr lang="en-GB" sz="1200" dirty="0">
-                <a:solidFill>
-                  <a:schemeClr val="accent5"/>
-                </a:solidFill>
-              </a:rPr>
-              <a:t>Without the product, it takes a set lag period, then a random chance each time on top of that, and for the current drug to be insufficient (this models tests with long lag times) to increase the treatment, then when the treatment exceeds a threshold, they will be isolated</a:t>
-            </a:r>
-          </a:p>
-          <a:p>
-            <a:endParaRPr lang="en-GB" sz="1200" dirty="0">
-              <a:solidFill>
-                <a:schemeClr val="accent5"/>
-              </a:solidFill>
-            </a:endParaRPr>
-          </a:p>
-          <a:p>
-            <a:r>
-              <a:rPr lang="en-GB" sz="1200" dirty="0">
-                <a:solidFill>
-                  <a:schemeClr val="accent6"/>
-                </a:solidFill>
-              </a:rPr>
-              <a:t>With the product, patients are instantly isolated when their infection exceeds the threshold, since our product allows very fast testing – modelled as shorter than one timestep</a:t>
-            </a:r>
           </a:p>
         </p:txBody>
       </p:sp>
@@ -8490,10 +7687,45 @@
           </a:p>
         </p:txBody>
       </p:sp>
+      <p:sp>
+        <p:nvSpPr>
+          <p:cNvPr id="40" name="TextBox 39">
+            <a:extLst>
+              <a:ext uri="{FF2B5EF4-FFF2-40B4-BE49-F238E27FC236}">
+                <a16:creationId xmlns:a16="http://schemas.microsoft.com/office/drawing/2014/main" id="{6E7FF86A-8E13-4E42-93F6-A60CE7C94197}"/>
+              </a:ext>
+            </a:extLst>
+          </p:cNvPr>
+          <p:cNvSpPr txBox="1"/>
+          <p:nvPr/>
+        </p:nvSpPr>
+        <p:spPr>
+          <a:xfrm>
+            <a:off x="7449092" y="4001312"/>
+            <a:ext cx="844336" cy="276999"/>
+          </a:xfrm>
+          <a:prstGeom prst="rect">
+            <a:avLst/>
+          </a:prstGeom>
+          <a:noFill/>
+        </p:spPr>
+        <p:txBody>
+          <a:bodyPr wrap="square" rtlCol="0">
+            <a:spAutoFit/>
+          </a:bodyPr>
+          <a:lstStyle/>
+          <a:p>
+            <a:r>
+              <a:rPr lang="en-GB" sz="1200" dirty="0"/>
+              <a:t>Isolation</a:t>
+            </a:r>
+          </a:p>
+        </p:txBody>
+      </p:sp>
     </p:spTree>
     <p:extLst>
       <p:ext uri="{BB962C8B-B14F-4D97-AF65-F5344CB8AC3E}">
-        <p14:creationId xmlns:p14="http://schemas.microsoft.com/office/powerpoint/2010/main" val="2804164490"/>
+        <p14:creationId xmlns:p14="http://schemas.microsoft.com/office/powerpoint/2010/main" val="1845584268"/>
       </p:ext>
     </p:extLst>
   </p:cSld>
@@ -8503,7 +7735,495 @@
 </p:sld>
 </file>
 
-<file path=ppt/slides/slide19.xml><?xml version="1.0" encoding="utf-8"?>
+<file path=ppt/slides/slide12.xml><?xml version="1.0" encoding="utf-8"?>
+<p:sld xmlns:a="http://schemas.openxmlformats.org/drawingml/2006/main" xmlns:r="http://schemas.openxmlformats.org/officeDocument/2006/relationships" xmlns:p="http://schemas.openxmlformats.org/presentationml/2006/main">
+  <p:cSld>
+    <p:spTree>
+      <p:nvGrpSpPr>
+        <p:cNvPr id="1" name=""/>
+        <p:cNvGrpSpPr/>
+        <p:nvPr/>
+      </p:nvGrpSpPr>
+      <p:grpSpPr>
+        <a:xfrm>
+          <a:off x="0" y="0"/>
+          <a:ext cx="0" cy="0"/>
+          <a:chOff x="0" y="0"/>
+          <a:chExt cx="0" cy="0"/>
+        </a:xfrm>
+      </p:grpSpPr>
+      <p:sp>
+        <p:nvSpPr>
+          <p:cNvPr id="2" name="Title 1">
+            <a:extLst>
+              <a:ext uri="{FF2B5EF4-FFF2-40B4-BE49-F238E27FC236}">
+                <a16:creationId xmlns:a16="http://schemas.microsoft.com/office/drawing/2014/main" id="{9DFAB6D9-6B04-435A-8F2B-C8037A46285C}"/>
+              </a:ext>
+            </a:extLst>
+          </p:cNvPr>
+          <p:cNvSpPr>
+            <a:spLocks noGrp="1"/>
+          </p:cNvSpPr>
+          <p:nvPr>
+            <p:ph type="title"/>
+          </p:nvPr>
+        </p:nvSpPr>
+        <p:spPr/>
+        <p:txBody>
+          <a:bodyPr/>
+          <a:lstStyle/>
+          <a:p>
+            <a:r>
+              <a:rPr lang="en-GB" dirty="0"/>
+              <a:t>Treatment in the model</a:t>
+            </a:r>
+          </a:p>
+        </p:txBody>
+      </p:sp>
+      <p:sp>
+        <p:nvSpPr>
+          <p:cNvPr id="3" name="Content Placeholder 2">
+            <a:extLst>
+              <a:ext uri="{FF2B5EF4-FFF2-40B4-BE49-F238E27FC236}">
+                <a16:creationId xmlns:a16="http://schemas.microsoft.com/office/drawing/2014/main" id="{3F938046-09A5-4A6C-AA05-2078A6AD82AB}"/>
+              </a:ext>
+            </a:extLst>
+          </p:cNvPr>
+          <p:cNvSpPr>
+            <a:spLocks noGrp="1"/>
+          </p:cNvSpPr>
+          <p:nvPr>
+            <p:ph idx="1"/>
+          </p:nvPr>
+        </p:nvSpPr>
+        <p:spPr/>
+        <p:txBody>
+          <a:bodyPr>
+            <a:normAutofit fontScale="92500" lnSpcReduction="20000"/>
+          </a:bodyPr>
+          <a:lstStyle/>
+          <a:p>
+            <a:r>
+              <a:rPr lang="en-GB" dirty="0"/>
+              <a:t>Antibiotics are used in a specific order, with antibiotic 1 used before 2 and so on</a:t>
+            </a:r>
+          </a:p>
+          <a:p>
+            <a:r>
+              <a:rPr lang="en-GB" dirty="0"/>
+              <a:t>Diseases have a small chance of developing resistance to antibiotics when they are being used on a patient</a:t>
+            </a:r>
+          </a:p>
+          <a:p>
+            <a:r>
+              <a:rPr lang="en-GB" dirty="0"/>
+              <a:t>Once a person becomes infected, treatment starts immediately</a:t>
+            </a:r>
+          </a:p>
+          <a:p>
+            <a:r>
+              <a:rPr lang="en-GB" dirty="0"/>
+              <a:t>Staff do not know if there is any resistance, hence they will start with the lowest level of antibiotics</a:t>
+            </a:r>
+          </a:p>
+          <a:p>
+            <a:r>
+              <a:rPr lang="en-GB" dirty="0"/>
+              <a:t>If the infection is resistant, there will be no greater chance of recovery than for an untreated patient – i.e. the antibiotic won’t work</a:t>
+            </a:r>
+          </a:p>
+          <a:p>
+            <a:r>
+              <a:rPr lang="en-GB" dirty="0"/>
+              <a:t>Every turn the person has not recovered or died, if the person has been treated for a number of consecutive days with the, and a certain probability is exceeded, then they are moved up to a higher antibiotic tier</a:t>
+            </a:r>
+          </a:p>
+          <a:p>
+            <a:endParaRPr lang="en-GB" dirty="0"/>
+          </a:p>
+          <a:p>
+            <a:endParaRPr lang="en-GB" dirty="0"/>
+          </a:p>
+        </p:txBody>
+      </p:sp>
+    </p:spTree>
+    <p:extLst>
+      <p:ext uri="{BB962C8B-B14F-4D97-AF65-F5344CB8AC3E}">
+        <p14:creationId xmlns:p14="http://schemas.microsoft.com/office/powerpoint/2010/main" val="1221622486"/>
+      </p:ext>
+    </p:extLst>
+  </p:cSld>
+  <p:clrMapOvr>
+    <a:masterClrMapping/>
+  </p:clrMapOvr>
+</p:sld>
+</file>
+
+<file path=ppt/slides/slide13.xml><?xml version="1.0" encoding="utf-8"?>
+<p:sld xmlns:a="http://schemas.openxmlformats.org/drawingml/2006/main" xmlns:r="http://schemas.openxmlformats.org/officeDocument/2006/relationships" xmlns:p="http://schemas.openxmlformats.org/presentationml/2006/main">
+  <p:cSld>
+    <p:spTree>
+      <p:nvGrpSpPr>
+        <p:cNvPr id="1" name=""/>
+        <p:cNvGrpSpPr/>
+        <p:nvPr/>
+      </p:nvGrpSpPr>
+      <p:grpSpPr>
+        <a:xfrm>
+          <a:off x="0" y="0"/>
+          <a:ext cx="0" cy="0"/>
+          <a:chOff x="0" y="0"/>
+          <a:chExt cx="0" cy="0"/>
+        </a:xfrm>
+      </p:grpSpPr>
+      <p:pic>
+        <p:nvPicPr>
+          <p:cNvPr id="3" name="Picture 2" descr="Text&#10;&#10;Description automatically generated">
+            <a:extLst>
+              <a:ext uri="{FF2B5EF4-FFF2-40B4-BE49-F238E27FC236}">
+                <a16:creationId xmlns:a16="http://schemas.microsoft.com/office/drawing/2014/main" id="{17AB4949-76E6-4945-86DD-45C6B22DB56A}"/>
+              </a:ext>
+            </a:extLst>
+          </p:cNvPr>
+          <p:cNvPicPr>
+            <a:picLocks noChangeAspect="1"/>
+          </p:cNvPicPr>
+          <p:nvPr/>
+        </p:nvPicPr>
+        <p:blipFill>
+          <a:blip r:embed="rId2">
+            <a:extLst>
+              <a:ext uri="{28A0092B-C50C-407E-A947-70E740481C1C}">
+                <a14:useLocalDpi xmlns:a14="http://schemas.microsoft.com/office/drawing/2010/main" val="0"/>
+              </a:ext>
+            </a:extLst>
+          </a:blip>
+          <a:stretch>
+            <a:fillRect/>
+          </a:stretch>
+        </p:blipFill>
+        <p:spPr>
+          <a:xfrm>
+            <a:off x="1384820" y="733577"/>
+            <a:ext cx="9422360" cy="5390845"/>
+          </a:xfrm>
+          <a:prstGeom prst="rect">
+            <a:avLst/>
+          </a:prstGeom>
+        </p:spPr>
+      </p:pic>
+    </p:spTree>
+    <p:extLst>
+      <p:ext uri="{BB962C8B-B14F-4D97-AF65-F5344CB8AC3E}">
+        <p14:creationId xmlns:p14="http://schemas.microsoft.com/office/powerpoint/2010/main" val="1621922302"/>
+      </p:ext>
+    </p:extLst>
+  </p:cSld>
+  <p:clrMapOvr>
+    <a:masterClrMapping/>
+  </p:clrMapOvr>
+</p:sld>
+</file>
+
+<file path=ppt/slides/slide14.xml><?xml version="1.0" encoding="utf-8"?>
+<p:sld xmlns:a="http://schemas.openxmlformats.org/drawingml/2006/main" xmlns:r="http://schemas.openxmlformats.org/officeDocument/2006/relationships" xmlns:p="http://schemas.openxmlformats.org/presentationml/2006/main">
+  <p:cSld>
+    <p:spTree>
+      <p:nvGrpSpPr>
+        <p:cNvPr id="1" name=""/>
+        <p:cNvGrpSpPr/>
+        <p:nvPr/>
+      </p:nvGrpSpPr>
+      <p:grpSpPr>
+        <a:xfrm>
+          <a:off x="0" y="0"/>
+          <a:ext cx="0" cy="0"/>
+          <a:chOff x="0" y="0"/>
+          <a:chExt cx="0" cy="0"/>
+        </a:xfrm>
+      </p:grpSpPr>
+      <p:sp>
+        <p:nvSpPr>
+          <p:cNvPr id="2" name="Title 1">
+            <a:extLst>
+              <a:ext uri="{FF2B5EF4-FFF2-40B4-BE49-F238E27FC236}">
+                <a16:creationId xmlns:a16="http://schemas.microsoft.com/office/drawing/2014/main" id="{9DFAB6D9-6B04-435A-8F2B-C8037A46285C}"/>
+              </a:ext>
+            </a:extLst>
+          </p:cNvPr>
+          <p:cNvSpPr>
+            <a:spLocks noGrp="1"/>
+          </p:cNvSpPr>
+          <p:nvPr>
+            <p:ph type="title"/>
+          </p:nvPr>
+        </p:nvSpPr>
+        <p:spPr/>
+        <p:txBody>
+          <a:bodyPr/>
+          <a:lstStyle/>
+          <a:p>
+            <a:r>
+              <a:rPr lang="en-GB" dirty="0"/>
+              <a:t>Spread and isolation in the model</a:t>
+            </a:r>
+          </a:p>
+        </p:txBody>
+      </p:sp>
+      <p:sp>
+        <p:nvSpPr>
+          <p:cNvPr id="3" name="Content Placeholder 2">
+            <a:extLst>
+              <a:ext uri="{FF2B5EF4-FFF2-40B4-BE49-F238E27FC236}">
+                <a16:creationId xmlns:a16="http://schemas.microsoft.com/office/drawing/2014/main" id="{3F938046-09A5-4A6C-AA05-2078A6AD82AB}"/>
+              </a:ext>
+            </a:extLst>
+          </p:cNvPr>
+          <p:cNvSpPr>
+            <a:spLocks noGrp="1"/>
+          </p:cNvSpPr>
+          <p:nvPr>
+            <p:ph idx="1"/>
+          </p:nvPr>
+        </p:nvSpPr>
+        <p:spPr/>
+        <p:txBody>
+          <a:bodyPr/>
+          <a:lstStyle/>
+          <a:p>
+            <a:pPr marL="514350" indent="-514350">
+              <a:buFont typeface="+mj-lt"/>
+              <a:buAutoNum type="arabicPeriod"/>
+            </a:pPr>
+            <a:r>
+              <a:rPr lang="en-GB" dirty="0"/>
+              <a:t>Disease can spread from infected patients to uninfected patients, and patients with a less resistant strain</a:t>
+            </a:r>
+          </a:p>
+          <a:p>
+            <a:pPr lvl="1"/>
+            <a:r>
+              <a:rPr lang="en-GB" dirty="0"/>
+              <a:t>Variable probability of each infected person doing this, and variable number spread to</a:t>
+            </a:r>
+          </a:p>
+        </p:txBody>
+      </p:sp>
+    </p:spTree>
+    <p:extLst>
+      <p:ext uri="{BB962C8B-B14F-4D97-AF65-F5344CB8AC3E}">
+        <p14:creationId xmlns:p14="http://schemas.microsoft.com/office/powerpoint/2010/main" val="479761472"/>
+      </p:ext>
+    </p:extLst>
+  </p:cSld>
+  <p:clrMapOvr>
+    <a:masterClrMapping/>
+  </p:clrMapOvr>
+</p:sld>
+</file>
+
+<file path=ppt/slides/slide15.xml><?xml version="1.0" encoding="utf-8"?>
+<p:sld xmlns:a="http://schemas.openxmlformats.org/drawingml/2006/main" xmlns:r="http://schemas.openxmlformats.org/officeDocument/2006/relationships" xmlns:p="http://schemas.openxmlformats.org/presentationml/2006/main">
+  <p:cSld>
+    <p:spTree>
+      <p:nvGrpSpPr>
+        <p:cNvPr id="1" name=""/>
+        <p:cNvGrpSpPr/>
+        <p:nvPr/>
+      </p:nvGrpSpPr>
+      <p:grpSpPr>
+        <a:xfrm>
+          <a:off x="0" y="0"/>
+          <a:ext cx="0" cy="0"/>
+          <a:chOff x="0" y="0"/>
+          <a:chExt cx="0" cy="0"/>
+        </a:xfrm>
+      </p:grpSpPr>
+      <p:pic>
+        <p:nvPicPr>
+          <p:cNvPr id="5" name="Picture 4" descr="Text&#10;&#10;Description automatically generated">
+            <a:extLst>
+              <a:ext uri="{FF2B5EF4-FFF2-40B4-BE49-F238E27FC236}">
+                <a16:creationId xmlns:a16="http://schemas.microsoft.com/office/drawing/2014/main" id="{10B5128A-F24E-477E-A5F6-AE0173B4C421}"/>
+              </a:ext>
+            </a:extLst>
+          </p:cNvPr>
+          <p:cNvPicPr>
+            <a:picLocks noChangeAspect="1"/>
+          </p:cNvPicPr>
+          <p:nvPr/>
+        </p:nvPicPr>
+        <p:blipFill>
+          <a:blip r:embed="rId2">
+            <a:extLst>
+              <a:ext uri="{28A0092B-C50C-407E-A947-70E740481C1C}">
+                <a14:useLocalDpi xmlns:a14="http://schemas.microsoft.com/office/drawing/2010/main" val="0"/>
+              </a:ext>
+            </a:extLst>
+          </a:blip>
+          <a:stretch>
+            <a:fillRect/>
+          </a:stretch>
+        </p:blipFill>
+        <p:spPr>
+          <a:xfrm>
+            <a:off x="895350" y="1369002"/>
+            <a:ext cx="10401300" cy="4119996"/>
+          </a:xfrm>
+          <a:prstGeom prst="rect">
+            <a:avLst/>
+          </a:prstGeom>
+        </p:spPr>
+      </p:pic>
+    </p:spTree>
+    <p:extLst>
+      <p:ext uri="{BB962C8B-B14F-4D97-AF65-F5344CB8AC3E}">
+        <p14:creationId xmlns:p14="http://schemas.microsoft.com/office/powerpoint/2010/main" val="1511649719"/>
+      </p:ext>
+    </p:extLst>
+  </p:cSld>
+  <p:clrMapOvr>
+    <a:masterClrMapping/>
+  </p:clrMapOvr>
+</p:sld>
+</file>
+
+<file path=ppt/slides/slide16.xml><?xml version="1.0" encoding="utf-8"?>
+<p:sld xmlns:a="http://schemas.openxmlformats.org/drawingml/2006/main" xmlns:r="http://schemas.openxmlformats.org/officeDocument/2006/relationships" xmlns:p="http://schemas.openxmlformats.org/presentationml/2006/main">
+  <p:cSld>
+    <p:spTree>
+      <p:nvGrpSpPr>
+        <p:cNvPr id="1" name=""/>
+        <p:cNvGrpSpPr/>
+        <p:nvPr/>
+      </p:nvGrpSpPr>
+      <p:grpSpPr>
+        <a:xfrm>
+          <a:off x="0" y="0"/>
+          <a:ext cx="0" cy="0"/>
+          <a:chOff x="0" y="0"/>
+          <a:chExt cx="0" cy="0"/>
+        </a:xfrm>
+      </p:grpSpPr>
+      <p:sp>
+        <p:nvSpPr>
+          <p:cNvPr id="2" name="Title 1">
+            <a:extLst>
+              <a:ext uri="{FF2B5EF4-FFF2-40B4-BE49-F238E27FC236}">
+                <a16:creationId xmlns:a16="http://schemas.microsoft.com/office/drawing/2014/main" id="{9DFAB6D9-6B04-435A-8F2B-C8037A46285C}"/>
+              </a:ext>
+            </a:extLst>
+          </p:cNvPr>
+          <p:cNvSpPr>
+            <a:spLocks noGrp="1"/>
+          </p:cNvSpPr>
+          <p:nvPr>
+            <p:ph type="title"/>
+          </p:nvPr>
+        </p:nvSpPr>
+        <p:spPr/>
+        <p:txBody>
+          <a:bodyPr/>
+          <a:lstStyle/>
+          <a:p>
+            <a:r>
+              <a:rPr lang="en-GB" dirty="0"/>
+              <a:t>Spread and isolation in the model</a:t>
+            </a:r>
+          </a:p>
+        </p:txBody>
+      </p:sp>
+      <p:sp>
+        <p:nvSpPr>
+          <p:cNvPr id="3" name="Content Placeholder 2">
+            <a:extLst>
+              <a:ext uri="{FF2B5EF4-FFF2-40B4-BE49-F238E27FC236}">
+                <a16:creationId xmlns:a16="http://schemas.microsoft.com/office/drawing/2014/main" id="{3F938046-09A5-4A6C-AA05-2078A6AD82AB}"/>
+              </a:ext>
+            </a:extLst>
+          </p:cNvPr>
+          <p:cNvSpPr>
+            <a:spLocks noGrp="1"/>
+          </p:cNvSpPr>
+          <p:nvPr>
+            <p:ph idx="1"/>
+          </p:nvPr>
+        </p:nvSpPr>
+        <p:spPr/>
+        <p:txBody>
+          <a:bodyPr>
+            <a:normAutofit fontScale="92500" lnSpcReduction="10000"/>
+          </a:bodyPr>
+          <a:lstStyle/>
+          <a:p>
+            <a:pPr marL="514350" indent="-514350">
+              <a:buFont typeface="+mj-lt"/>
+              <a:buAutoNum type="arabicPeriod"/>
+            </a:pPr>
+            <a:r>
+              <a:rPr lang="en-GB" dirty="0"/>
+              <a:t>Disease can spread from infected patients to uninfected patients, and patients with a less resistant strain, with a certain probability of doing this each timestep</a:t>
+            </a:r>
+          </a:p>
+          <a:p>
+            <a:pPr lvl="1"/>
+            <a:r>
+              <a:rPr lang="en-GB" dirty="0"/>
+              <a:t>Variable probability of each infected person doing this, and variable number spread to</a:t>
+            </a:r>
+          </a:p>
+          <a:p>
+            <a:pPr marL="514350" indent="-514350">
+              <a:buFont typeface="+mj-lt"/>
+              <a:buAutoNum type="arabicPeriod"/>
+            </a:pPr>
+            <a:r>
+              <a:rPr lang="en-GB" dirty="0"/>
+              <a:t>Patients can be isolated, meaning they cannot spread the disease</a:t>
+            </a:r>
+          </a:p>
+          <a:p>
+            <a:r>
+              <a:rPr lang="en-GB" dirty="0"/>
+              <a:t>Without our product:</a:t>
+            </a:r>
+          </a:p>
+          <a:p>
+            <a:pPr lvl="1"/>
+            <a:r>
+              <a:rPr lang="en-GB" dirty="0"/>
+              <a:t>A person enters isolation when they reach the highest level of treatment (i.e. it is not related to whether the infection has the highest level of resistance)</a:t>
+            </a:r>
+          </a:p>
+          <a:p>
+            <a:r>
+              <a:rPr lang="en-GB" dirty="0"/>
+              <a:t>With our product:</a:t>
+            </a:r>
+          </a:p>
+          <a:p>
+            <a:pPr lvl="1"/>
+            <a:r>
+              <a:rPr lang="en-GB" dirty="0"/>
+              <a:t>Isolation is not dependent on treatment level, but whether the highest level of resistance has been detected. If it hasn’t, no isolation. If it has, isolation.</a:t>
+            </a:r>
+          </a:p>
+        </p:txBody>
+      </p:sp>
+    </p:spTree>
+    <p:extLst>
+      <p:ext uri="{BB962C8B-B14F-4D97-AF65-F5344CB8AC3E}">
+        <p14:creationId xmlns:p14="http://schemas.microsoft.com/office/powerpoint/2010/main" val="1918978976"/>
+      </p:ext>
+    </p:extLst>
+  </p:cSld>
+  <p:clrMapOvr>
+    <a:masterClrMapping/>
+  </p:clrMapOvr>
+</p:sld>
+</file>
+
+<file path=ppt/slides/slide17.xml><?xml version="1.0" encoding="utf-8"?>
 <p:sld xmlns:a="http://schemas.openxmlformats.org/drawingml/2006/main" xmlns:r="http://schemas.openxmlformats.org/officeDocument/2006/relationships" xmlns:p="http://schemas.openxmlformats.org/presentationml/2006/main">
   <p:cSld>
     <p:spTree>
@@ -8548,7 +8268,7 @@
         </p:blipFill>
         <p:spPr>
           <a:xfrm>
-            <a:off x="988290" y="1062452"/>
+            <a:off x="988291" y="865698"/>
             <a:ext cx="10215418" cy="5126603"/>
           </a:xfrm>
           <a:prstGeom prst="rect">
@@ -8569,284 +8289,7 @@
 </p:sld>
 </file>
 
-<file path=ppt/slides/slide2.xml><?xml version="1.0" encoding="utf-8"?>
-<p:sld xmlns:a="http://schemas.openxmlformats.org/drawingml/2006/main" xmlns:r="http://schemas.openxmlformats.org/officeDocument/2006/relationships" xmlns:p="http://schemas.openxmlformats.org/presentationml/2006/main">
-  <p:cSld>
-    <p:spTree>
-      <p:nvGrpSpPr>
-        <p:cNvPr id="1" name=""/>
-        <p:cNvGrpSpPr/>
-        <p:nvPr/>
-      </p:nvGrpSpPr>
-      <p:grpSpPr>
-        <a:xfrm>
-          <a:off x="0" y="0"/>
-          <a:ext cx="0" cy="0"/>
-          <a:chOff x="0" y="0"/>
-          <a:chExt cx="0" cy="0"/>
-        </a:xfrm>
-      </p:grpSpPr>
-      <p:sp>
-        <p:nvSpPr>
-          <p:cNvPr id="2" name="Title 1">
-            <a:extLst>
-              <a:ext uri="{FF2B5EF4-FFF2-40B4-BE49-F238E27FC236}">
-                <a16:creationId xmlns:a16="http://schemas.microsoft.com/office/drawing/2014/main" id="{2D937CB4-C49D-42A0-B8C2-8B13C0E98B8B}"/>
-              </a:ext>
-            </a:extLst>
-          </p:cNvPr>
-          <p:cNvSpPr>
-            <a:spLocks noGrp="1"/>
-          </p:cNvSpPr>
-          <p:nvPr>
-            <p:ph type="title"/>
-          </p:nvPr>
-        </p:nvSpPr>
-        <p:spPr/>
-        <p:txBody>
-          <a:bodyPr/>
-          <a:lstStyle/>
-          <a:p>
-            <a:r>
-              <a:rPr lang="en-GB" dirty="0"/>
-              <a:t>Introduction</a:t>
-            </a:r>
-          </a:p>
-        </p:txBody>
-      </p:sp>
-      <p:sp>
-        <p:nvSpPr>
-          <p:cNvPr id="3" name="Content Placeholder 2">
-            <a:extLst>
-              <a:ext uri="{FF2B5EF4-FFF2-40B4-BE49-F238E27FC236}">
-                <a16:creationId xmlns:a16="http://schemas.microsoft.com/office/drawing/2014/main" id="{333404E0-06DB-4EA6-9CF3-DD3D6C96DC27}"/>
-              </a:ext>
-            </a:extLst>
-          </p:cNvPr>
-          <p:cNvSpPr>
-            <a:spLocks noGrp="1"/>
-          </p:cNvSpPr>
-          <p:nvPr>
-            <p:ph idx="1"/>
-          </p:nvPr>
-        </p:nvSpPr>
-        <p:spPr/>
-        <p:txBody>
-          <a:bodyPr>
-            <a:normAutofit lnSpcReduction="10000"/>
-          </a:bodyPr>
-          <a:lstStyle/>
-          <a:p>
-            <a:r>
-              <a:rPr lang="en-GB" dirty="0"/>
-              <a:t>What does the model do?</a:t>
-            </a:r>
-          </a:p>
-          <a:p>
-            <a:pPr lvl="1"/>
-            <a:r>
-              <a:rPr lang="en-GB" dirty="0"/>
-              <a:t>Shows the spread of a disease and the spread of levels of antimicrobial resistance among a population.</a:t>
-            </a:r>
-          </a:p>
-          <a:p>
-            <a:pPr lvl="2"/>
-            <a:r>
-              <a:rPr lang="en-GB" dirty="0"/>
-              <a:t>Models spread across patients, not sinks, for simplicity – but our product could be used like this in future, just lots of out of scope paperwork</a:t>
-            </a:r>
-          </a:p>
-          <a:p>
-            <a:pPr lvl="1"/>
-            <a:r>
-              <a:rPr lang="en-GB" dirty="0"/>
-              <a:t>Two modes</a:t>
-            </a:r>
-          </a:p>
-          <a:p>
-            <a:pPr marL="1371600" lvl="2" indent="-457200">
-              <a:buFont typeface="+mj-lt"/>
-              <a:buAutoNum type="arabicPeriod"/>
-            </a:pPr>
-            <a:r>
-              <a:rPr lang="en-GB" dirty="0"/>
-              <a:t>With our product in use</a:t>
-            </a:r>
-          </a:p>
-          <a:p>
-            <a:pPr marL="1371600" lvl="2" indent="-457200">
-              <a:buFont typeface="+mj-lt"/>
-              <a:buAutoNum type="arabicPeriod"/>
-            </a:pPr>
-            <a:r>
-              <a:rPr lang="en-GB" dirty="0"/>
-              <a:t>Without our product for diagnostic use</a:t>
-            </a:r>
-          </a:p>
-          <a:p>
-            <a:pPr marL="1371600" lvl="2" indent="-457200">
-              <a:buFont typeface="+mj-lt"/>
-              <a:buAutoNum type="arabicPeriod"/>
-            </a:pPr>
-            <a:endParaRPr lang="en-GB" dirty="0"/>
-          </a:p>
-          <a:p>
-            <a:r>
-              <a:rPr lang="en-GB" dirty="0"/>
-              <a:t>What is the purpose of the model?</a:t>
-            </a:r>
-          </a:p>
-          <a:p>
-            <a:pPr lvl="1"/>
-            <a:r>
-              <a:rPr lang="en-GB" dirty="0"/>
-              <a:t>Demonstrate that our product is beneficial</a:t>
-            </a:r>
-          </a:p>
-          <a:p>
-            <a:pPr lvl="1"/>
-            <a:r>
-              <a:rPr lang="en-GB" dirty="0"/>
-              <a:t>Gain an understanding of where it is most and least applicable</a:t>
-            </a:r>
-          </a:p>
-        </p:txBody>
-      </p:sp>
-    </p:spTree>
-    <p:extLst>
-      <p:ext uri="{BB962C8B-B14F-4D97-AF65-F5344CB8AC3E}">
-        <p14:creationId xmlns:p14="http://schemas.microsoft.com/office/powerpoint/2010/main" val="1404263145"/>
-      </p:ext>
-    </p:extLst>
-  </p:cSld>
-  <p:clrMapOvr>
-    <a:masterClrMapping/>
-  </p:clrMapOvr>
-</p:sld>
-</file>
-
-<file path=ppt/slides/slide20.xml><?xml version="1.0" encoding="utf-8"?>
-<p:sld xmlns:a="http://schemas.openxmlformats.org/drawingml/2006/main" xmlns:r="http://schemas.openxmlformats.org/officeDocument/2006/relationships" xmlns:p="http://schemas.openxmlformats.org/presentationml/2006/main">
-  <p:cSld>
-    <p:spTree>
-      <p:nvGrpSpPr>
-        <p:cNvPr id="1" name=""/>
-        <p:cNvGrpSpPr/>
-        <p:nvPr/>
-      </p:nvGrpSpPr>
-      <p:grpSpPr>
-        <a:xfrm>
-          <a:off x="0" y="0"/>
-          <a:ext cx="0" cy="0"/>
-          <a:chOff x="0" y="0"/>
-          <a:chExt cx="0" cy="0"/>
-        </a:xfrm>
-      </p:grpSpPr>
-      <p:sp>
-        <p:nvSpPr>
-          <p:cNvPr id="2" name="Title 1">
-            <a:extLst>
-              <a:ext uri="{FF2B5EF4-FFF2-40B4-BE49-F238E27FC236}">
-                <a16:creationId xmlns:a16="http://schemas.microsoft.com/office/drawing/2014/main" id="{BC9CFBAD-6017-48B4-AA2E-56307C79BC6B}"/>
-              </a:ext>
-            </a:extLst>
-          </p:cNvPr>
-          <p:cNvSpPr>
-            <a:spLocks noGrp="1"/>
-          </p:cNvSpPr>
-          <p:nvPr>
-            <p:ph type="title"/>
-          </p:nvPr>
-        </p:nvSpPr>
-        <p:spPr/>
-        <p:txBody>
-          <a:bodyPr/>
-          <a:lstStyle/>
-          <a:p>
-            <a:r>
-              <a:rPr lang="en-GB" dirty="0"/>
-              <a:t>Recovery, mutation, and death</a:t>
-            </a:r>
-          </a:p>
-        </p:txBody>
-      </p:sp>
-      <p:sp>
-        <p:nvSpPr>
-          <p:cNvPr id="3" name="Content Placeholder 2">
-            <a:extLst>
-              <a:ext uri="{FF2B5EF4-FFF2-40B4-BE49-F238E27FC236}">
-                <a16:creationId xmlns:a16="http://schemas.microsoft.com/office/drawing/2014/main" id="{89583171-AF65-4AF9-B679-7EAA04E53E05}"/>
-              </a:ext>
-            </a:extLst>
-          </p:cNvPr>
-          <p:cNvSpPr>
-            <a:spLocks noGrp="1"/>
-          </p:cNvSpPr>
-          <p:nvPr>
-            <p:ph idx="1"/>
-          </p:nvPr>
-        </p:nvSpPr>
-        <p:spPr/>
-        <p:txBody>
-          <a:bodyPr>
-            <a:normAutofit fontScale="92500" lnSpcReduction="20000"/>
-          </a:bodyPr>
-          <a:lstStyle/>
-          <a:p>
-            <a:r>
-              <a:rPr lang="en-GB" dirty="0"/>
-              <a:t>How does resistance increase?</a:t>
-            </a:r>
-          </a:p>
-          <a:p>
-            <a:pPr lvl="1"/>
-            <a:r>
-              <a:rPr lang="en-GB" dirty="0"/>
-              <a:t>Spread - when a person infects another, the resistance (or lack thereof) will carry over</a:t>
-            </a:r>
-          </a:p>
-          <a:p>
-            <a:pPr lvl="1"/>
-            <a:r>
-              <a:rPr lang="en-GB" dirty="0"/>
-              <a:t>Mutation - every turn there is a slight chance the disease will increase the level of resistance by one</a:t>
-            </a:r>
-          </a:p>
-          <a:p>
-            <a:r>
-              <a:rPr lang="en-GB" dirty="0"/>
-              <a:t>Hence as patients with no or low resistance are treated more successfully, the share of infected patients with resistance will increase over time</a:t>
-            </a:r>
-          </a:p>
-          <a:p>
-            <a:pPr lvl="1"/>
-            <a:r>
-              <a:rPr lang="en-GB" dirty="0"/>
-              <a:t>Without our product, the highest level of resistance cannot be detected and will therefore be very slow to treat, as the patient has to go through all stages of treatment. Although it is generally slow to mutate to the highest level, once it does it will spread rapidly throughout the population, killing swathes of people</a:t>
-            </a:r>
-          </a:p>
-          <a:p>
-            <a:r>
-              <a:rPr lang="en-GB" dirty="0"/>
-              <a:t>Each timestep, there is a low probability that a person will die – after which they are essentially removed from the system, with nothing happening to them</a:t>
-            </a:r>
-          </a:p>
-        </p:txBody>
-      </p:sp>
-    </p:spTree>
-    <p:extLst>
-      <p:ext uri="{BB962C8B-B14F-4D97-AF65-F5344CB8AC3E}">
-        <p14:creationId xmlns:p14="http://schemas.microsoft.com/office/powerpoint/2010/main" val="3490698026"/>
-      </p:ext>
-    </p:extLst>
-  </p:cSld>
-  <p:clrMapOvr>
-    <a:masterClrMapping/>
-  </p:clrMapOvr>
-</p:sld>
-</file>
-
-<file path=ppt/slides/slide21.xml><?xml version="1.0" encoding="utf-8"?>
+<file path=ppt/slides/slide18.xml><?xml version="1.0" encoding="utf-8"?>
 <p:sld xmlns:a="http://schemas.openxmlformats.org/drawingml/2006/main" xmlns:r="http://schemas.openxmlformats.org/officeDocument/2006/relationships" xmlns:p="http://schemas.openxmlformats.org/presentationml/2006/main">
   <p:cSld>
     <p:spTree>
@@ -9042,7 +8485,7 @@
         </p:nvSpPr>
         <p:spPr>
           <a:xfrm>
-            <a:off x="4717028" y="1070566"/>
+            <a:off x="4750584" y="1070566"/>
             <a:ext cx="184557" cy="1872000"/>
           </a:xfrm>
           <a:prstGeom prst="downArrow">
@@ -9088,7 +8531,7 @@
         </p:nvSpPr>
         <p:spPr>
           <a:xfrm>
-            <a:off x="7243174" y="3890665"/>
+            <a:off x="5456317" y="3890665"/>
             <a:ext cx="184557" cy="1872000"/>
           </a:xfrm>
           <a:prstGeom prst="downArrow">
@@ -9541,60 +8984,6 @@
       </p:sp>
       <p:sp>
         <p:nvSpPr>
-          <p:cNvPr id="31" name="TextBox 30">
-            <a:extLst>
-              <a:ext uri="{FF2B5EF4-FFF2-40B4-BE49-F238E27FC236}">
-                <a16:creationId xmlns:a16="http://schemas.microsoft.com/office/drawing/2014/main" id="{C20D2958-1744-4B48-98D9-08EC5942ADE1}"/>
-              </a:ext>
-            </a:extLst>
-          </p:cNvPr>
-          <p:cNvSpPr txBox="1"/>
-          <p:nvPr/>
-        </p:nvSpPr>
-        <p:spPr>
-          <a:xfrm>
-            <a:off x="8125150" y="4108760"/>
-            <a:ext cx="3357346" cy="1754326"/>
-          </a:xfrm>
-          <a:prstGeom prst="rect">
-            <a:avLst/>
-          </a:prstGeom>
-          <a:noFill/>
-          <a:ln w="76200">
-            <a:solidFill>
-              <a:srgbClr val="FF0000"/>
-            </a:solidFill>
-            <a:prstDash val="dash"/>
-          </a:ln>
-        </p:spPr>
-        <p:txBody>
-          <a:bodyPr wrap="square" rtlCol="0">
-            <a:spAutoFit/>
-          </a:bodyPr>
-          <a:lstStyle/>
-          <a:p>
-            <a:r>
-              <a:rPr lang="en-GB" sz="1200" dirty="0"/>
-              <a:t>Mutations in the infection lead to a more resistant strain, which when treated with antibiotic #n+1 becomes the dominant strain, making the patient resistant to antibiotic #n+1</a:t>
-            </a:r>
-          </a:p>
-          <a:p>
-            <a:endParaRPr lang="en-GB" sz="1200" dirty="0"/>
-          </a:p>
-          <a:p>
-            <a:r>
-              <a:rPr lang="en-GB" sz="1200" dirty="0">
-                <a:solidFill>
-                  <a:srgbClr val="00B050"/>
-                </a:solidFill>
-              </a:rPr>
-              <a:t>Conditional on patient being treated with antibiotic #n+1 whilst they have an infection (because of tiered approach, this will always be resistant to antibiotic #n)</a:t>
-            </a:r>
-          </a:p>
-        </p:txBody>
-      </p:sp>
-      <p:sp>
-        <p:nvSpPr>
           <p:cNvPr id="32" name="TextBox 31">
             <a:extLst>
               <a:ext uri="{FF2B5EF4-FFF2-40B4-BE49-F238E27FC236}">
@@ -9795,7 +9184,7 @@
         </p:nvSpPr>
         <p:spPr>
           <a:xfrm rot="16200000">
-            <a:off x="5306336" y="3897186"/>
+            <a:off x="7649348" y="3897187"/>
             <a:ext cx="432000" cy="432000"/>
           </a:xfrm>
           <a:prstGeom prst="curvedRightArrow">
@@ -9826,6 +9215,94 @@
                 <a:schemeClr val="tx1"/>
               </a:solidFill>
             </a:endParaRPr>
+          </a:p>
+        </p:txBody>
+      </p:sp>
+      <p:sp>
+        <p:nvSpPr>
+          <p:cNvPr id="39" name="TextBox 38">
+            <a:extLst>
+              <a:ext uri="{FF2B5EF4-FFF2-40B4-BE49-F238E27FC236}">
+                <a16:creationId xmlns:a16="http://schemas.microsoft.com/office/drawing/2014/main" id="{1CE4F8A4-3193-47B9-88E2-DCD81F6E434F}"/>
+              </a:ext>
+            </a:extLst>
+          </p:cNvPr>
+          <p:cNvSpPr txBox="1"/>
+          <p:nvPr/>
+        </p:nvSpPr>
+        <p:spPr>
+          <a:xfrm>
+            <a:off x="8254120" y="3908979"/>
+            <a:ext cx="3713880" cy="2677656"/>
+          </a:xfrm>
+          <a:prstGeom prst="rect">
+            <a:avLst/>
+          </a:prstGeom>
+          <a:ln w="76200">
+            <a:solidFill>
+              <a:srgbClr val="FF0000"/>
+            </a:solidFill>
+            <a:prstDash val="dash"/>
+          </a:ln>
+        </p:spPr>
+        <p:style>
+          <a:lnRef idx="2">
+            <a:schemeClr val="accent1"/>
+          </a:lnRef>
+          <a:fillRef idx="1">
+            <a:schemeClr val="lt1"/>
+          </a:fillRef>
+          <a:effectRef idx="0">
+            <a:schemeClr val="accent1"/>
+          </a:effectRef>
+          <a:fontRef idx="minor">
+            <a:schemeClr val="dk1"/>
+          </a:fontRef>
+        </p:style>
+        <p:txBody>
+          <a:bodyPr wrap="square" rtlCol="0">
+            <a:spAutoFit/>
+          </a:bodyPr>
+          <a:lstStyle/>
+          <a:p>
+            <a:r>
+              <a:rPr lang="en-GB" sz="1200" dirty="0"/>
+              <a:t>A patient can be put into isolation, which doesn’t change their state, but stops them spreading/receiving any infections they have.</a:t>
+            </a:r>
+          </a:p>
+          <a:p>
+            <a:endParaRPr lang="en-GB" sz="1200" dirty="0">
+              <a:solidFill>
+                <a:srgbClr val="FF0000"/>
+              </a:solidFill>
+            </a:endParaRPr>
+          </a:p>
+          <a:p>
+            <a:r>
+              <a:rPr lang="en-GB" sz="1200" dirty="0">
+                <a:solidFill>
+                  <a:schemeClr val="accent5"/>
+                </a:solidFill>
+              </a:rPr>
+              <a:t>Without the product, it takes a set lag period, then a random chance each time on top of that, and for the current drug to be insufficient (this models tests with long lag times) to increase the treatment, then when the treatment exceeds a threshold, they will be isolated</a:t>
+            </a:r>
+          </a:p>
+          <a:p>
+            <a:endParaRPr lang="en-GB" sz="1200" dirty="0">
+              <a:solidFill>
+                <a:schemeClr val="accent5"/>
+              </a:solidFill>
+            </a:endParaRPr>
+          </a:p>
+          <a:p>
+            <a:r>
+              <a:rPr lang="en-GB" sz="1200" dirty="0">
+                <a:solidFill>
+                  <a:schemeClr val="accent6"/>
+                </a:solidFill>
+              </a:rPr>
+              <a:t>With the product, patients are instantly isolated when their infection exceeds the threshold, since our product allows very fast testing – modelled as shorter than one timestep</a:t>
+            </a:r>
           </a:p>
         </p:txBody>
       </p:sp>
@@ -10285,7 +9762,7 @@
           <p:cNvPr id="38" name="TextBox 37">
             <a:extLst>
               <a:ext uri="{FF2B5EF4-FFF2-40B4-BE49-F238E27FC236}">
-                <a16:creationId xmlns:a16="http://schemas.microsoft.com/office/drawing/2014/main" id="{8ADC46C6-3C92-46D6-BF65-EA88FEC06EF8}"/>
+                <a16:creationId xmlns:a16="http://schemas.microsoft.com/office/drawing/2014/main" id="{22D9A677-4E85-4C20-B15F-EAD86F3C183A}"/>
               </a:ext>
             </a:extLst>
           </p:cNvPr>
@@ -10294,8 +9771,8 @@
         </p:nvSpPr>
         <p:spPr>
           <a:xfrm>
-            <a:off x="5121127" y="4376479"/>
-            <a:ext cx="846184" cy="276999"/>
+            <a:off x="5617857" y="4595783"/>
+            <a:ext cx="844336" cy="276999"/>
           </a:xfrm>
           <a:prstGeom prst="rect">
             <a:avLst/>
@@ -10310,7 +9787,7 @@
           <a:p>
             <a:r>
               <a:rPr lang="en-GB" sz="1200" dirty="0"/>
-              <a:t>Isolation</a:t>
+              <a:t>Mutation</a:t>
             </a:r>
           </a:p>
         </p:txBody>
@@ -10318,7 +9795,7 @@
     </p:spTree>
     <p:extLst>
       <p:ext uri="{BB962C8B-B14F-4D97-AF65-F5344CB8AC3E}">
-        <p14:creationId xmlns:p14="http://schemas.microsoft.com/office/powerpoint/2010/main" val="549594761"/>
+        <p14:creationId xmlns:p14="http://schemas.microsoft.com/office/powerpoint/2010/main" val="2804164490"/>
       </p:ext>
     </p:extLst>
   </p:cSld>
@@ -10328,7 +9805,7 @@
 </p:sld>
 </file>
 
-<file path=ppt/slides/slide22.xml><?xml version="1.0" encoding="utf-8"?>
+<file path=ppt/slides/slide19.xml><?xml version="1.0" encoding="utf-8"?>
 <p:sld xmlns:a="http://schemas.openxmlformats.org/drawingml/2006/main" xmlns:r="http://schemas.openxmlformats.org/officeDocument/2006/relationships" xmlns:p="http://schemas.openxmlformats.org/presentationml/2006/main">
   <p:cSld>
     <p:spTree>
@@ -10345,46 +9822,101 @@
           <a:chExt cx="0" cy="0"/>
         </a:xfrm>
       </p:grpSpPr>
-      <p:pic>
-        <p:nvPicPr>
-          <p:cNvPr id="5" name="Picture 4" descr="Text&#10;&#10;Description automatically generated">
-            <a:extLst>
-              <a:ext uri="{FF2B5EF4-FFF2-40B4-BE49-F238E27FC236}">
-                <a16:creationId xmlns:a16="http://schemas.microsoft.com/office/drawing/2014/main" id="{151D83A0-75D3-49FB-AE29-9932A172B467}"/>
-              </a:ext>
-            </a:extLst>
-          </p:cNvPr>
-          <p:cNvPicPr>
-            <a:picLocks noChangeAspect="1"/>
-          </p:cNvPicPr>
-          <p:nvPr/>
-        </p:nvPicPr>
-        <p:blipFill>
-          <a:blip r:embed="rId2">
-            <a:extLst>
-              <a:ext uri="{28A0092B-C50C-407E-A947-70E740481C1C}">
-                <a14:useLocalDpi xmlns:a14="http://schemas.microsoft.com/office/drawing/2010/main" val="0"/>
-              </a:ext>
-            </a:extLst>
-          </a:blip>
-          <a:stretch>
-            <a:fillRect/>
-          </a:stretch>
-        </p:blipFill>
-        <p:spPr>
-          <a:xfrm>
-            <a:off x="1351096" y="1200440"/>
-            <a:ext cx="9489805" cy="5114635"/>
-          </a:xfrm>
-          <a:prstGeom prst="rect">
-            <a:avLst/>
-          </a:prstGeom>
-        </p:spPr>
-      </p:pic>
+      <p:sp>
+        <p:nvSpPr>
+          <p:cNvPr id="2" name="Title 1">
+            <a:extLst>
+              <a:ext uri="{FF2B5EF4-FFF2-40B4-BE49-F238E27FC236}">
+                <a16:creationId xmlns:a16="http://schemas.microsoft.com/office/drawing/2014/main" id="{BC9CFBAD-6017-48B4-AA2E-56307C79BC6B}"/>
+              </a:ext>
+            </a:extLst>
+          </p:cNvPr>
+          <p:cNvSpPr>
+            <a:spLocks noGrp="1"/>
+          </p:cNvSpPr>
+          <p:nvPr>
+            <p:ph type="title"/>
+          </p:nvPr>
+        </p:nvSpPr>
+        <p:spPr/>
+        <p:txBody>
+          <a:bodyPr/>
+          <a:lstStyle/>
+          <a:p>
+            <a:r>
+              <a:rPr lang="en-GB" dirty="0"/>
+              <a:t>Recovery, mutation, and death</a:t>
+            </a:r>
+          </a:p>
+        </p:txBody>
+      </p:sp>
+      <p:sp>
+        <p:nvSpPr>
+          <p:cNvPr id="3" name="Content Placeholder 2">
+            <a:extLst>
+              <a:ext uri="{FF2B5EF4-FFF2-40B4-BE49-F238E27FC236}">
+                <a16:creationId xmlns:a16="http://schemas.microsoft.com/office/drawing/2014/main" id="{89583171-AF65-4AF9-B679-7EAA04E53E05}"/>
+              </a:ext>
+            </a:extLst>
+          </p:cNvPr>
+          <p:cNvSpPr>
+            <a:spLocks noGrp="1"/>
+          </p:cNvSpPr>
+          <p:nvPr>
+            <p:ph idx="1"/>
+          </p:nvPr>
+        </p:nvSpPr>
+        <p:spPr/>
+        <p:txBody>
+          <a:bodyPr>
+            <a:normAutofit fontScale="92500" lnSpcReduction="20000"/>
+          </a:bodyPr>
+          <a:lstStyle/>
+          <a:p>
+            <a:r>
+              <a:rPr lang="en-GB" dirty="0"/>
+              <a:t>How does resistance increase?</a:t>
+            </a:r>
+          </a:p>
+          <a:p>
+            <a:pPr lvl="1"/>
+            <a:r>
+              <a:rPr lang="en-GB" dirty="0"/>
+              <a:t>Spread - when a person infects another, the resistance (or lack thereof) will carry over</a:t>
+            </a:r>
+          </a:p>
+          <a:p>
+            <a:pPr lvl="1"/>
+            <a:r>
+              <a:rPr lang="en-GB" dirty="0"/>
+              <a:t>Mutation - every turn there is a slight chance the disease will increase the level of resistance by one</a:t>
+            </a:r>
+          </a:p>
+          <a:p>
+            <a:r>
+              <a:rPr lang="en-GB" dirty="0"/>
+              <a:t>Hence as patients with no or low resistance are treated more successfully, the share of infected patients with resistance will increase over time</a:t>
+            </a:r>
+          </a:p>
+          <a:p>
+            <a:pPr lvl="1"/>
+            <a:r>
+              <a:rPr lang="en-GB" dirty="0"/>
+              <a:t>Without our product, the highest level of resistance cannot be detected and will therefore be very slow to treat, as the patient has to go through all stages of treatment. Although it is generally slow to mutate to the highest level, once it does it will spread rapidly throughout the population, killing swathes of people</a:t>
+            </a:r>
+          </a:p>
+          <a:p>
+            <a:r>
+              <a:rPr lang="en-GB" dirty="0"/>
+              <a:t>Each timestep, there is a low probability that a person will die – after which they are essentially removed from the system, with nothing happening to them</a:t>
+            </a:r>
+          </a:p>
+        </p:txBody>
+      </p:sp>
     </p:spTree>
     <p:extLst>
       <p:ext uri="{BB962C8B-B14F-4D97-AF65-F5344CB8AC3E}">
-        <p14:creationId xmlns:p14="http://schemas.microsoft.com/office/powerpoint/2010/main" val="3404637071"/>
+        <p14:creationId xmlns:p14="http://schemas.microsoft.com/office/powerpoint/2010/main" val="3490698026"/>
       </p:ext>
     </p:extLst>
   </p:cSld>
@@ -10394,7 +9926,7 @@
 </p:sld>
 </file>
 
-<file path=ppt/slides/slide23.xml><?xml version="1.0" encoding="utf-8"?>
+<file path=ppt/slides/slide2.xml><?xml version="1.0" encoding="utf-8"?>
 <p:sld xmlns:a="http://schemas.openxmlformats.org/drawingml/2006/main" xmlns:r="http://schemas.openxmlformats.org/officeDocument/2006/relationships" xmlns:p="http://schemas.openxmlformats.org/presentationml/2006/main">
   <p:cSld>
     <p:spTree>
@@ -10413,982 +9945,134 @@
       </p:grpSpPr>
       <p:sp>
         <p:nvSpPr>
-          <p:cNvPr id="2" name="TextBox 1">
-            <a:extLst>
-              <a:ext uri="{FF2B5EF4-FFF2-40B4-BE49-F238E27FC236}">
-                <a16:creationId xmlns:a16="http://schemas.microsoft.com/office/drawing/2014/main" id="{3FEA28E3-FE67-4ED9-8C09-74055CB3C2B9}"/>
-              </a:ext>
-            </a:extLst>
-          </p:cNvPr>
-          <p:cNvSpPr txBox="1"/>
-          <p:nvPr/>
-        </p:nvSpPr>
-        <p:spPr>
-          <a:xfrm>
-            <a:off x="286626" y="209725"/>
-            <a:ext cx="1476462" cy="369332"/>
-          </a:xfrm>
-          <a:prstGeom prst="rect">
-            <a:avLst/>
-          </a:prstGeom>
-          <a:noFill/>
-        </p:spPr>
-        <p:txBody>
-          <a:bodyPr wrap="square" rtlCol="0">
-            <a:spAutoFit/>
+          <p:cNvPr id="2" name="Title 1">
+            <a:extLst>
+              <a:ext uri="{FF2B5EF4-FFF2-40B4-BE49-F238E27FC236}">
+                <a16:creationId xmlns:a16="http://schemas.microsoft.com/office/drawing/2014/main" id="{2D937CB4-C49D-42A0-B8C2-8B13C0E98B8B}"/>
+              </a:ext>
+            </a:extLst>
+          </p:cNvPr>
+          <p:cNvSpPr>
+            <a:spLocks noGrp="1"/>
+          </p:cNvSpPr>
+          <p:nvPr>
+            <p:ph type="title"/>
+          </p:nvPr>
+        </p:nvSpPr>
+        <p:spPr/>
+        <p:txBody>
+          <a:bodyPr/>
+          <a:lstStyle/>
+          <a:p>
+            <a:r>
+              <a:rPr lang="en-GB" dirty="0"/>
+              <a:t>Introduction</a:t>
+            </a:r>
+          </a:p>
+        </p:txBody>
+      </p:sp>
+      <p:sp>
+        <p:nvSpPr>
+          <p:cNvPr id="3" name="Content Placeholder 2">
+            <a:extLst>
+              <a:ext uri="{FF2B5EF4-FFF2-40B4-BE49-F238E27FC236}">
+                <a16:creationId xmlns:a16="http://schemas.microsoft.com/office/drawing/2014/main" id="{333404E0-06DB-4EA6-9CF3-DD3D6C96DC27}"/>
+              </a:ext>
+            </a:extLst>
+          </p:cNvPr>
+          <p:cNvSpPr>
+            <a:spLocks noGrp="1"/>
+          </p:cNvSpPr>
+          <p:nvPr>
+            <p:ph idx="1"/>
+          </p:nvPr>
+        </p:nvSpPr>
+        <p:spPr/>
+        <p:txBody>
+          <a:bodyPr>
+            <a:normAutofit lnSpcReduction="10000"/>
           </a:bodyPr>
           <a:lstStyle/>
           <a:p>
             <a:r>
               <a:rPr lang="en-GB" dirty="0"/>
-              <a:t>No treatment</a:t>
-            </a:r>
-          </a:p>
-        </p:txBody>
-      </p:sp>
-      <p:sp>
-        <p:nvSpPr>
-          <p:cNvPr id="3" name="TextBox 2">
-            <a:extLst>
-              <a:ext uri="{FF2B5EF4-FFF2-40B4-BE49-F238E27FC236}">
-                <a16:creationId xmlns:a16="http://schemas.microsoft.com/office/drawing/2014/main" id="{5A4DDDD9-1040-47F1-8557-B1270481944F}"/>
-              </a:ext>
-            </a:extLst>
-          </p:cNvPr>
-          <p:cNvSpPr txBox="1"/>
-          <p:nvPr/>
-        </p:nvSpPr>
-        <p:spPr>
-          <a:xfrm>
-            <a:off x="286626" y="1770076"/>
-            <a:ext cx="1476462" cy="369332"/>
-          </a:xfrm>
-          <a:prstGeom prst="rect">
-            <a:avLst/>
-          </a:prstGeom>
-          <a:noFill/>
-        </p:spPr>
-        <p:txBody>
-          <a:bodyPr wrap="square" rtlCol="0">
-            <a:spAutoFit/>
-          </a:bodyPr>
-          <a:lstStyle/>
-          <a:p>
+              <a:t>What does the model do?</a:t>
+            </a:r>
+          </a:p>
+          <a:p>
+            <a:pPr lvl="1"/>
             <a:r>
               <a:rPr lang="en-GB" dirty="0"/>
-              <a:t>Treatment #1</a:t>
-            </a:r>
-          </a:p>
-        </p:txBody>
-      </p:sp>
-      <p:sp>
-        <p:nvSpPr>
-          <p:cNvPr id="4" name="TextBox 3">
-            <a:extLst>
-              <a:ext uri="{FF2B5EF4-FFF2-40B4-BE49-F238E27FC236}">
-                <a16:creationId xmlns:a16="http://schemas.microsoft.com/office/drawing/2014/main" id="{50D67546-AD62-486C-815A-D7476CDB37F2}"/>
-              </a:ext>
-            </a:extLst>
-          </p:cNvPr>
-          <p:cNvSpPr txBox="1"/>
-          <p:nvPr/>
-        </p:nvSpPr>
-        <p:spPr>
-          <a:xfrm>
-            <a:off x="286626" y="3523376"/>
-            <a:ext cx="1476462" cy="369332"/>
-          </a:xfrm>
-          <a:prstGeom prst="rect">
-            <a:avLst/>
-          </a:prstGeom>
-          <a:noFill/>
-        </p:spPr>
-        <p:txBody>
-          <a:bodyPr wrap="square" rtlCol="0">
-            <a:spAutoFit/>
-          </a:bodyPr>
-          <a:lstStyle/>
-          <a:p>
+              <a:t>Shows the spread of a disease and the spread of levels of antimicrobial resistance among a population.</a:t>
+            </a:r>
+          </a:p>
+          <a:p>
+            <a:pPr lvl="2"/>
             <a:r>
               <a:rPr lang="en-GB" dirty="0"/>
-              <a:t>Treatment #2</a:t>
-            </a:r>
-          </a:p>
-        </p:txBody>
-      </p:sp>
-      <p:sp>
-        <p:nvSpPr>
-          <p:cNvPr id="5" name="TextBox 4">
-            <a:extLst>
-              <a:ext uri="{FF2B5EF4-FFF2-40B4-BE49-F238E27FC236}">
-                <a16:creationId xmlns:a16="http://schemas.microsoft.com/office/drawing/2014/main" id="{19D7719A-B1D8-480E-8667-D0780DC5160D}"/>
-              </a:ext>
-            </a:extLst>
-          </p:cNvPr>
-          <p:cNvSpPr txBox="1"/>
-          <p:nvPr/>
-        </p:nvSpPr>
-        <p:spPr>
-          <a:xfrm>
-            <a:off x="286626" y="5271082"/>
-            <a:ext cx="1476462" cy="369332"/>
-          </a:xfrm>
-          <a:prstGeom prst="rect">
-            <a:avLst/>
-          </a:prstGeom>
-          <a:noFill/>
-        </p:spPr>
-        <p:txBody>
-          <a:bodyPr wrap="square" rtlCol="0">
-            <a:spAutoFit/>
-          </a:bodyPr>
-          <a:lstStyle/>
-          <a:p>
+              <a:t>Models spread across patients, not sinks, for simplicity – but our product could be used like this in future, just lots of out of scope paperwork</a:t>
+            </a:r>
+          </a:p>
+          <a:p>
+            <a:pPr lvl="1"/>
             <a:r>
               <a:rPr lang="en-GB" dirty="0"/>
-              <a:t>Treatment #3</a:t>
-            </a:r>
-          </a:p>
-        </p:txBody>
-      </p:sp>
-      <p:cxnSp>
-        <p:nvCxnSpPr>
-          <p:cNvPr id="7" name="Straight Connector 6">
-            <a:extLst>
-              <a:ext uri="{FF2B5EF4-FFF2-40B4-BE49-F238E27FC236}">
-                <a16:creationId xmlns:a16="http://schemas.microsoft.com/office/drawing/2014/main" id="{7E341164-FF5B-4B31-A20D-17B90789557E}"/>
-              </a:ext>
-            </a:extLst>
-          </p:cNvPr>
-          <p:cNvCxnSpPr>
-            <a:cxnSpLocks/>
-          </p:cNvCxnSpPr>
-          <p:nvPr/>
-        </p:nvCxnSpPr>
-        <p:spPr>
-          <a:xfrm>
-            <a:off x="176169" y="209725"/>
-            <a:ext cx="11660697" cy="0"/>
-          </a:xfrm>
-          <a:prstGeom prst="line">
-            <a:avLst/>
-          </a:prstGeom>
-          <a:ln w="38100"/>
-        </p:spPr>
-        <p:style>
-          <a:lnRef idx="1">
-            <a:schemeClr val="dk1"/>
-          </a:lnRef>
-          <a:fillRef idx="0">
-            <a:schemeClr val="dk1"/>
-          </a:fillRef>
-          <a:effectRef idx="0">
-            <a:schemeClr val="dk1"/>
-          </a:effectRef>
-          <a:fontRef idx="minor">
-            <a:schemeClr val="tx1"/>
-          </a:fontRef>
-        </p:style>
-      </p:cxnSp>
-      <p:cxnSp>
-        <p:nvCxnSpPr>
-          <p:cNvPr id="9" name="Straight Connector 8">
-            <a:extLst>
-              <a:ext uri="{FF2B5EF4-FFF2-40B4-BE49-F238E27FC236}">
-                <a16:creationId xmlns:a16="http://schemas.microsoft.com/office/drawing/2014/main" id="{DC919279-1F33-4661-B482-EDBBFA33CDFB}"/>
-              </a:ext>
-            </a:extLst>
-          </p:cNvPr>
-          <p:cNvCxnSpPr>
-            <a:cxnSpLocks/>
-          </p:cNvCxnSpPr>
-          <p:nvPr/>
-        </p:nvCxnSpPr>
-        <p:spPr>
-          <a:xfrm>
-            <a:off x="176169" y="1770076"/>
-            <a:ext cx="11660697" cy="0"/>
-          </a:xfrm>
-          <a:prstGeom prst="line">
-            <a:avLst/>
-          </a:prstGeom>
-          <a:ln w="38100"/>
-        </p:spPr>
-        <p:style>
-          <a:lnRef idx="1">
-            <a:schemeClr val="dk1"/>
-          </a:lnRef>
-          <a:fillRef idx="0">
-            <a:schemeClr val="dk1"/>
-          </a:fillRef>
-          <a:effectRef idx="0">
-            <a:schemeClr val="dk1"/>
-          </a:effectRef>
-          <a:fontRef idx="minor">
-            <a:schemeClr val="tx1"/>
-          </a:fontRef>
-        </p:style>
-      </p:cxnSp>
-      <p:cxnSp>
-        <p:nvCxnSpPr>
-          <p:cNvPr id="10" name="Straight Connector 9">
-            <a:extLst>
-              <a:ext uri="{FF2B5EF4-FFF2-40B4-BE49-F238E27FC236}">
-                <a16:creationId xmlns:a16="http://schemas.microsoft.com/office/drawing/2014/main" id="{5EFEE9D4-27E2-4DCD-8F2A-2939E4FD33BA}"/>
-              </a:ext>
-            </a:extLst>
-          </p:cNvPr>
-          <p:cNvCxnSpPr>
-            <a:cxnSpLocks/>
-          </p:cNvCxnSpPr>
-          <p:nvPr/>
-        </p:nvCxnSpPr>
-        <p:spPr>
-          <a:xfrm>
-            <a:off x="265651" y="3491217"/>
-            <a:ext cx="11660697" cy="0"/>
-          </a:xfrm>
-          <a:prstGeom prst="line">
-            <a:avLst/>
-          </a:prstGeom>
-          <a:ln w="38100"/>
-        </p:spPr>
-        <p:style>
-          <a:lnRef idx="1">
-            <a:schemeClr val="dk1"/>
-          </a:lnRef>
-          <a:fillRef idx="0">
-            <a:schemeClr val="dk1"/>
-          </a:fillRef>
-          <a:effectRef idx="0">
-            <a:schemeClr val="dk1"/>
-          </a:effectRef>
-          <a:fontRef idx="minor">
-            <a:schemeClr val="tx1"/>
-          </a:fontRef>
-        </p:style>
-      </p:cxnSp>
-      <p:cxnSp>
-        <p:nvCxnSpPr>
-          <p:cNvPr id="11" name="Straight Connector 10">
-            <a:extLst>
-              <a:ext uri="{FF2B5EF4-FFF2-40B4-BE49-F238E27FC236}">
-                <a16:creationId xmlns:a16="http://schemas.microsoft.com/office/drawing/2014/main" id="{5D8DCF07-0E6E-4E84-AC81-6BEA33E217F7}"/>
-              </a:ext>
-            </a:extLst>
-          </p:cNvPr>
-          <p:cNvCxnSpPr>
-            <a:cxnSpLocks/>
-          </p:cNvCxnSpPr>
-          <p:nvPr/>
-        </p:nvCxnSpPr>
-        <p:spPr>
-          <a:xfrm>
-            <a:off x="265650" y="5271082"/>
-            <a:ext cx="11660697" cy="0"/>
-          </a:xfrm>
-          <a:prstGeom prst="line">
-            <a:avLst/>
-          </a:prstGeom>
-          <a:ln w="38100"/>
-        </p:spPr>
-        <p:style>
-          <a:lnRef idx="1">
-            <a:schemeClr val="dk1"/>
-          </a:lnRef>
-          <a:fillRef idx="0">
-            <a:schemeClr val="dk1"/>
-          </a:fillRef>
-          <a:effectRef idx="0">
-            <a:schemeClr val="dk1"/>
-          </a:effectRef>
-          <a:fontRef idx="minor">
-            <a:schemeClr val="tx1"/>
-          </a:fontRef>
-        </p:style>
-      </p:cxnSp>
-      <p:cxnSp>
-        <p:nvCxnSpPr>
-          <p:cNvPr id="12" name="Straight Connector 11">
-            <a:extLst>
-              <a:ext uri="{FF2B5EF4-FFF2-40B4-BE49-F238E27FC236}">
-                <a16:creationId xmlns:a16="http://schemas.microsoft.com/office/drawing/2014/main" id="{E6541F2A-C13C-46C2-8D7E-FC0235D60111}"/>
-              </a:ext>
-            </a:extLst>
-          </p:cNvPr>
-          <p:cNvCxnSpPr>
-            <a:cxnSpLocks/>
-          </p:cNvCxnSpPr>
-          <p:nvPr/>
-        </p:nvCxnSpPr>
-        <p:spPr>
-          <a:xfrm flipH="1">
-            <a:off x="1763088" y="77598"/>
-            <a:ext cx="32165" cy="6709096"/>
-          </a:xfrm>
-          <a:prstGeom prst="line">
-            <a:avLst/>
-          </a:prstGeom>
-          <a:ln w="38100"/>
-        </p:spPr>
-        <p:style>
-          <a:lnRef idx="1">
-            <a:schemeClr val="dk1"/>
-          </a:lnRef>
-          <a:fillRef idx="0">
-            <a:schemeClr val="dk1"/>
-          </a:fillRef>
-          <a:effectRef idx="0">
-            <a:schemeClr val="dk1"/>
-          </a:effectRef>
-          <a:fontRef idx="minor">
-            <a:schemeClr val="tx1"/>
-          </a:fontRef>
-        </p:style>
-      </p:cxnSp>
-      <p:sp>
-        <p:nvSpPr>
-          <p:cNvPr id="18" name="TextBox 17">
-            <a:extLst>
-              <a:ext uri="{FF2B5EF4-FFF2-40B4-BE49-F238E27FC236}">
-                <a16:creationId xmlns:a16="http://schemas.microsoft.com/office/drawing/2014/main" id="{8B929D5B-1B68-49FB-8E25-7B1B64B786E7}"/>
-              </a:ext>
-            </a:extLst>
-          </p:cNvPr>
-          <p:cNvSpPr txBox="1"/>
-          <p:nvPr/>
-        </p:nvSpPr>
-        <p:spPr>
-          <a:xfrm>
-            <a:off x="2409434" y="805127"/>
-            <a:ext cx="1346390" cy="369332"/>
-          </a:xfrm>
-          <a:prstGeom prst="rect">
-            <a:avLst/>
-          </a:prstGeom>
-        </p:spPr>
-        <p:style>
-          <a:lnRef idx="2">
-            <a:schemeClr val="dk1"/>
-          </a:lnRef>
-          <a:fillRef idx="1">
-            <a:schemeClr val="lt1"/>
-          </a:fillRef>
-          <a:effectRef idx="0">
-            <a:schemeClr val="dk1"/>
-          </a:effectRef>
-          <a:fontRef idx="minor">
-            <a:schemeClr val="dk1"/>
-          </a:fontRef>
-        </p:style>
-        <p:txBody>
-          <a:bodyPr wrap="square" rtlCol="0">
-            <a:spAutoFit/>
-          </a:bodyPr>
-          <a:lstStyle/>
-          <a:p>
+              <a:t>Two modes</a:t>
+            </a:r>
+          </a:p>
+          <a:p>
+            <a:pPr marL="1371600" lvl="2" indent="-457200">
+              <a:buFont typeface="+mj-lt"/>
+              <a:buAutoNum type="arabicPeriod"/>
+            </a:pPr>
             <a:r>
               <a:rPr lang="en-GB" dirty="0"/>
-              <a:t>Not infected</a:t>
-            </a:r>
-          </a:p>
-        </p:txBody>
-      </p:sp>
-      <p:sp>
-        <p:nvSpPr>
-          <p:cNvPr id="19" name="TextBox 18">
-            <a:extLst>
-              <a:ext uri="{FF2B5EF4-FFF2-40B4-BE49-F238E27FC236}">
-                <a16:creationId xmlns:a16="http://schemas.microsoft.com/office/drawing/2014/main" id="{00A5EB57-E76A-4BE1-A280-00C15006FB71}"/>
-              </a:ext>
-            </a:extLst>
-          </p:cNvPr>
-          <p:cNvSpPr txBox="1"/>
-          <p:nvPr/>
-        </p:nvSpPr>
-        <p:spPr>
-          <a:xfrm>
-            <a:off x="4874001" y="632507"/>
-            <a:ext cx="1521868" cy="646331"/>
-          </a:xfrm>
-          <a:prstGeom prst="rect">
-            <a:avLst/>
-          </a:prstGeom>
-        </p:spPr>
-        <p:style>
-          <a:lnRef idx="2">
-            <a:schemeClr val="dk1"/>
-          </a:lnRef>
-          <a:fillRef idx="1">
-            <a:schemeClr val="lt1"/>
-          </a:fillRef>
-          <a:effectRef idx="0">
-            <a:schemeClr val="dk1"/>
-          </a:effectRef>
-          <a:fontRef idx="minor">
-            <a:schemeClr val="dk1"/>
-          </a:fontRef>
-        </p:style>
-        <p:txBody>
-          <a:bodyPr wrap="square" rtlCol="0">
-            <a:spAutoFit/>
-          </a:bodyPr>
-          <a:lstStyle/>
-          <a:p>
+              <a:t>With our product in use</a:t>
+            </a:r>
+          </a:p>
+          <a:p>
+            <a:pPr marL="1371600" lvl="2" indent="-457200">
+              <a:buFont typeface="+mj-lt"/>
+              <a:buAutoNum type="arabicPeriod"/>
+            </a:pPr>
             <a:r>
               <a:rPr lang="en-GB" dirty="0"/>
-              <a:t>Infected with any resistance</a:t>
-            </a:r>
-          </a:p>
-        </p:txBody>
-      </p:sp>
-      <p:sp>
-        <p:nvSpPr>
-          <p:cNvPr id="20" name="TextBox 19">
-            <a:extLst>
-              <a:ext uri="{FF2B5EF4-FFF2-40B4-BE49-F238E27FC236}">
-                <a16:creationId xmlns:a16="http://schemas.microsoft.com/office/drawing/2014/main" id="{4F7C8E68-BD17-440D-A3D3-CF2B3379AFBB}"/>
-              </a:ext>
-            </a:extLst>
-          </p:cNvPr>
-          <p:cNvSpPr txBox="1"/>
-          <p:nvPr/>
-        </p:nvSpPr>
-        <p:spPr>
-          <a:xfrm>
-            <a:off x="7514046" y="757615"/>
-            <a:ext cx="961257" cy="369332"/>
-          </a:xfrm>
-          <a:prstGeom prst="rect">
-            <a:avLst/>
-          </a:prstGeom>
-        </p:spPr>
-        <p:style>
-          <a:lnRef idx="2">
-            <a:schemeClr val="dk1"/>
-          </a:lnRef>
-          <a:fillRef idx="1">
-            <a:schemeClr val="lt1"/>
-          </a:fillRef>
-          <a:effectRef idx="0">
-            <a:schemeClr val="dk1"/>
-          </a:effectRef>
-          <a:fontRef idx="minor">
-            <a:schemeClr val="dk1"/>
-          </a:fontRef>
-        </p:style>
-        <p:txBody>
-          <a:bodyPr wrap="square" rtlCol="0">
-            <a:spAutoFit/>
-          </a:bodyPr>
-          <a:lstStyle/>
+              <a:t>Without our product for diagnostic use</a:t>
+            </a:r>
+          </a:p>
+          <a:p>
+            <a:pPr marL="1371600" lvl="2" indent="-457200">
+              <a:buFont typeface="+mj-lt"/>
+              <a:buAutoNum type="arabicPeriod"/>
+            </a:pPr>
+            <a:endParaRPr lang="en-GB" dirty="0"/>
+          </a:p>
           <a:p>
             <a:r>
               <a:rPr lang="en-GB" dirty="0"/>
-              <a:t>Immune</a:t>
-            </a:r>
-          </a:p>
-        </p:txBody>
-      </p:sp>
-      <p:sp>
-        <p:nvSpPr>
-          <p:cNvPr id="21" name="TextBox 20">
-            <a:extLst>
-              <a:ext uri="{FF2B5EF4-FFF2-40B4-BE49-F238E27FC236}">
-                <a16:creationId xmlns:a16="http://schemas.microsoft.com/office/drawing/2014/main" id="{79B23F9E-017F-4709-9F42-A3F07F86C300}"/>
-              </a:ext>
-            </a:extLst>
-          </p:cNvPr>
-          <p:cNvSpPr txBox="1"/>
-          <p:nvPr/>
-        </p:nvSpPr>
-        <p:spPr>
-          <a:xfrm>
-            <a:off x="9593480" y="771006"/>
-            <a:ext cx="683023" cy="369332"/>
-          </a:xfrm>
-          <a:prstGeom prst="rect">
-            <a:avLst/>
-          </a:prstGeom>
-        </p:spPr>
-        <p:style>
-          <a:lnRef idx="2">
-            <a:schemeClr val="dk1"/>
-          </a:lnRef>
-          <a:fillRef idx="1">
-            <a:schemeClr val="lt1"/>
-          </a:fillRef>
-          <a:effectRef idx="0">
-            <a:schemeClr val="dk1"/>
-          </a:effectRef>
-          <a:fontRef idx="minor">
-            <a:schemeClr val="dk1"/>
-          </a:fontRef>
-        </p:style>
-        <p:txBody>
-          <a:bodyPr wrap="square" rtlCol="0">
-            <a:spAutoFit/>
-          </a:bodyPr>
-          <a:lstStyle/>
-          <a:p>
+              <a:t>What is the purpose of the model?</a:t>
+            </a:r>
+          </a:p>
+          <a:p>
+            <a:pPr lvl="1"/>
             <a:r>
               <a:rPr lang="en-GB" dirty="0"/>
-              <a:t>Dead</a:t>
-            </a:r>
-          </a:p>
-        </p:txBody>
-      </p:sp>
-      <p:sp>
-        <p:nvSpPr>
-          <p:cNvPr id="24" name="TextBox 23">
-            <a:extLst>
-              <a:ext uri="{FF2B5EF4-FFF2-40B4-BE49-F238E27FC236}">
-                <a16:creationId xmlns:a16="http://schemas.microsoft.com/office/drawing/2014/main" id="{302302FB-423B-4D47-B132-5ED0725804BA}"/>
-              </a:ext>
-            </a:extLst>
-          </p:cNvPr>
-          <p:cNvSpPr txBox="1"/>
-          <p:nvPr/>
-        </p:nvSpPr>
-        <p:spPr>
-          <a:xfrm>
-            <a:off x="4925000" y="2457083"/>
-            <a:ext cx="1445703" cy="369332"/>
-          </a:xfrm>
-          <a:prstGeom prst="rect">
-            <a:avLst/>
-          </a:prstGeom>
-        </p:spPr>
-        <p:style>
-          <a:lnRef idx="2">
-            <a:schemeClr val="dk1"/>
-          </a:lnRef>
-          <a:fillRef idx="1">
-            <a:schemeClr val="lt1"/>
-          </a:fillRef>
-          <a:effectRef idx="0">
-            <a:schemeClr val="dk1"/>
-          </a:effectRef>
-          <a:fontRef idx="minor">
-            <a:schemeClr val="dk1"/>
-          </a:fontRef>
-        </p:style>
-        <p:txBody>
-          <a:bodyPr wrap="square" rtlCol="0">
-            <a:spAutoFit/>
-          </a:bodyPr>
-          <a:lstStyle/>
-          <a:p>
+              <a:t>Demonstrate that our product is beneficial</a:t>
+            </a:r>
+          </a:p>
+          <a:p>
+            <a:pPr lvl="1"/>
             <a:r>
               <a:rPr lang="en-GB" dirty="0"/>
-              <a:t>Resistance #2</a:t>
-            </a:r>
-          </a:p>
-        </p:txBody>
-      </p:sp>
-      <p:sp>
-        <p:nvSpPr>
-          <p:cNvPr id="25" name="TextBox 24">
-            <a:extLst>
-              <a:ext uri="{FF2B5EF4-FFF2-40B4-BE49-F238E27FC236}">
-                <a16:creationId xmlns:a16="http://schemas.microsoft.com/office/drawing/2014/main" id="{2AE8ACEB-3D62-47E3-A31E-94BC622FC486}"/>
-              </a:ext>
-            </a:extLst>
-          </p:cNvPr>
-          <p:cNvSpPr txBox="1"/>
-          <p:nvPr/>
-        </p:nvSpPr>
-        <p:spPr>
-          <a:xfrm>
-            <a:off x="6839842" y="2457083"/>
-            <a:ext cx="1445703" cy="369332"/>
-          </a:xfrm>
-          <a:prstGeom prst="rect">
-            <a:avLst/>
-          </a:prstGeom>
-        </p:spPr>
-        <p:style>
-          <a:lnRef idx="2">
-            <a:schemeClr val="dk1"/>
-          </a:lnRef>
-          <a:fillRef idx="1">
-            <a:schemeClr val="lt1"/>
-          </a:fillRef>
-          <a:effectRef idx="0">
-            <a:schemeClr val="dk1"/>
-          </a:effectRef>
-          <a:fontRef idx="minor">
-            <a:schemeClr val="dk1"/>
-          </a:fontRef>
-        </p:style>
-        <p:txBody>
-          <a:bodyPr wrap="square" rtlCol="0">
-            <a:spAutoFit/>
-          </a:bodyPr>
-          <a:lstStyle/>
-          <a:p>
-            <a:r>
-              <a:rPr lang="en-GB" dirty="0"/>
-              <a:t>Resistance #3</a:t>
-            </a:r>
-          </a:p>
-        </p:txBody>
-      </p:sp>
-      <p:sp>
-        <p:nvSpPr>
-          <p:cNvPr id="26" name="TextBox 25">
-            <a:extLst>
-              <a:ext uri="{FF2B5EF4-FFF2-40B4-BE49-F238E27FC236}">
-                <a16:creationId xmlns:a16="http://schemas.microsoft.com/office/drawing/2014/main" id="{D63088A7-7F9C-4C57-BD3B-EA5EAF452BCD}"/>
-              </a:ext>
-            </a:extLst>
-          </p:cNvPr>
-          <p:cNvSpPr txBox="1"/>
-          <p:nvPr/>
-        </p:nvSpPr>
-        <p:spPr>
-          <a:xfrm>
-            <a:off x="4925000" y="4139858"/>
-            <a:ext cx="1467310" cy="369332"/>
-          </a:xfrm>
-          <a:prstGeom prst="rect">
-            <a:avLst/>
-          </a:prstGeom>
-        </p:spPr>
-        <p:style>
-          <a:lnRef idx="2">
-            <a:schemeClr val="dk1"/>
-          </a:lnRef>
-          <a:fillRef idx="1">
-            <a:schemeClr val="lt1"/>
-          </a:fillRef>
-          <a:effectRef idx="0">
-            <a:schemeClr val="dk1"/>
-          </a:effectRef>
-          <a:fontRef idx="minor">
-            <a:schemeClr val="dk1"/>
-          </a:fontRef>
-        </p:style>
-        <p:txBody>
-          <a:bodyPr wrap="square" rtlCol="0">
-            <a:spAutoFit/>
-          </a:bodyPr>
-          <a:lstStyle/>
-          <a:p>
-            <a:r>
-              <a:rPr lang="en-GB" dirty="0"/>
-              <a:t>Resistance #2</a:t>
-            </a:r>
-          </a:p>
-        </p:txBody>
-      </p:sp>
-      <p:sp>
-        <p:nvSpPr>
-          <p:cNvPr id="28" name="TextBox 27">
-            <a:extLst>
-              <a:ext uri="{FF2B5EF4-FFF2-40B4-BE49-F238E27FC236}">
-                <a16:creationId xmlns:a16="http://schemas.microsoft.com/office/drawing/2014/main" id="{A2C4D285-5419-4842-81DF-66CBE47CB2A5}"/>
-              </a:ext>
-            </a:extLst>
-          </p:cNvPr>
-          <p:cNvSpPr txBox="1"/>
-          <p:nvPr/>
-        </p:nvSpPr>
-        <p:spPr>
-          <a:xfrm>
-            <a:off x="6839842" y="4139858"/>
-            <a:ext cx="1445703" cy="369332"/>
-          </a:xfrm>
-          <a:prstGeom prst="rect">
-            <a:avLst/>
-          </a:prstGeom>
-        </p:spPr>
-        <p:style>
-          <a:lnRef idx="2">
-            <a:schemeClr val="dk1"/>
-          </a:lnRef>
-          <a:fillRef idx="1">
-            <a:schemeClr val="lt1"/>
-          </a:fillRef>
-          <a:effectRef idx="0">
-            <a:schemeClr val="dk1"/>
-          </a:effectRef>
-          <a:fontRef idx="minor">
-            <a:schemeClr val="dk1"/>
-          </a:fontRef>
-        </p:style>
-        <p:txBody>
-          <a:bodyPr wrap="square" rtlCol="0">
-            <a:spAutoFit/>
-          </a:bodyPr>
-          <a:lstStyle/>
-          <a:p>
-            <a:r>
-              <a:rPr lang="en-GB" dirty="0"/>
-              <a:t>Resistance #3</a:t>
-            </a:r>
-          </a:p>
-        </p:txBody>
-      </p:sp>
-      <p:sp>
-        <p:nvSpPr>
-          <p:cNvPr id="33" name="TextBox 32">
-            <a:extLst>
-              <a:ext uri="{FF2B5EF4-FFF2-40B4-BE49-F238E27FC236}">
-                <a16:creationId xmlns:a16="http://schemas.microsoft.com/office/drawing/2014/main" id="{33F67601-F182-4CB3-BE5C-20807FC41A71}"/>
-              </a:ext>
-            </a:extLst>
-          </p:cNvPr>
-          <p:cNvSpPr txBox="1"/>
-          <p:nvPr/>
-        </p:nvSpPr>
-        <p:spPr>
-          <a:xfrm>
-            <a:off x="6839842" y="5844222"/>
-            <a:ext cx="1445703" cy="369332"/>
-          </a:xfrm>
-          <a:prstGeom prst="rect">
-            <a:avLst/>
-          </a:prstGeom>
-        </p:spPr>
-        <p:style>
-          <a:lnRef idx="2">
-            <a:schemeClr val="dk1"/>
-          </a:lnRef>
-          <a:fillRef idx="1">
-            <a:schemeClr val="lt1"/>
-          </a:fillRef>
-          <a:effectRef idx="0">
-            <a:schemeClr val="dk1"/>
-          </a:effectRef>
-          <a:fontRef idx="minor">
-            <a:schemeClr val="dk1"/>
-          </a:fontRef>
-        </p:style>
-        <p:txBody>
-          <a:bodyPr wrap="square" rtlCol="0">
-            <a:spAutoFit/>
-          </a:bodyPr>
-          <a:lstStyle/>
-          <a:p>
-            <a:r>
-              <a:rPr lang="en-GB" dirty="0"/>
-              <a:t>Resistance #3</a:t>
-            </a:r>
-          </a:p>
-        </p:txBody>
-      </p:sp>
-      <p:sp>
-        <p:nvSpPr>
-          <p:cNvPr id="34" name="TextBox 33">
-            <a:extLst>
-              <a:ext uri="{FF2B5EF4-FFF2-40B4-BE49-F238E27FC236}">
-                <a16:creationId xmlns:a16="http://schemas.microsoft.com/office/drawing/2014/main" id="{EB378E91-F421-4D06-8D4E-67A9A04EDDEB}"/>
-              </a:ext>
-            </a:extLst>
-          </p:cNvPr>
-          <p:cNvSpPr txBox="1"/>
-          <p:nvPr/>
-        </p:nvSpPr>
-        <p:spPr>
-          <a:xfrm>
-            <a:off x="3010158" y="2457083"/>
-            <a:ext cx="1445703" cy="369332"/>
-          </a:xfrm>
-          <a:prstGeom prst="rect">
-            <a:avLst/>
-          </a:prstGeom>
-        </p:spPr>
-        <p:style>
-          <a:lnRef idx="2">
-            <a:schemeClr val="dk1"/>
-          </a:lnRef>
-          <a:fillRef idx="1">
-            <a:schemeClr val="lt1"/>
-          </a:fillRef>
-          <a:effectRef idx="0">
-            <a:schemeClr val="dk1"/>
-          </a:effectRef>
-          <a:fontRef idx="minor">
-            <a:schemeClr val="dk1"/>
-          </a:fontRef>
-        </p:style>
-        <p:txBody>
-          <a:bodyPr wrap="square" rtlCol="0">
-            <a:spAutoFit/>
-          </a:bodyPr>
-          <a:lstStyle/>
-          <a:p>
-            <a:r>
-              <a:rPr lang="en-GB" dirty="0"/>
-              <a:t>Resistance #1</a:t>
-            </a:r>
-          </a:p>
-        </p:txBody>
-      </p:sp>
-      <p:grpSp>
-        <p:nvGrpSpPr>
-          <p:cNvPr id="6" name="Group 5">
-            <a:extLst>
-              <a:ext uri="{FF2B5EF4-FFF2-40B4-BE49-F238E27FC236}">
-                <a16:creationId xmlns:a16="http://schemas.microsoft.com/office/drawing/2014/main" id="{B124E156-34AF-418F-96C9-817AEFE514E7}"/>
-              </a:ext>
-            </a:extLst>
-          </p:cNvPr>
-          <p:cNvGrpSpPr/>
-          <p:nvPr/>
-        </p:nvGrpSpPr>
-        <p:grpSpPr>
-          <a:xfrm>
-            <a:off x="1947629" y="1015426"/>
-            <a:ext cx="184557" cy="5170502"/>
-            <a:chOff x="1947629" y="969246"/>
-            <a:chExt cx="184557" cy="5170502"/>
-          </a:xfrm>
-        </p:grpSpPr>
-        <p:sp>
-          <p:nvSpPr>
-            <p:cNvPr id="22" name="Arrow: Down 21">
-              <a:extLst>
-                <a:ext uri="{FF2B5EF4-FFF2-40B4-BE49-F238E27FC236}">
-                  <a16:creationId xmlns:a16="http://schemas.microsoft.com/office/drawing/2014/main" id="{68055556-D431-40FE-AB5E-60C51CDAA482}"/>
-                </a:ext>
-              </a:extLst>
-            </p:cNvPr>
-            <p:cNvSpPr/>
-            <p:nvPr/>
-          </p:nvSpPr>
-          <p:spPr>
-            <a:xfrm>
-              <a:off x="1947629" y="969246"/>
-              <a:ext cx="184557" cy="1368000"/>
-            </a:xfrm>
-            <a:prstGeom prst="downArrow">
-              <a:avLst/>
-            </a:prstGeom>
-          </p:spPr>
-          <p:style>
-            <a:lnRef idx="2">
-              <a:schemeClr val="accent3">
-                <a:shade val="50000"/>
-              </a:schemeClr>
-            </a:lnRef>
-            <a:fillRef idx="1">
-              <a:schemeClr val="accent3"/>
-            </a:fillRef>
-            <a:effectRef idx="0">
-              <a:schemeClr val="accent3"/>
-            </a:effectRef>
-            <a:fontRef idx="minor">
-              <a:schemeClr val="lt1"/>
-            </a:fontRef>
-          </p:style>
-          <p:txBody>
-            <a:bodyPr rtlCol="0" anchor="ctr"/>
-            <a:lstStyle/>
-            <a:p>
-              <a:pPr algn="ctr"/>
-              <a:endParaRPr lang="en-GB"/>
-            </a:p>
-          </p:txBody>
-        </p:sp>
-        <p:sp>
-          <p:nvSpPr>
-            <p:cNvPr id="23" name="Arrow: Down 22">
-              <a:extLst>
-                <a:ext uri="{FF2B5EF4-FFF2-40B4-BE49-F238E27FC236}">
-                  <a16:creationId xmlns:a16="http://schemas.microsoft.com/office/drawing/2014/main" id="{410BDBD6-DAA5-49AF-AE95-5380D37D6AE8}"/>
-                </a:ext>
-              </a:extLst>
-            </p:cNvPr>
-            <p:cNvSpPr/>
-            <p:nvPr/>
-          </p:nvSpPr>
-          <p:spPr>
-            <a:xfrm>
-              <a:off x="1947629" y="2839376"/>
-              <a:ext cx="184557" cy="1368000"/>
-            </a:xfrm>
-            <a:prstGeom prst="downArrow">
-              <a:avLst/>
-            </a:prstGeom>
-          </p:spPr>
-          <p:style>
-            <a:lnRef idx="2">
-              <a:schemeClr val="accent3">
-                <a:shade val="50000"/>
-              </a:schemeClr>
-            </a:lnRef>
-            <a:fillRef idx="1">
-              <a:schemeClr val="accent3"/>
-            </a:fillRef>
-            <a:effectRef idx="0">
-              <a:schemeClr val="accent3"/>
-            </a:effectRef>
-            <a:fontRef idx="minor">
-              <a:schemeClr val="lt1"/>
-            </a:fontRef>
-          </p:style>
-          <p:txBody>
-            <a:bodyPr rtlCol="0" anchor="ctr"/>
-            <a:lstStyle/>
-            <a:p>
-              <a:pPr algn="ctr"/>
-              <a:endParaRPr lang="en-GB"/>
-            </a:p>
-          </p:txBody>
-        </p:sp>
-        <p:sp>
-          <p:nvSpPr>
-            <p:cNvPr id="27" name="Arrow: Down 26">
-              <a:extLst>
-                <a:ext uri="{FF2B5EF4-FFF2-40B4-BE49-F238E27FC236}">
-                  <a16:creationId xmlns:a16="http://schemas.microsoft.com/office/drawing/2014/main" id="{90155B68-0903-478D-85D5-8D780126E84A}"/>
-                </a:ext>
-              </a:extLst>
-            </p:cNvPr>
-            <p:cNvSpPr/>
-            <p:nvPr/>
-          </p:nvSpPr>
-          <p:spPr>
-            <a:xfrm>
-              <a:off x="1947629" y="4771748"/>
-              <a:ext cx="184557" cy="1368000"/>
-            </a:xfrm>
-            <a:prstGeom prst="downArrow">
-              <a:avLst/>
-            </a:prstGeom>
-          </p:spPr>
-          <p:style>
-            <a:lnRef idx="2">
-              <a:schemeClr val="accent3">
-                <a:shade val="50000"/>
-              </a:schemeClr>
-            </a:lnRef>
-            <a:fillRef idx="1">
-              <a:schemeClr val="accent3"/>
-            </a:fillRef>
-            <a:effectRef idx="0">
-              <a:schemeClr val="accent3"/>
-            </a:effectRef>
-            <a:fontRef idx="minor">
-              <a:schemeClr val="lt1"/>
-            </a:fontRef>
-          </p:style>
-          <p:txBody>
-            <a:bodyPr rtlCol="0" anchor="ctr"/>
-            <a:lstStyle/>
-            <a:p>
-              <a:pPr algn="ctr"/>
-              <a:endParaRPr lang="en-GB"/>
-            </a:p>
-          </p:txBody>
-        </p:sp>
-      </p:grpSp>
+              <a:t>Gain an understanding of where it is most and least applicable</a:t>
+            </a:r>
+          </a:p>
+        </p:txBody>
+      </p:sp>
     </p:spTree>
     <p:extLst>
       <p:ext uri="{BB962C8B-B14F-4D97-AF65-F5344CB8AC3E}">
-        <p14:creationId xmlns:p14="http://schemas.microsoft.com/office/powerpoint/2010/main" val="370177812"/>
+        <p14:creationId xmlns:p14="http://schemas.microsoft.com/office/powerpoint/2010/main" val="1404263145"/>
       </p:ext>
     </p:extLst>
   </p:cSld>
@@ -11398,867 +10082,7 @@
 </p:sld>
 </file>
 
-<file path=ppt/slides/slide24.xml><?xml version="1.0" encoding="utf-8"?>
-<p:sld xmlns:a="http://schemas.openxmlformats.org/drawingml/2006/main" xmlns:r="http://schemas.openxmlformats.org/officeDocument/2006/relationships" xmlns:p="http://schemas.openxmlformats.org/presentationml/2006/main">
-  <p:cSld>
-    <p:spTree>
-      <p:nvGrpSpPr>
-        <p:cNvPr id="1" name=""/>
-        <p:cNvGrpSpPr/>
-        <p:nvPr/>
-      </p:nvGrpSpPr>
-      <p:grpSpPr>
-        <a:xfrm>
-          <a:off x="0" y="0"/>
-          <a:ext cx="0" cy="0"/>
-          <a:chOff x="0" y="0"/>
-          <a:chExt cx="0" cy="0"/>
-        </a:xfrm>
-      </p:grpSpPr>
-      <p:sp>
-        <p:nvSpPr>
-          <p:cNvPr id="2" name="Title 1">
-            <a:extLst>
-              <a:ext uri="{FF2B5EF4-FFF2-40B4-BE49-F238E27FC236}">
-                <a16:creationId xmlns:a16="http://schemas.microsoft.com/office/drawing/2014/main" id="{A490FED1-72C2-49F4-A356-AB26392C057D}"/>
-              </a:ext>
-            </a:extLst>
-          </p:cNvPr>
-          <p:cNvSpPr>
-            <a:spLocks noGrp="1"/>
-          </p:cNvSpPr>
-          <p:nvPr>
-            <p:ph type="title"/>
-          </p:nvPr>
-        </p:nvSpPr>
-        <p:spPr>
-          <a:xfrm>
-            <a:off x="838200" y="795338"/>
-            <a:ext cx="10515600" cy="2852737"/>
-          </a:xfrm>
-        </p:spPr>
-        <p:txBody>
-          <a:bodyPr/>
-          <a:lstStyle/>
-          <a:p>
-            <a:pPr algn="ctr"/>
-            <a:r>
-              <a:rPr lang="en-GB" dirty="0"/>
-              <a:t>Context and real-world grounding</a:t>
-            </a:r>
-          </a:p>
-        </p:txBody>
-      </p:sp>
-    </p:spTree>
-    <p:extLst>
-      <p:ext uri="{BB962C8B-B14F-4D97-AF65-F5344CB8AC3E}">
-        <p14:creationId xmlns:p14="http://schemas.microsoft.com/office/powerpoint/2010/main" val="3851874181"/>
-      </p:ext>
-    </p:extLst>
-  </p:cSld>
-  <p:clrMapOvr>
-    <a:masterClrMapping/>
-  </p:clrMapOvr>
-</p:sld>
-</file>
-
-<file path=ppt/slides/slide25.xml><?xml version="1.0" encoding="utf-8"?>
-<p:sld xmlns:a="http://schemas.openxmlformats.org/drawingml/2006/main" xmlns:r="http://schemas.openxmlformats.org/officeDocument/2006/relationships" xmlns:p="http://schemas.openxmlformats.org/presentationml/2006/main">
-  <p:cSld>
-    <p:spTree>
-      <p:nvGrpSpPr>
-        <p:cNvPr id="1" name=""/>
-        <p:cNvGrpSpPr/>
-        <p:nvPr/>
-      </p:nvGrpSpPr>
-      <p:grpSpPr>
-        <a:xfrm>
-          <a:off x="0" y="0"/>
-          <a:ext cx="0" cy="0"/>
-          <a:chOff x="0" y="0"/>
-          <a:chExt cx="0" cy="0"/>
-        </a:xfrm>
-      </p:grpSpPr>
-      <p:sp>
-        <p:nvSpPr>
-          <p:cNvPr id="2" name="Title 1">
-            <a:extLst>
-              <a:ext uri="{FF2B5EF4-FFF2-40B4-BE49-F238E27FC236}">
-                <a16:creationId xmlns:a16="http://schemas.microsoft.com/office/drawing/2014/main" id="{42B2C3C1-B11F-44D3-91E5-50C72DBF61A3}"/>
-              </a:ext>
-            </a:extLst>
-          </p:cNvPr>
-          <p:cNvSpPr>
-            <a:spLocks noGrp="1"/>
-          </p:cNvSpPr>
-          <p:nvPr>
-            <p:ph type="title"/>
-          </p:nvPr>
-        </p:nvSpPr>
-        <p:spPr/>
-        <p:txBody>
-          <a:bodyPr/>
-          <a:lstStyle/>
-          <a:p>
-            <a:r>
-              <a:rPr lang="en-GB" dirty="0"/>
-              <a:t>Neo-natal meningitis data</a:t>
-            </a:r>
-          </a:p>
-        </p:txBody>
-      </p:sp>
-      <p:sp>
-        <p:nvSpPr>
-          <p:cNvPr id="3" name="Content Placeholder 2">
-            <a:extLst>
-              <a:ext uri="{FF2B5EF4-FFF2-40B4-BE49-F238E27FC236}">
-                <a16:creationId xmlns:a16="http://schemas.microsoft.com/office/drawing/2014/main" id="{135FE89B-D3AD-4AE4-B566-79F36297E395}"/>
-              </a:ext>
-            </a:extLst>
-          </p:cNvPr>
-          <p:cNvSpPr>
-            <a:spLocks noGrp="1"/>
-          </p:cNvSpPr>
-          <p:nvPr>
-            <p:ph idx="1"/>
-          </p:nvPr>
-        </p:nvSpPr>
-        <p:spPr/>
-        <p:txBody>
-          <a:bodyPr/>
-          <a:lstStyle/>
-          <a:p>
-            <a:endParaRPr lang="en-GB"/>
-          </a:p>
-        </p:txBody>
-      </p:sp>
-    </p:spTree>
-    <p:extLst>
-      <p:ext uri="{BB962C8B-B14F-4D97-AF65-F5344CB8AC3E}">
-        <p14:creationId xmlns:p14="http://schemas.microsoft.com/office/powerpoint/2010/main" val="2791449091"/>
-      </p:ext>
-    </p:extLst>
-  </p:cSld>
-  <p:clrMapOvr>
-    <a:masterClrMapping/>
-  </p:clrMapOvr>
-</p:sld>
-</file>
-
-<file path=ppt/slides/slide26.xml><?xml version="1.0" encoding="utf-8"?>
-<p:sld xmlns:a="http://schemas.openxmlformats.org/drawingml/2006/main" xmlns:r="http://schemas.openxmlformats.org/officeDocument/2006/relationships" xmlns:p="http://schemas.openxmlformats.org/presentationml/2006/main">
-  <p:cSld>
-    <p:spTree>
-      <p:nvGrpSpPr>
-        <p:cNvPr id="1" name=""/>
-        <p:cNvGrpSpPr/>
-        <p:nvPr/>
-      </p:nvGrpSpPr>
-      <p:grpSpPr>
-        <a:xfrm>
-          <a:off x="0" y="0"/>
-          <a:ext cx="0" cy="0"/>
-          <a:chOff x="0" y="0"/>
-          <a:chExt cx="0" cy="0"/>
-        </a:xfrm>
-      </p:grpSpPr>
-      <p:sp>
-        <p:nvSpPr>
-          <p:cNvPr id="2" name="Title 1">
-            <a:extLst>
-              <a:ext uri="{FF2B5EF4-FFF2-40B4-BE49-F238E27FC236}">
-                <a16:creationId xmlns:a16="http://schemas.microsoft.com/office/drawing/2014/main" id="{6F887A7E-AA5D-4B77-8C40-D46996620026}"/>
-              </a:ext>
-            </a:extLst>
-          </p:cNvPr>
-          <p:cNvSpPr>
-            <a:spLocks noGrp="1"/>
-          </p:cNvSpPr>
-          <p:nvPr>
-            <p:ph type="title"/>
-          </p:nvPr>
-        </p:nvSpPr>
-        <p:spPr/>
-        <p:txBody>
-          <a:bodyPr/>
-          <a:lstStyle/>
-          <a:p>
-            <a:r>
-              <a:rPr lang="en-GB" dirty="0"/>
-              <a:t>Discussion of the model</a:t>
-            </a:r>
-          </a:p>
-        </p:txBody>
-      </p:sp>
-      <p:sp>
-        <p:nvSpPr>
-          <p:cNvPr id="3" name="Content Placeholder 2">
-            <a:extLst>
-              <a:ext uri="{FF2B5EF4-FFF2-40B4-BE49-F238E27FC236}">
-                <a16:creationId xmlns:a16="http://schemas.microsoft.com/office/drawing/2014/main" id="{D3C66037-7596-4AA0-B0E4-22B1238466C2}"/>
-              </a:ext>
-            </a:extLst>
-          </p:cNvPr>
-          <p:cNvSpPr>
-            <a:spLocks noGrp="1"/>
-          </p:cNvSpPr>
-          <p:nvPr>
-            <p:ph idx="1"/>
-          </p:nvPr>
-        </p:nvSpPr>
-        <p:spPr/>
-        <p:txBody>
-          <a:bodyPr>
-            <a:normAutofit fontScale="92500" lnSpcReduction="10000"/>
-          </a:bodyPr>
-          <a:lstStyle/>
-          <a:p>
-            <a:r>
-              <a:rPr lang="en-GB" dirty="0"/>
-              <a:t>Is the model realistic?</a:t>
-            </a:r>
-          </a:p>
-          <a:p>
-            <a:pPr lvl="1"/>
-            <a:r>
-              <a:rPr lang="en-GB" dirty="0"/>
-              <a:t>No, very little about it is realistic. It is a model meant to portray how resistance spreads and is combatted.</a:t>
-            </a:r>
-          </a:p>
-          <a:p>
-            <a:r>
-              <a:rPr lang="en-GB" dirty="0"/>
-              <a:t>Is it useful?</a:t>
-            </a:r>
-          </a:p>
-          <a:p>
-            <a:pPr lvl="1"/>
-            <a:r>
-              <a:rPr lang="en-GB" dirty="0"/>
-              <a:t>Yes, because it provides several helpful insights:</a:t>
-            </a:r>
-          </a:p>
-          <a:p>
-            <a:pPr marL="1371600" lvl="2" indent="-457200">
-              <a:buFont typeface="+mj-lt"/>
-              <a:buAutoNum type="arabicPeriod"/>
-            </a:pPr>
-            <a:r>
-              <a:rPr lang="en-GB" dirty="0"/>
-              <a:t>The impact our product will have on the spread of resistance just by quickly detecting who to put into isolation.</a:t>
-            </a:r>
-          </a:p>
-          <a:p>
-            <a:pPr marL="1371600" lvl="2" indent="-457200">
-              <a:buFont typeface="+mj-lt"/>
-              <a:buAutoNum type="arabicPeriod"/>
-            </a:pPr>
-            <a:r>
-              <a:rPr lang="en-GB" dirty="0"/>
-              <a:t>Whether higher or lower mortality or transmissibility of a disease increase or decrease the effectiveness. </a:t>
-            </a:r>
-          </a:p>
-          <a:p>
-            <a:r>
-              <a:rPr lang="en-GB" dirty="0"/>
-              <a:t>What other potential improvements are there?</a:t>
-            </a:r>
-          </a:p>
-          <a:p>
-            <a:pPr lvl="1"/>
-            <a:r>
-              <a:rPr lang="en-GB" dirty="0"/>
-              <a:t>Add special features to make more realistic scenario and results, for example:</a:t>
-            </a:r>
-          </a:p>
-          <a:p>
-            <a:pPr lvl="2"/>
-            <a:r>
-              <a:rPr lang="en-GB" dirty="0"/>
-              <a:t>Spatial considerations – e.g. modelling multiple wards with movement between them</a:t>
-            </a:r>
-          </a:p>
-          <a:p>
-            <a:pPr lvl="2"/>
-            <a:r>
-              <a:rPr lang="en-GB" dirty="0"/>
-              <a:t>Asymptomatic transmission</a:t>
-            </a:r>
-          </a:p>
-        </p:txBody>
-      </p:sp>
-    </p:spTree>
-    <p:extLst>
-      <p:ext uri="{BB962C8B-B14F-4D97-AF65-F5344CB8AC3E}">
-        <p14:creationId xmlns:p14="http://schemas.microsoft.com/office/powerpoint/2010/main" val="3350282928"/>
-      </p:ext>
-    </p:extLst>
-  </p:cSld>
-  <p:clrMapOvr>
-    <a:masterClrMapping/>
-  </p:clrMapOvr>
-</p:sld>
-</file>
-
-<file path=ppt/slides/slide3.xml><?xml version="1.0" encoding="utf-8"?>
-<p:sld xmlns:a="http://schemas.openxmlformats.org/drawingml/2006/main" xmlns:r="http://schemas.openxmlformats.org/officeDocument/2006/relationships" xmlns:p="http://schemas.openxmlformats.org/presentationml/2006/main">
-  <p:cSld>
-    <p:spTree>
-      <p:nvGrpSpPr>
-        <p:cNvPr id="1" name=""/>
-        <p:cNvGrpSpPr/>
-        <p:nvPr/>
-      </p:nvGrpSpPr>
-      <p:grpSpPr>
-        <a:xfrm>
-          <a:off x="0" y="0"/>
-          <a:ext cx="0" cy="0"/>
-          <a:chOff x="0" y="0"/>
-          <a:chExt cx="0" cy="0"/>
-        </a:xfrm>
-      </p:grpSpPr>
-      <p:sp>
-        <p:nvSpPr>
-          <p:cNvPr id="2" name="Title 1">
-            <a:extLst>
-              <a:ext uri="{FF2B5EF4-FFF2-40B4-BE49-F238E27FC236}">
-                <a16:creationId xmlns:a16="http://schemas.microsoft.com/office/drawing/2014/main" id="{A490FED1-72C2-49F4-A356-AB26392C057D}"/>
-              </a:ext>
-            </a:extLst>
-          </p:cNvPr>
-          <p:cNvSpPr>
-            <a:spLocks noGrp="1"/>
-          </p:cNvSpPr>
-          <p:nvPr>
-            <p:ph type="title"/>
-          </p:nvPr>
-        </p:nvSpPr>
-        <p:spPr>
-          <a:xfrm>
-            <a:off x="838200" y="795338"/>
-            <a:ext cx="10515600" cy="2852737"/>
-          </a:xfrm>
-        </p:spPr>
-        <p:txBody>
-          <a:bodyPr/>
-          <a:lstStyle/>
-          <a:p>
-            <a:pPr algn="ctr"/>
-            <a:r>
-              <a:rPr lang="en-GB" dirty="0"/>
-              <a:t>General overview</a:t>
-            </a:r>
-          </a:p>
-        </p:txBody>
-      </p:sp>
-    </p:spTree>
-    <p:extLst>
-      <p:ext uri="{BB962C8B-B14F-4D97-AF65-F5344CB8AC3E}">
-        <p14:creationId xmlns:p14="http://schemas.microsoft.com/office/powerpoint/2010/main" val="1770829288"/>
-      </p:ext>
-    </p:extLst>
-  </p:cSld>
-  <p:clrMapOvr>
-    <a:masterClrMapping/>
-  </p:clrMapOvr>
-</p:sld>
-</file>
-
-<file path=ppt/slides/slide4.xml><?xml version="1.0" encoding="utf-8"?>
-<p:sld xmlns:a="http://schemas.openxmlformats.org/drawingml/2006/main" xmlns:r="http://schemas.openxmlformats.org/officeDocument/2006/relationships" xmlns:p="http://schemas.openxmlformats.org/presentationml/2006/main">
-  <p:cSld>
-    <p:spTree>
-      <p:nvGrpSpPr>
-        <p:cNvPr id="1" name=""/>
-        <p:cNvGrpSpPr/>
-        <p:nvPr/>
-      </p:nvGrpSpPr>
-      <p:grpSpPr>
-        <a:xfrm>
-          <a:off x="0" y="0"/>
-          <a:ext cx="0" cy="0"/>
-          <a:chOff x="0" y="0"/>
-          <a:chExt cx="0" cy="0"/>
-        </a:xfrm>
-      </p:grpSpPr>
-      <p:sp>
-        <p:nvSpPr>
-          <p:cNvPr id="2" name="Title 1">
-            <a:extLst>
-              <a:ext uri="{FF2B5EF4-FFF2-40B4-BE49-F238E27FC236}">
-                <a16:creationId xmlns:a16="http://schemas.microsoft.com/office/drawing/2014/main" id="{0CD7586B-54E1-49A9-AF67-A27C720C50B6}"/>
-              </a:ext>
-            </a:extLst>
-          </p:cNvPr>
-          <p:cNvSpPr>
-            <a:spLocks noGrp="1"/>
-          </p:cNvSpPr>
-          <p:nvPr>
-            <p:ph type="title"/>
-          </p:nvPr>
-        </p:nvSpPr>
-        <p:spPr/>
-        <p:txBody>
-          <a:bodyPr/>
-          <a:lstStyle/>
-          <a:p>
-            <a:r>
-              <a:rPr lang="en-GB" dirty="0"/>
-              <a:t>General overview</a:t>
-            </a:r>
-          </a:p>
-        </p:txBody>
-      </p:sp>
-      <p:sp>
-        <p:nvSpPr>
-          <p:cNvPr id="3" name="Content Placeholder 2">
-            <a:extLst>
-              <a:ext uri="{FF2B5EF4-FFF2-40B4-BE49-F238E27FC236}">
-                <a16:creationId xmlns:a16="http://schemas.microsoft.com/office/drawing/2014/main" id="{6545CAFA-ABBB-4E8C-BDBC-C173FDF3856E}"/>
-              </a:ext>
-            </a:extLst>
-          </p:cNvPr>
-          <p:cNvSpPr>
-            <a:spLocks noGrp="1"/>
-          </p:cNvSpPr>
-          <p:nvPr>
-            <p:ph idx="1"/>
-          </p:nvPr>
-        </p:nvSpPr>
-        <p:spPr/>
-        <p:txBody>
-          <a:bodyPr/>
-          <a:lstStyle/>
-          <a:p>
-            <a:pPr marL="514350" indent="-514350">
-              <a:buFont typeface="+mj-lt"/>
-              <a:buAutoNum type="arabicPeriod"/>
-            </a:pPr>
-            <a:r>
-              <a:rPr lang="en-GB" dirty="0"/>
-              <a:t>Changes occur in like turns in a board game – granular steps which represent periods of time, such as hours or days</a:t>
-            </a:r>
-          </a:p>
-          <a:p>
-            <a:pPr marL="514350" indent="-514350">
-              <a:buFont typeface="+mj-lt"/>
-              <a:buAutoNum type="arabicPeriod"/>
-            </a:pPr>
-            <a:r>
-              <a:rPr lang="en-GB" dirty="0"/>
-              <a:t>The population is fixed size – no one enters or leaves</a:t>
-            </a:r>
-          </a:p>
-          <a:p>
-            <a:pPr marL="0" indent="0">
-              <a:buNone/>
-            </a:pPr>
-            <a:endParaRPr lang="en-GB" dirty="0"/>
-          </a:p>
-          <a:p>
-            <a:pPr marL="0" indent="0">
-              <a:buNone/>
-            </a:pPr>
-            <a:endParaRPr lang="en-GB" dirty="0"/>
-          </a:p>
-        </p:txBody>
-      </p:sp>
-    </p:spTree>
-    <p:extLst>
-      <p:ext uri="{BB962C8B-B14F-4D97-AF65-F5344CB8AC3E}">
-        <p14:creationId xmlns:p14="http://schemas.microsoft.com/office/powerpoint/2010/main" val="3211385247"/>
-      </p:ext>
-    </p:extLst>
-  </p:cSld>
-  <p:clrMapOvr>
-    <a:masterClrMapping/>
-  </p:clrMapOvr>
-</p:sld>
-</file>
-
-<file path=ppt/slides/slide5.xml><?xml version="1.0" encoding="utf-8"?>
-<p:sld xmlns:a="http://schemas.openxmlformats.org/drawingml/2006/main" xmlns:r="http://schemas.openxmlformats.org/officeDocument/2006/relationships" xmlns:p="http://schemas.openxmlformats.org/presentationml/2006/main">
-  <p:cSld>
-    <p:spTree>
-      <p:nvGrpSpPr>
-        <p:cNvPr id="1" name=""/>
-        <p:cNvGrpSpPr/>
-        <p:nvPr/>
-      </p:nvGrpSpPr>
-      <p:grpSpPr>
-        <a:xfrm>
-          <a:off x="0" y="0"/>
-          <a:ext cx="0" cy="0"/>
-          <a:chOff x="0" y="0"/>
-          <a:chExt cx="0" cy="0"/>
-        </a:xfrm>
-      </p:grpSpPr>
-      <p:pic>
-        <p:nvPicPr>
-          <p:cNvPr id="5" name="Picture 4" descr="Text&#10;&#10;Description automatically generated">
-            <a:extLst>
-              <a:ext uri="{FF2B5EF4-FFF2-40B4-BE49-F238E27FC236}">
-                <a16:creationId xmlns:a16="http://schemas.microsoft.com/office/drawing/2014/main" id="{F50C7314-BE4B-475B-B754-2FE9B97AB139}"/>
-              </a:ext>
-            </a:extLst>
-          </p:cNvPr>
-          <p:cNvPicPr>
-            <a:picLocks noChangeAspect="1"/>
-          </p:cNvPicPr>
-          <p:nvPr/>
-        </p:nvPicPr>
-        <p:blipFill>
-          <a:blip r:embed="rId2">
-            <a:extLst>
-              <a:ext uri="{28A0092B-C50C-407E-A947-70E740481C1C}">
-                <a14:useLocalDpi xmlns:a14="http://schemas.microsoft.com/office/drawing/2010/main" val="0"/>
-              </a:ext>
-            </a:extLst>
-          </a:blip>
-          <a:stretch>
-            <a:fillRect/>
-          </a:stretch>
-        </p:blipFill>
-        <p:spPr>
-          <a:xfrm>
-            <a:off x="1581150" y="1963139"/>
-            <a:ext cx="9029700" cy="2931721"/>
-          </a:xfrm>
-          <a:prstGeom prst="rect">
-            <a:avLst/>
-          </a:prstGeom>
-        </p:spPr>
-      </p:pic>
-    </p:spTree>
-    <p:extLst>
-      <p:ext uri="{BB962C8B-B14F-4D97-AF65-F5344CB8AC3E}">
-        <p14:creationId xmlns:p14="http://schemas.microsoft.com/office/powerpoint/2010/main" val="2988418754"/>
-      </p:ext>
-    </p:extLst>
-  </p:cSld>
-  <p:clrMapOvr>
-    <a:masterClrMapping/>
-  </p:clrMapOvr>
-</p:sld>
-</file>
-
-<file path=ppt/slides/slide6.xml><?xml version="1.0" encoding="utf-8"?>
-<p:sld xmlns:a="http://schemas.openxmlformats.org/drawingml/2006/main" xmlns:r="http://schemas.openxmlformats.org/officeDocument/2006/relationships" xmlns:p="http://schemas.openxmlformats.org/presentationml/2006/main">
-  <p:cSld>
-    <p:spTree>
-      <p:nvGrpSpPr>
-        <p:cNvPr id="1" name=""/>
-        <p:cNvGrpSpPr/>
-        <p:nvPr/>
-      </p:nvGrpSpPr>
-      <p:grpSpPr>
-        <a:xfrm>
-          <a:off x="0" y="0"/>
-          <a:ext cx="0" cy="0"/>
-          <a:chOff x="0" y="0"/>
-          <a:chExt cx="0" cy="0"/>
-        </a:xfrm>
-      </p:grpSpPr>
-      <p:sp>
-        <p:nvSpPr>
-          <p:cNvPr id="2" name="Title 1">
-            <a:extLst>
-              <a:ext uri="{FF2B5EF4-FFF2-40B4-BE49-F238E27FC236}">
-                <a16:creationId xmlns:a16="http://schemas.microsoft.com/office/drawing/2014/main" id="{0CD7586B-54E1-49A9-AF67-A27C720C50B6}"/>
-              </a:ext>
-            </a:extLst>
-          </p:cNvPr>
-          <p:cNvSpPr>
-            <a:spLocks noGrp="1"/>
-          </p:cNvSpPr>
-          <p:nvPr>
-            <p:ph type="title"/>
-          </p:nvPr>
-        </p:nvSpPr>
-        <p:spPr/>
-        <p:txBody>
-          <a:bodyPr/>
-          <a:lstStyle/>
-          <a:p>
-            <a:r>
-              <a:rPr lang="en-GB" dirty="0"/>
-              <a:t>General overview</a:t>
-            </a:r>
-          </a:p>
-        </p:txBody>
-      </p:sp>
-      <p:sp>
-        <p:nvSpPr>
-          <p:cNvPr id="3" name="Content Placeholder 2">
-            <a:extLst>
-              <a:ext uri="{FF2B5EF4-FFF2-40B4-BE49-F238E27FC236}">
-                <a16:creationId xmlns:a16="http://schemas.microsoft.com/office/drawing/2014/main" id="{6545CAFA-ABBB-4E8C-BDBC-C173FDF3856E}"/>
-              </a:ext>
-            </a:extLst>
-          </p:cNvPr>
-          <p:cNvSpPr>
-            <a:spLocks noGrp="1"/>
-          </p:cNvSpPr>
-          <p:nvPr>
-            <p:ph idx="1"/>
-          </p:nvPr>
-        </p:nvSpPr>
-        <p:spPr/>
-        <p:txBody>
-          <a:bodyPr/>
-          <a:lstStyle/>
-          <a:p>
-            <a:pPr marL="514350" indent="-514350">
-              <a:buFont typeface="+mj-lt"/>
-              <a:buAutoNum type="arabicPeriod"/>
-            </a:pPr>
-            <a:r>
-              <a:rPr lang="en-GB" dirty="0"/>
-              <a:t>Changes occur in like turns in a board game – granular steps which represent periods of time, such as hours or days</a:t>
-            </a:r>
-          </a:p>
-          <a:p>
-            <a:pPr marL="514350" indent="-514350">
-              <a:buFont typeface="+mj-lt"/>
-              <a:buAutoNum type="arabicPeriod"/>
-            </a:pPr>
-            <a:r>
-              <a:rPr lang="en-GB" dirty="0"/>
-              <a:t>The population is fixed size – no one enters or leaves</a:t>
-            </a:r>
-          </a:p>
-          <a:p>
-            <a:pPr marL="514350" indent="-514350">
-              <a:buFont typeface="+mj-lt"/>
-              <a:buAutoNum type="arabicPeriod"/>
-            </a:pPr>
-            <a:r>
-              <a:rPr lang="en-GB" dirty="0"/>
-              <a:t>The model is stochastic, meaning it is based on random probabilities, rather than a system of equations</a:t>
-            </a:r>
-          </a:p>
-          <a:p>
-            <a:pPr lvl="1"/>
-            <a:r>
-              <a:rPr lang="en-GB" dirty="0"/>
-              <a:t>Composed of starting probabilities set at the top as variable parameters</a:t>
-            </a:r>
-          </a:p>
-          <a:p>
-            <a:pPr marL="0" indent="0">
-              <a:buNone/>
-            </a:pPr>
-            <a:endParaRPr lang="en-GB" dirty="0"/>
-          </a:p>
-        </p:txBody>
-      </p:sp>
-    </p:spTree>
-    <p:extLst>
-      <p:ext uri="{BB962C8B-B14F-4D97-AF65-F5344CB8AC3E}">
-        <p14:creationId xmlns:p14="http://schemas.microsoft.com/office/powerpoint/2010/main" val="2118259767"/>
-      </p:ext>
-    </p:extLst>
-  </p:cSld>
-  <p:clrMapOvr>
-    <a:masterClrMapping/>
-  </p:clrMapOvr>
-</p:sld>
-</file>
-
-<file path=ppt/slides/slide7.xml><?xml version="1.0" encoding="utf-8"?>
-<p:sld xmlns:a="http://schemas.openxmlformats.org/drawingml/2006/main" xmlns:r="http://schemas.openxmlformats.org/officeDocument/2006/relationships" xmlns:p="http://schemas.openxmlformats.org/presentationml/2006/main">
-  <p:cSld>
-    <p:spTree>
-      <p:nvGrpSpPr>
-        <p:cNvPr id="1" name=""/>
-        <p:cNvGrpSpPr/>
-        <p:nvPr/>
-      </p:nvGrpSpPr>
-      <p:grpSpPr>
-        <a:xfrm>
-          <a:off x="0" y="0"/>
-          <a:ext cx="0" cy="0"/>
-          <a:chOff x="0" y="0"/>
-          <a:chExt cx="0" cy="0"/>
-        </a:xfrm>
-      </p:grpSpPr>
-      <p:pic>
-        <p:nvPicPr>
-          <p:cNvPr id="4" name="Picture 3" descr="Text&#10;&#10;Description automatically generated">
-            <a:extLst>
-              <a:ext uri="{FF2B5EF4-FFF2-40B4-BE49-F238E27FC236}">
-                <a16:creationId xmlns:a16="http://schemas.microsoft.com/office/drawing/2014/main" id="{42FC3E67-9186-495E-BB70-0622EC509FEE}"/>
-              </a:ext>
-            </a:extLst>
-          </p:cNvPr>
-          <p:cNvPicPr>
-            <a:picLocks noChangeAspect="1"/>
-          </p:cNvPicPr>
-          <p:nvPr/>
-        </p:nvPicPr>
-        <p:blipFill>
-          <a:blip r:embed="rId2">
-            <a:extLst>
-              <a:ext uri="{28A0092B-C50C-407E-A947-70E740481C1C}">
-                <a14:useLocalDpi xmlns:a14="http://schemas.microsoft.com/office/drawing/2010/main" val="0"/>
-              </a:ext>
-            </a:extLst>
-          </a:blip>
-          <a:stretch>
-            <a:fillRect/>
-          </a:stretch>
-        </p:blipFill>
-        <p:spPr>
-          <a:xfrm>
-            <a:off x="2378197" y="767835"/>
-            <a:ext cx="7435606" cy="5322329"/>
-          </a:xfrm>
-          <a:prstGeom prst="rect">
-            <a:avLst/>
-          </a:prstGeom>
-        </p:spPr>
-      </p:pic>
-    </p:spTree>
-    <p:extLst>
-      <p:ext uri="{BB962C8B-B14F-4D97-AF65-F5344CB8AC3E}">
-        <p14:creationId xmlns:p14="http://schemas.microsoft.com/office/powerpoint/2010/main" val="3673651231"/>
-      </p:ext>
-    </p:extLst>
-  </p:cSld>
-  <p:clrMapOvr>
-    <a:masterClrMapping/>
-  </p:clrMapOvr>
-</p:sld>
-</file>
-
-<file path=ppt/slides/slide8.xml><?xml version="1.0" encoding="utf-8"?>
-<p:sld xmlns:a="http://schemas.openxmlformats.org/drawingml/2006/main" xmlns:r="http://schemas.openxmlformats.org/officeDocument/2006/relationships" xmlns:p="http://schemas.openxmlformats.org/presentationml/2006/main">
-  <p:cSld>
-    <p:spTree>
-      <p:nvGrpSpPr>
-        <p:cNvPr id="1" name=""/>
-        <p:cNvGrpSpPr/>
-        <p:nvPr/>
-      </p:nvGrpSpPr>
-      <p:grpSpPr>
-        <a:xfrm>
-          <a:off x="0" y="0"/>
-          <a:ext cx="0" cy="0"/>
-          <a:chOff x="0" y="0"/>
-          <a:chExt cx="0" cy="0"/>
-        </a:xfrm>
-      </p:grpSpPr>
-      <p:sp>
-        <p:nvSpPr>
-          <p:cNvPr id="2" name="Title 1">
-            <a:extLst>
-              <a:ext uri="{FF2B5EF4-FFF2-40B4-BE49-F238E27FC236}">
-                <a16:creationId xmlns:a16="http://schemas.microsoft.com/office/drawing/2014/main" id="{0CD7586B-54E1-49A9-AF67-A27C720C50B6}"/>
-              </a:ext>
-            </a:extLst>
-          </p:cNvPr>
-          <p:cNvSpPr>
-            <a:spLocks noGrp="1"/>
-          </p:cNvSpPr>
-          <p:nvPr>
-            <p:ph type="title"/>
-          </p:nvPr>
-        </p:nvSpPr>
-        <p:spPr/>
-        <p:txBody>
-          <a:bodyPr/>
-          <a:lstStyle/>
-          <a:p>
-            <a:r>
-              <a:rPr lang="en-GB" dirty="0"/>
-              <a:t>General overview</a:t>
-            </a:r>
-          </a:p>
-        </p:txBody>
-      </p:sp>
-      <p:sp>
-        <p:nvSpPr>
-          <p:cNvPr id="3" name="Content Placeholder 2">
-            <a:extLst>
-              <a:ext uri="{FF2B5EF4-FFF2-40B4-BE49-F238E27FC236}">
-                <a16:creationId xmlns:a16="http://schemas.microsoft.com/office/drawing/2014/main" id="{6545CAFA-ABBB-4E8C-BDBC-C173FDF3856E}"/>
-              </a:ext>
-            </a:extLst>
-          </p:cNvPr>
-          <p:cNvSpPr>
-            <a:spLocks noGrp="1"/>
-          </p:cNvSpPr>
-          <p:nvPr>
-            <p:ph idx="1"/>
-          </p:nvPr>
-        </p:nvSpPr>
-        <p:spPr/>
-        <p:txBody>
-          <a:bodyPr/>
-          <a:lstStyle/>
-          <a:p>
-            <a:pPr marL="514350" indent="-514350">
-              <a:buFont typeface="+mj-lt"/>
-              <a:buAutoNum type="arabicPeriod"/>
-            </a:pPr>
-            <a:r>
-              <a:rPr lang="en-GB" dirty="0"/>
-              <a:t>Changes occur in like turns in a board game – granular steps which represent periods of time, such as hours or days</a:t>
-            </a:r>
-          </a:p>
-          <a:p>
-            <a:pPr marL="514350" indent="-514350">
-              <a:buFont typeface="+mj-lt"/>
-              <a:buAutoNum type="arabicPeriod"/>
-            </a:pPr>
-            <a:r>
-              <a:rPr lang="en-GB" dirty="0"/>
-              <a:t>The population is fixed size – no one enters or leaves</a:t>
-            </a:r>
-          </a:p>
-          <a:p>
-            <a:pPr marL="514350" indent="-514350">
-              <a:buFont typeface="+mj-lt"/>
-              <a:buAutoNum type="arabicPeriod"/>
-            </a:pPr>
-            <a:r>
-              <a:rPr lang="en-GB" dirty="0"/>
-              <a:t>The model is stochastic, meaning it is based on random probabilities, rather than a system of equations</a:t>
-            </a:r>
-          </a:p>
-          <a:p>
-            <a:pPr lvl="1"/>
-            <a:r>
-              <a:rPr lang="en-GB" dirty="0"/>
-              <a:t>Composed of starting probabilities set at the top as variable parameters</a:t>
-            </a:r>
-          </a:p>
-          <a:p>
-            <a:pPr lvl="1"/>
-            <a:r>
-              <a:rPr lang="en-GB" dirty="0"/>
-              <a:t>Based on these parameters, people within the population transition between states, such as infected, uninfected, immune, etc.</a:t>
-            </a:r>
-          </a:p>
-          <a:p>
-            <a:endParaRPr lang="en-GB" dirty="0"/>
-          </a:p>
-        </p:txBody>
-      </p:sp>
-    </p:spTree>
-    <p:extLst>
-      <p:ext uri="{BB962C8B-B14F-4D97-AF65-F5344CB8AC3E}">
-        <p14:creationId xmlns:p14="http://schemas.microsoft.com/office/powerpoint/2010/main" val="3433255688"/>
-      </p:ext>
-    </p:extLst>
-  </p:cSld>
-  <p:clrMapOvr>
-    <a:masterClrMapping/>
-  </p:clrMapOvr>
-</p:sld>
-</file>
-
-<file path=ppt/slides/slide9.xml><?xml version="1.0" encoding="utf-8"?>
+<file path=ppt/slides/slide20.xml><?xml version="1.0" encoding="utf-8"?>
 <p:sld xmlns:a="http://schemas.openxmlformats.org/drawingml/2006/main" xmlns:r="http://schemas.openxmlformats.org/officeDocument/2006/relationships" xmlns:p="http://schemas.openxmlformats.org/presentationml/2006/main">
   <p:cSld>
     <p:spTree>
@@ -12277,10 +10101,10 @@
       </p:grpSpPr>
       <p:grpSp>
         <p:nvGrpSpPr>
-          <p:cNvPr id="37" name="Group 36">
-            <a:extLst>
-              <a:ext uri="{FF2B5EF4-FFF2-40B4-BE49-F238E27FC236}">
-                <a16:creationId xmlns:a16="http://schemas.microsoft.com/office/drawing/2014/main" id="{9FF4DF09-966C-49A5-BEA0-56117AD23982}"/>
+          <p:cNvPr id="10" name="Group 9">
+            <a:extLst>
+              <a:ext uri="{FF2B5EF4-FFF2-40B4-BE49-F238E27FC236}">
+                <a16:creationId xmlns:a16="http://schemas.microsoft.com/office/drawing/2014/main" id="{3AB2EA8A-21AF-4BD0-8A7B-FC713B44B089}"/>
               </a:ext>
             </a:extLst>
           </p:cNvPr>
@@ -12289,18 +10113,18 @@
         </p:nvGrpSpPr>
         <p:grpSpPr>
           <a:xfrm>
-            <a:off x="883344" y="554243"/>
-            <a:ext cx="10242492" cy="5749514"/>
-            <a:chOff x="883344" y="554243"/>
-            <a:chExt cx="10242492" cy="5749514"/>
+            <a:off x="2676786" y="485791"/>
+            <a:ext cx="5415794" cy="5868170"/>
+            <a:chOff x="2676786" y="485791"/>
+            <a:chExt cx="5415794" cy="5868170"/>
           </a:xfrm>
         </p:grpSpPr>
         <p:sp>
           <p:nvSpPr>
-            <p:cNvPr id="4" name="TextBox 3">
+            <p:cNvPr id="3" name="TextBox 2">
               <a:extLst>
                 <a:ext uri="{FF2B5EF4-FFF2-40B4-BE49-F238E27FC236}">
-                  <a16:creationId xmlns:a16="http://schemas.microsoft.com/office/drawing/2014/main" id="{EF0B7D2A-BC81-4A6F-94A8-13418E0ABDA8}"/>
+                  <a16:creationId xmlns:a16="http://schemas.microsoft.com/office/drawing/2014/main" id="{C2824354-A904-4273-8F17-04D73BF09ABB}"/>
                 </a:ext>
               </a:extLst>
             </p:cNvPr>
@@ -12309,8 +10133,8 @@
           </p:nvSpPr>
           <p:spPr>
             <a:xfrm>
-              <a:off x="883344" y="554243"/>
-              <a:ext cx="1346390" cy="369332"/>
+              <a:off x="4099420" y="2967335"/>
+              <a:ext cx="3993160" cy="923330"/>
             </a:xfrm>
             <a:prstGeom prst="rect">
               <a:avLst/>
@@ -12337,18 +10161,18 @@
             <a:lstStyle/>
             <a:p>
               <a:r>
-                <a:rPr lang="en-GB" dirty="0"/>
-                <a:t>Not infected</a:t>
+                <a:rPr lang="en-GB" sz="5400" dirty="0"/>
+                <a:t>Resistance #n</a:t>
               </a:r>
             </a:p>
           </p:txBody>
         </p:sp>
         <p:sp>
           <p:nvSpPr>
-            <p:cNvPr id="6" name="TextBox 5">
+            <p:cNvPr id="4" name="TextBox 3">
               <a:extLst>
                 <a:ext uri="{FF2B5EF4-FFF2-40B4-BE49-F238E27FC236}">
-                  <a16:creationId xmlns:a16="http://schemas.microsoft.com/office/drawing/2014/main" id="{795C96C5-F8B9-46E4-8CD8-B5BEB41FDC2D}"/>
+                  <a16:creationId xmlns:a16="http://schemas.microsoft.com/office/drawing/2014/main" id="{D4A0CFF9-0D45-4C89-853E-0F349F5A539E}"/>
                 </a:ext>
               </a:extLst>
             </p:cNvPr>
@@ -12357,8 +10181,8 @@
           </p:nvSpPr>
           <p:spPr>
             <a:xfrm>
-              <a:off x="3811592" y="2072187"/>
-              <a:ext cx="1467310" cy="369332"/>
+              <a:off x="5015047" y="5769186"/>
+              <a:ext cx="2845267" cy="584775"/>
             </a:xfrm>
             <a:prstGeom prst="rect">
               <a:avLst/>
@@ -12385,18 +10209,18 @@
             <a:lstStyle/>
             <a:p>
               <a:r>
-                <a:rPr lang="en-GB" dirty="0"/>
-                <a:t>No resistance</a:t>
+                <a:rPr lang="en-GB" sz="3200" dirty="0"/>
+                <a:t>Resistance #n+1</a:t>
               </a:r>
             </a:p>
           </p:txBody>
         </p:sp>
         <p:sp>
           <p:nvSpPr>
-            <p:cNvPr id="7" name="TextBox 6">
+            <p:cNvPr id="5" name="TextBox 4">
               <a:extLst>
                 <a:ext uri="{FF2B5EF4-FFF2-40B4-BE49-F238E27FC236}">
-                  <a16:creationId xmlns:a16="http://schemas.microsoft.com/office/drawing/2014/main" id="{25F21F26-2F94-470F-B527-F66BEC31BC4C}"/>
+                  <a16:creationId xmlns:a16="http://schemas.microsoft.com/office/drawing/2014/main" id="{3704725B-5FEC-4F16-A7CC-AB39B87F8B32}"/>
                 </a:ext>
               </a:extLst>
             </p:cNvPr>
@@ -12405,8 +10229,8 @@
           </p:nvSpPr>
           <p:spPr>
             <a:xfrm>
-              <a:off x="4859832" y="2855202"/>
-              <a:ext cx="1467310" cy="369332"/>
+              <a:off x="2676786" y="485791"/>
+              <a:ext cx="2845267" cy="584775"/>
             </a:xfrm>
             <a:prstGeom prst="rect">
               <a:avLst/>
@@ -12433,211 +10257,301 @@
             <a:lstStyle/>
             <a:p>
               <a:r>
-                <a:rPr lang="en-GB" dirty="0"/>
-                <a:t>Resistance #1</a:t>
-              </a:r>
-            </a:p>
-          </p:txBody>
-        </p:sp>
-        <p:sp>
-          <p:nvSpPr>
-            <p:cNvPr id="8" name="TextBox 7">
-              <a:extLst>
-                <a:ext uri="{FF2B5EF4-FFF2-40B4-BE49-F238E27FC236}">
-                  <a16:creationId xmlns:a16="http://schemas.microsoft.com/office/drawing/2014/main" id="{BB3C0686-53CB-4BF3-AEA0-33B593DDA4B1}"/>
-                </a:ext>
-              </a:extLst>
-            </p:cNvPr>
-            <p:cNvSpPr txBox="1"/>
-            <p:nvPr/>
-          </p:nvSpPr>
-          <p:spPr>
-            <a:xfrm>
-              <a:off x="5908072" y="3635841"/>
-              <a:ext cx="1445703" cy="369332"/>
-            </a:xfrm>
-            <a:prstGeom prst="rect">
-              <a:avLst/>
-            </a:prstGeom>
-          </p:spPr>
-          <p:style>
-            <a:lnRef idx="2">
-              <a:schemeClr val="dk1"/>
-            </a:lnRef>
-            <a:fillRef idx="1">
-              <a:schemeClr val="lt1"/>
-            </a:fillRef>
-            <a:effectRef idx="0">
-              <a:schemeClr val="dk1"/>
-            </a:effectRef>
-            <a:fontRef idx="minor">
-              <a:schemeClr val="dk1"/>
-            </a:fontRef>
-          </p:style>
-          <p:txBody>
-            <a:bodyPr wrap="square" rtlCol="0">
-              <a:spAutoFit/>
-            </a:bodyPr>
-            <a:lstStyle/>
-            <a:p>
-              <a:r>
-                <a:rPr lang="en-GB" dirty="0"/>
-                <a:t>Resistance #2</a:t>
-              </a:r>
-            </a:p>
-          </p:txBody>
-        </p:sp>
-        <p:sp>
-          <p:nvSpPr>
-            <p:cNvPr id="9" name="TextBox 8">
-              <a:extLst>
-                <a:ext uri="{FF2B5EF4-FFF2-40B4-BE49-F238E27FC236}">
-                  <a16:creationId xmlns:a16="http://schemas.microsoft.com/office/drawing/2014/main" id="{0B3F4F2B-C90F-41F8-A001-D8F0E72D0C10}"/>
-                </a:ext>
-              </a:extLst>
-            </p:cNvPr>
-            <p:cNvSpPr txBox="1"/>
-            <p:nvPr/>
-          </p:nvSpPr>
-          <p:spPr>
-            <a:xfrm>
-              <a:off x="6934705" y="4416480"/>
-              <a:ext cx="1445703" cy="369332"/>
-            </a:xfrm>
-            <a:prstGeom prst="rect">
-              <a:avLst/>
-            </a:prstGeom>
-          </p:spPr>
-          <p:style>
-            <a:lnRef idx="2">
-              <a:schemeClr val="dk1"/>
-            </a:lnRef>
-            <a:fillRef idx="1">
-              <a:schemeClr val="lt1"/>
-            </a:fillRef>
-            <a:effectRef idx="0">
-              <a:schemeClr val="dk1"/>
-            </a:effectRef>
-            <a:fontRef idx="minor">
-              <a:schemeClr val="dk1"/>
-            </a:fontRef>
-          </p:style>
-          <p:txBody>
-            <a:bodyPr wrap="square" rtlCol="0">
-              <a:spAutoFit/>
-            </a:bodyPr>
-            <a:lstStyle/>
-            <a:p>
-              <a:r>
-                <a:rPr lang="en-GB" dirty="0"/>
-                <a:t>Resistance #3</a:t>
-              </a:r>
-            </a:p>
-          </p:txBody>
-        </p:sp>
-        <p:sp>
-          <p:nvSpPr>
-            <p:cNvPr id="10" name="TextBox 9">
-              <a:extLst>
-                <a:ext uri="{FF2B5EF4-FFF2-40B4-BE49-F238E27FC236}">
-                  <a16:creationId xmlns:a16="http://schemas.microsoft.com/office/drawing/2014/main" id="{38DEAD9C-32D2-4C9D-AEE4-8FAD830CF25B}"/>
-                </a:ext>
-              </a:extLst>
-            </p:cNvPr>
-            <p:cNvSpPr txBox="1"/>
-            <p:nvPr/>
-          </p:nvSpPr>
-          <p:spPr>
-            <a:xfrm>
-              <a:off x="10371589" y="5934425"/>
-              <a:ext cx="754247" cy="369332"/>
-            </a:xfrm>
-            <a:prstGeom prst="rect">
-              <a:avLst/>
-            </a:prstGeom>
-          </p:spPr>
-          <p:style>
-            <a:lnRef idx="2">
-              <a:schemeClr val="dk1"/>
-            </a:lnRef>
-            <a:fillRef idx="1">
-              <a:schemeClr val="lt1"/>
-            </a:fillRef>
-            <a:effectRef idx="0">
-              <a:schemeClr val="dk1"/>
-            </a:effectRef>
-            <a:fontRef idx="minor">
-              <a:schemeClr val="dk1"/>
-            </a:fontRef>
-          </p:style>
-          <p:txBody>
-            <a:bodyPr wrap="square" rtlCol="0">
-              <a:spAutoFit/>
-            </a:bodyPr>
-            <a:lstStyle/>
-            <a:p>
-              <a:r>
-                <a:rPr lang="en-GB" dirty="0"/>
-                <a:t> Dead</a:t>
-              </a:r>
-            </a:p>
-          </p:txBody>
-        </p:sp>
-        <p:sp>
-          <p:nvSpPr>
-            <p:cNvPr id="11" name="TextBox 10">
-              <a:extLst>
-                <a:ext uri="{FF2B5EF4-FFF2-40B4-BE49-F238E27FC236}">
-                  <a16:creationId xmlns:a16="http://schemas.microsoft.com/office/drawing/2014/main" id="{0B77D4A0-3687-4027-9185-89AC630E7D55}"/>
-                </a:ext>
-              </a:extLst>
-            </p:cNvPr>
-            <p:cNvSpPr txBox="1"/>
-            <p:nvPr/>
-          </p:nvSpPr>
-          <p:spPr>
-            <a:xfrm>
-              <a:off x="1066164" y="5934425"/>
-              <a:ext cx="980749" cy="369332"/>
-            </a:xfrm>
-            <a:prstGeom prst="rect">
-              <a:avLst/>
-            </a:prstGeom>
-          </p:spPr>
-          <p:style>
-            <a:lnRef idx="2">
-              <a:schemeClr val="dk1"/>
-            </a:lnRef>
-            <a:fillRef idx="1">
-              <a:schemeClr val="lt1"/>
-            </a:fillRef>
-            <a:effectRef idx="0">
-              <a:schemeClr val="dk1"/>
-            </a:effectRef>
-            <a:fontRef idx="minor">
-              <a:schemeClr val="dk1"/>
-            </a:fontRef>
-          </p:style>
-          <p:txBody>
-            <a:bodyPr wrap="square" rtlCol="0">
-              <a:spAutoFit/>
-            </a:bodyPr>
-            <a:lstStyle/>
-            <a:p>
-              <a:r>
-                <a:rPr lang="en-GB" dirty="0"/>
-                <a:t>Immune</a:t>
+                <a:rPr lang="en-GB" sz="3200" dirty="0"/>
+                <a:t>Resistance #n-1</a:t>
               </a:r>
             </a:p>
           </p:txBody>
         </p:sp>
       </p:grpSp>
+      <p:sp>
+        <p:nvSpPr>
+          <p:cNvPr id="7" name="Arrow: Down 6">
+            <a:extLst>
+              <a:ext uri="{FF2B5EF4-FFF2-40B4-BE49-F238E27FC236}">
+                <a16:creationId xmlns:a16="http://schemas.microsoft.com/office/drawing/2014/main" id="{E2424FB6-DF4B-4790-8A7B-2B79ACD77AC1}"/>
+              </a:ext>
+            </a:extLst>
+          </p:cNvPr>
+          <p:cNvSpPr/>
+          <p:nvPr/>
+        </p:nvSpPr>
+        <p:spPr>
+          <a:xfrm>
+            <a:off x="4717028" y="1070566"/>
+            <a:ext cx="184557" cy="1872000"/>
+          </a:xfrm>
+          <a:prstGeom prst="downArrow">
+            <a:avLst/>
+          </a:prstGeom>
+        </p:spPr>
+        <p:style>
+          <a:lnRef idx="2">
+            <a:schemeClr val="accent1">
+              <a:shade val="50000"/>
+            </a:schemeClr>
+          </a:lnRef>
+          <a:fillRef idx="1">
+            <a:schemeClr val="accent1"/>
+          </a:fillRef>
+          <a:effectRef idx="0">
+            <a:schemeClr val="accent1"/>
+          </a:effectRef>
+          <a:fontRef idx="minor">
+            <a:schemeClr val="lt1"/>
+          </a:fontRef>
+        </p:style>
+        <p:txBody>
+          <a:bodyPr rtlCol="0" anchor="ctr"/>
+          <a:lstStyle/>
+          <a:p>
+            <a:pPr algn="ctr"/>
+            <a:endParaRPr lang="en-GB"/>
+          </a:p>
+        </p:txBody>
+      </p:sp>
+      <p:sp>
+        <p:nvSpPr>
+          <p:cNvPr id="8" name="Arrow: Down 7">
+            <a:extLst>
+              <a:ext uri="{FF2B5EF4-FFF2-40B4-BE49-F238E27FC236}">
+                <a16:creationId xmlns:a16="http://schemas.microsoft.com/office/drawing/2014/main" id="{9CC7293F-5984-4AD6-93B4-027EE9C0E7DE}"/>
+              </a:ext>
+            </a:extLst>
+          </p:cNvPr>
+          <p:cNvSpPr/>
+          <p:nvPr/>
+        </p:nvSpPr>
+        <p:spPr>
+          <a:xfrm>
+            <a:off x="7243174" y="3890665"/>
+            <a:ext cx="184557" cy="1872000"/>
+          </a:xfrm>
+          <a:prstGeom prst="downArrow">
+            <a:avLst/>
+          </a:prstGeom>
+        </p:spPr>
+        <p:style>
+          <a:lnRef idx="2">
+            <a:schemeClr val="accent1">
+              <a:shade val="50000"/>
+            </a:schemeClr>
+          </a:lnRef>
+          <a:fillRef idx="1">
+            <a:schemeClr val="accent1"/>
+          </a:fillRef>
+          <a:effectRef idx="0">
+            <a:schemeClr val="accent1"/>
+          </a:effectRef>
+          <a:fontRef idx="minor">
+            <a:schemeClr val="lt1"/>
+          </a:fontRef>
+        </p:style>
+        <p:txBody>
+          <a:bodyPr rtlCol="0" anchor="ctr"/>
+          <a:lstStyle/>
+          <a:p>
+            <a:pPr algn="ctr"/>
+            <a:endParaRPr lang="en-GB"/>
+          </a:p>
+        </p:txBody>
+      </p:sp>
+      <p:sp>
+        <p:nvSpPr>
+          <p:cNvPr id="11" name="Arrow: Curved Right 10">
+            <a:extLst>
+              <a:ext uri="{FF2B5EF4-FFF2-40B4-BE49-F238E27FC236}">
+                <a16:creationId xmlns:a16="http://schemas.microsoft.com/office/drawing/2014/main" id="{0BDE759F-2992-4752-9EB2-C181EEA88AB6}"/>
+              </a:ext>
+            </a:extLst>
+          </p:cNvPr>
+          <p:cNvSpPr/>
+          <p:nvPr/>
+        </p:nvSpPr>
+        <p:spPr>
+          <a:xfrm rot="5400000">
+            <a:off x="5240551" y="2528813"/>
+            <a:ext cx="432000" cy="432000"/>
+          </a:xfrm>
+          <a:prstGeom prst="curvedRightArrow">
+            <a:avLst/>
+          </a:prstGeom>
+        </p:spPr>
+        <p:style>
+          <a:lnRef idx="2">
+            <a:schemeClr val="dk1"/>
+          </a:lnRef>
+          <a:fillRef idx="1">
+            <a:schemeClr val="lt1"/>
+          </a:fillRef>
+          <a:effectRef idx="0">
+            <a:schemeClr val="dk1"/>
+          </a:effectRef>
+          <a:fontRef idx="minor">
+            <a:schemeClr val="dk1"/>
+          </a:fontRef>
+        </p:style>
+        <p:txBody>
+          <a:bodyPr rtlCol="0" anchor="ctr"/>
+          <a:lstStyle/>
+          <a:p>
+            <a:pPr algn="ctr"/>
+            <a:endParaRPr lang="en-GB">
+              <a:solidFill>
+                <a:schemeClr val="tx1"/>
+              </a:solidFill>
+            </a:endParaRPr>
+          </a:p>
+        </p:txBody>
+      </p:sp>
+      <p:sp>
+        <p:nvSpPr>
+          <p:cNvPr id="20" name="TextBox 19">
+            <a:extLst>
+              <a:ext uri="{FF2B5EF4-FFF2-40B4-BE49-F238E27FC236}">
+                <a16:creationId xmlns:a16="http://schemas.microsoft.com/office/drawing/2014/main" id="{FA9EF591-F8C1-4078-A0C9-659469D09893}"/>
+              </a:ext>
+            </a:extLst>
+          </p:cNvPr>
+          <p:cNvSpPr txBox="1"/>
+          <p:nvPr/>
+        </p:nvSpPr>
+        <p:spPr>
+          <a:xfrm>
+            <a:off x="10672617" y="3136612"/>
+            <a:ext cx="1189198" cy="584775"/>
+          </a:xfrm>
+          <a:prstGeom prst="rect">
+            <a:avLst/>
+          </a:prstGeom>
+        </p:spPr>
+        <p:style>
+          <a:lnRef idx="2">
+            <a:schemeClr val="dk1"/>
+          </a:lnRef>
+          <a:fillRef idx="1">
+            <a:schemeClr val="lt1"/>
+          </a:fillRef>
+          <a:effectRef idx="0">
+            <a:schemeClr val="dk1"/>
+          </a:effectRef>
+          <a:fontRef idx="minor">
+            <a:schemeClr val="dk1"/>
+          </a:fontRef>
+        </p:style>
+        <p:txBody>
+          <a:bodyPr wrap="square" rtlCol="0">
+            <a:spAutoFit/>
+          </a:bodyPr>
+          <a:lstStyle/>
+          <a:p>
+            <a:r>
+              <a:rPr lang="en-GB" sz="3200" dirty="0"/>
+              <a:t> Dead</a:t>
+            </a:r>
+          </a:p>
+        </p:txBody>
+      </p:sp>
+      <p:sp>
+        <p:nvSpPr>
+          <p:cNvPr id="21" name="TextBox 20">
+            <a:extLst>
+              <a:ext uri="{FF2B5EF4-FFF2-40B4-BE49-F238E27FC236}">
+                <a16:creationId xmlns:a16="http://schemas.microsoft.com/office/drawing/2014/main" id="{AD45E8D0-EECF-4597-9FB7-858C3F2EBE42}"/>
+              </a:ext>
+            </a:extLst>
+          </p:cNvPr>
+          <p:cNvSpPr txBox="1"/>
+          <p:nvPr/>
+        </p:nvSpPr>
+        <p:spPr>
+          <a:xfrm>
+            <a:off x="330185" y="3136612"/>
+            <a:ext cx="1784944" cy="584775"/>
+          </a:xfrm>
+          <a:prstGeom prst="rect">
+            <a:avLst/>
+          </a:prstGeom>
+        </p:spPr>
+        <p:style>
+          <a:lnRef idx="2">
+            <a:schemeClr val="dk1"/>
+          </a:lnRef>
+          <a:fillRef idx="1">
+            <a:schemeClr val="lt1"/>
+          </a:fillRef>
+          <a:effectRef idx="0">
+            <a:schemeClr val="dk1"/>
+          </a:effectRef>
+          <a:fontRef idx="minor">
+            <a:schemeClr val="dk1"/>
+          </a:fontRef>
+        </p:style>
+        <p:txBody>
+          <a:bodyPr wrap="square" rtlCol="0">
+            <a:spAutoFit/>
+          </a:bodyPr>
+          <a:lstStyle/>
+          <a:p>
+            <a:r>
+              <a:rPr lang="en-GB" sz="3200" dirty="0"/>
+              <a:t>Immunity</a:t>
+            </a:r>
+          </a:p>
+        </p:txBody>
+      </p:sp>
+      <p:sp>
+        <p:nvSpPr>
+          <p:cNvPr id="23" name="Arrow: Down 22">
+            <a:extLst>
+              <a:ext uri="{FF2B5EF4-FFF2-40B4-BE49-F238E27FC236}">
+                <a16:creationId xmlns:a16="http://schemas.microsoft.com/office/drawing/2014/main" id="{83860AF1-AB75-4BE2-A1F7-22ABA63A4687}"/>
+              </a:ext>
+            </a:extLst>
+          </p:cNvPr>
+          <p:cNvSpPr/>
+          <p:nvPr/>
+        </p:nvSpPr>
+        <p:spPr>
+          <a:xfrm rot="16200000">
+            <a:off x="9287300" y="2141999"/>
+            <a:ext cx="184557" cy="2574000"/>
+          </a:xfrm>
+          <a:prstGeom prst="downArrow">
+            <a:avLst/>
+          </a:prstGeom>
+        </p:spPr>
+        <p:style>
+          <a:lnRef idx="2">
+            <a:schemeClr val="accent2">
+              <a:shade val="50000"/>
+            </a:schemeClr>
+          </a:lnRef>
+          <a:fillRef idx="1">
+            <a:schemeClr val="accent2"/>
+          </a:fillRef>
+          <a:effectRef idx="0">
+            <a:schemeClr val="accent2"/>
+          </a:effectRef>
+          <a:fontRef idx="minor">
+            <a:schemeClr val="lt1"/>
+          </a:fontRef>
+        </p:style>
+        <p:txBody>
+          <a:bodyPr rtlCol="0" anchor="ctr"/>
+          <a:lstStyle/>
+          <a:p>
+            <a:pPr algn="ctr"/>
+            <a:endParaRPr lang="en-GB"/>
+          </a:p>
+        </p:txBody>
+      </p:sp>
       <p:grpSp>
         <p:nvGrpSpPr>
-          <p:cNvPr id="38" name="Group 37">
-            <a:extLst>
-              <a:ext uri="{FF2B5EF4-FFF2-40B4-BE49-F238E27FC236}">
-                <a16:creationId xmlns:a16="http://schemas.microsoft.com/office/drawing/2014/main" id="{13C1EB13-0AF8-45C9-BD38-58F7BD7CD2C8}"/>
+          <p:cNvPr id="25" name="Group 24">
+            <a:extLst>
+              <a:ext uri="{FF2B5EF4-FFF2-40B4-BE49-F238E27FC236}">
+                <a16:creationId xmlns:a16="http://schemas.microsoft.com/office/drawing/2014/main" id="{6E581C55-D0A5-43C6-9BAB-D34A8F51AF87}"/>
               </a:ext>
             </a:extLst>
           </p:cNvPr>
@@ -12646,342 +10560,18 @@
         </p:nvGrpSpPr>
         <p:grpSpPr>
           <a:xfrm>
-            <a:off x="4938889" y="2441519"/>
-            <a:ext cx="2307800" cy="1974961"/>
-            <a:chOff x="4938889" y="2441519"/>
-            <a:chExt cx="2307800" cy="1974961"/>
+            <a:off x="2116400" y="3179854"/>
+            <a:ext cx="1980001" cy="498292"/>
+            <a:chOff x="2116400" y="3179854"/>
+            <a:chExt cx="1980001" cy="498292"/>
           </a:xfrm>
         </p:grpSpPr>
         <p:sp>
           <p:nvSpPr>
-            <p:cNvPr id="26" name="Arrow: Down 25">
+            <p:cNvPr id="22" name="Arrow: Down 21">
               <a:extLst>
                 <a:ext uri="{FF2B5EF4-FFF2-40B4-BE49-F238E27FC236}">
-                  <a16:creationId xmlns:a16="http://schemas.microsoft.com/office/drawing/2014/main" id="{7FF024CE-4BA6-492D-B55F-177FD0E2A84F}"/>
-                </a:ext>
-              </a:extLst>
-            </p:cNvPr>
-            <p:cNvSpPr/>
-            <p:nvPr/>
-          </p:nvSpPr>
-          <p:spPr>
-            <a:xfrm>
-              <a:off x="4938889" y="2441519"/>
-              <a:ext cx="184557" cy="413683"/>
-            </a:xfrm>
-            <a:prstGeom prst="downArrow">
-              <a:avLst/>
-            </a:prstGeom>
-          </p:spPr>
-          <p:style>
-            <a:lnRef idx="2">
-              <a:schemeClr val="accent1">
-                <a:shade val="50000"/>
-              </a:schemeClr>
-            </a:lnRef>
-            <a:fillRef idx="1">
-              <a:schemeClr val="accent1"/>
-            </a:fillRef>
-            <a:effectRef idx="0">
-              <a:schemeClr val="accent1"/>
-            </a:effectRef>
-            <a:fontRef idx="minor">
-              <a:schemeClr val="lt1"/>
-            </a:fontRef>
-          </p:style>
-          <p:txBody>
-            <a:bodyPr rtlCol="0" anchor="ctr"/>
-            <a:lstStyle/>
-            <a:p>
-              <a:pPr algn="ctr"/>
-              <a:endParaRPr lang="en-GB"/>
-            </a:p>
-          </p:txBody>
-        </p:sp>
-        <p:sp>
-          <p:nvSpPr>
-            <p:cNvPr id="27" name="Arrow: Down 26">
-              <a:extLst>
-                <a:ext uri="{FF2B5EF4-FFF2-40B4-BE49-F238E27FC236}">
-                  <a16:creationId xmlns:a16="http://schemas.microsoft.com/office/drawing/2014/main" id="{2855BC58-6D77-45E7-8B55-E1A5687E0770}"/>
-                </a:ext>
-              </a:extLst>
-            </p:cNvPr>
-            <p:cNvSpPr/>
-            <p:nvPr/>
-          </p:nvSpPr>
-          <p:spPr>
-            <a:xfrm>
-              <a:off x="6003721" y="3219784"/>
-              <a:ext cx="184557" cy="413683"/>
-            </a:xfrm>
-            <a:prstGeom prst="downArrow">
-              <a:avLst/>
-            </a:prstGeom>
-          </p:spPr>
-          <p:style>
-            <a:lnRef idx="2">
-              <a:schemeClr val="accent1">
-                <a:shade val="50000"/>
-              </a:schemeClr>
-            </a:lnRef>
-            <a:fillRef idx="1">
-              <a:schemeClr val="accent1"/>
-            </a:fillRef>
-            <a:effectRef idx="0">
-              <a:schemeClr val="accent1"/>
-            </a:effectRef>
-            <a:fontRef idx="minor">
-              <a:schemeClr val="lt1"/>
-            </a:fontRef>
-          </p:style>
-          <p:txBody>
-            <a:bodyPr rtlCol="0" anchor="ctr"/>
-            <a:lstStyle/>
-            <a:p>
-              <a:pPr algn="ctr"/>
-              <a:endParaRPr lang="en-GB"/>
-            </a:p>
-          </p:txBody>
-        </p:sp>
-        <p:sp>
-          <p:nvSpPr>
-            <p:cNvPr id="28" name="Arrow: Down 27">
-              <a:extLst>
-                <a:ext uri="{FF2B5EF4-FFF2-40B4-BE49-F238E27FC236}">
-                  <a16:creationId xmlns:a16="http://schemas.microsoft.com/office/drawing/2014/main" id="{F1D9FDDB-2621-409C-8C87-99B4DF20848E}"/>
-                </a:ext>
-              </a:extLst>
-            </p:cNvPr>
-            <p:cNvSpPr/>
-            <p:nvPr/>
-          </p:nvSpPr>
-          <p:spPr>
-            <a:xfrm>
-              <a:off x="7062132" y="4002797"/>
-              <a:ext cx="184557" cy="413683"/>
-            </a:xfrm>
-            <a:prstGeom prst="downArrow">
-              <a:avLst/>
-            </a:prstGeom>
-          </p:spPr>
-          <p:style>
-            <a:lnRef idx="2">
-              <a:schemeClr val="accent1">
-                <a:shade val="50000"/>
-              </a:schemeClr>
-            </a:lnRef>
-            <a:fillRef idx="1">
-              <a:schemeClr val="accent1"/>
-            </a:fillRef>
-            <a:effectRef idx="0">
-              <a:schemeClr val="accent1"/>
-            </a:effectRef>
-            <a:fontRef idx="minor">
-              <a:schemeClr val="lt1"/>
-            </a:fontRef>
-          </p:style>
-          <p:txBody>
-            <a:bodyPr rtlCol="0" anchor="ctr"/>
-            <a:lstStyle/>
-            <a:p>
-              <a:pPr algn="ctr"/>
-              <a:endParaRPr lang="en-GB"/>
-            </a:p>
-          </p:txBody>
-        </p:sp>
-      </p:grpSp>
-      <p:grpSp>
-        <p:nvGrpSpPr>
-          <p:cNvPr id="62" name="Group 61">
-            <a:extLst>
-              <a:ext uri="{FF2B5EF4-FFF2-40B4-BE49-F238E27FC236}">
-                <a16:creationId xmlns:a16="http://schemas.microsoft.com/office/drawing/2014/main" id="{965F3A92-6287-4614-90A1-B5D94D9CA698}"/>
-              </a:ext>
-            </a:extLst>
-          </p:cNvPr>
-          <p:cNvGrpSpPr/>
-          <p:nvPr/>
-        </p:nvGrpSpPr>
-        <p:grpSpPr>
-          <a:xfrm>
-            <a:off x="631344" y="612909"/>
-            <a:ext cx="9739507" cy="5666903"/>
-            <a:chOff x="631344" y="612909"/>
-            <a:chExt cx="9739507" cy="5666903"/>
-          </a:xfrm>
-        </p:grpSpPr>
-        <p:sp>
-          <p:nvSpPr>
-            <p:cNvPr id="52" name="Arrow: Curved Right 51">
-              <a:extLst>
-                <a:ext uri="{FF2B5EF4-FFF2-40B4-BE49-F238E27FC236}">
-                  <a16:creationId xmlns:a16="http://schemas.microsoft.com/office/drawing/2014/main" id="{68ED57C5-53F7-4EE0-859A-8C976533037E}"/>
-                </a:ext>
-              </a:extLst>
-            </p:cNvPr>
-            <p:cNvSpPr/>
-            <p:nvPr/>
-          </p:nvSpPr>
-          <p:spPr>
-            <a:xfrm>
-              <a:off x="631344" y="612909"/>
-              <a:ext cx="252000" cy="252000"/>
-            </a:xfrm>
-            <a:prstGeom prst="curvedRightArrow">
-              <a:avLst/>
-            </a:prstGeom>
-          </p:spPr>
-          <p:style>
-            <a:lnRef idx="2">
-              <a:schemeClr val="dk1"/>
-            </a:lnRef>
-            <a:fillRef idx="1">
-              <a:schemeClr val="lt1"/>
-            </a:fillRef>
-            <a:effectRef idx="0">
-              <a:schemeClr val="dk1"/>
-            </a:effectRef>
-            <a:fontRef idx="minor">
-              <a:schemeClr val="dk1"/>
-            </a:fontRef>
-          </p:style>
-          <p:txBody>
-            <a:bodyPr rtlCol="0" anchor="ctr"/>
-            <a:lstStyle/>
-            <a:p>
-              <a:pPr algn="ctr"/>
-              <a:endParaRPr lang="en-GB">
-                <a:solidFill>
-                  <a:schemeClr val="tx1"/>
-                </a:solidFill>
-              </a:endParaRPr>
-            </a:p>
-          </p:txBody>
-        </p:sp>
-        <p:sp>
-          <p:nvSpPr>
-            <p:cNvPr id="53" name="Arrow: Curved Right 52">
-              <a:extLst>
-                <a:ext uri="{FF2B5EF4-FFF2-40B4-BE49-F238E27FC236}">
-                  <a16:creationId xmlns:a16="http://schemas.microsoft.com/office/drawing/2014/main" id="{CA397795-A5DB-440E-9A79-C345E0CE9A5F}"/>
-                </a:ext>
-              </a:extLst>
-            </p:cNvPr>
-            <p:cNvSpPr/>
-            <p:nvPr/>
-          </p:nvSpPr>
-          <p:spPr>
-            <a:xfrm>
-              <a:off x="814164" y="5993091"/>
-              <a:ext cx="252000" cy="252000"/>
-            </a:xfrm>
-            <a:prstGeom prst="curvedRightArrow">
-              <a:avLst/>
-            </a:prstGeom>
-          </p:spPr>
-          <p:style>
-            <a:lnRef idx="2">
-              <a:schemeClr val="dk1"/>
-            </a:lnRef>
-            <a:fillRef idx="1">
-              <a:schemeClr val="lt1"/>
-            </a:fillRef>
-            <a:effectRef idx="0">
-              <a:schemeClr val="dk1"/>
-            </a:effectRef>
-            <a:fontRef idx="minor">
-              <a:schemeClr val="dk1"/>
-            </a:fontRef>
-          </p:style>
-          <p:txBody>
-            <a:bodyPr rtlCol="0" anchor="ctr"/>
-            <a:lstStyle/>
-            <a:p>
-              <a:pPr algn="ctr"/>
-              <a:endParaRPr lang="en-GB">
-                <a:solidFill>
-                  <a:schemeClr val="tx1"/>
-                </a:solidFill>
-              </a:endParaRPr>
-            </a:p>
-          </p:txBody>
-        </p:sp>
-        <p:sp>
-          <p:nvSpPr>
-            <p:cNvPr id="55" name="Arrow: Curved Right 54">
-              <a:extLst>
-                <a:ext uri="{FF2B5EF4-FFF2-40B4-BE49-F238E27FC236}">
-                  <a16:creationId xmlns:a16="http://schemas.microsoft.com/office/drawing/2014/main" id="{FC2D9B6D-C47B-4255-8F4C-52C6123CD321}"/>
-                </a:ext>
-              </a:extLst>
-            </p:cNvPr>
-            <p:cNvSpPr/>
-            <p:nvPr/>
-          </p:nvSpPr>
-          <p:spPr>
-            <a:xfrm>
-              <a:off x="10118851" y="6027812"/>
-              <a:ext cx="252000" cy="252000"/>
-            </a:xfrm>
-            <a:prstGeom prst="curvedRightArrow">
-              <a:avLst/>
-            </a:prstGeom>
-          </p:spPr>
-          <p:style>
-            <a:lnRef idx="2">
-              <a:schemeClr val="dk1"/>
-            </a:lnRef>
-            <a:fillRef idx="1">
-              <a:schemeClr val="lt1"/>
-            </a:fillRef>
-            <a:effectRef idx="0">
-              <a:schemeClr val="dk1"/>
-            </a:effectRef>
-            <a:fontRef idx="minor">
-              <a:schemeClr val="dk1"/>
-            </a:fontRef>
-          </p:style>
-          <p:txBody>
-            <a:bodyPr rtlCol="0" anchor="ctr"/>
-            <a:lstStyle/>
-            <a:p>
-              <a:pPr algn="ctr"/>
-              <a:endParaRPr lang="en-GB">
-                <a:solidFill>
-                  <a:schemeClr val="tx1"/>
-                </a:solidFill>
-              </a:endParaRPr>
-            </a:p>
-          </p:txBody>
-        </p:sp>
-      </p:grpSp>
-      <p:grpSp>
-        <p:nvGrpSpPr>
-          <p:cNvPr id="61" name="Group 60">
-            <a:extLst>
-              <a:ext uri="{FF2B5EF4-FFF2-40B4-BE49-F238E27FC236}">
-                <a16:creationId xmlns:a16="http://schemas.microsoft.com/office/drawing/2014/main" id="{1B0A1632-5A5A-4614-A9FF-08C8E0CC0DB2}"/>
-              </a:ext>
-            </a:extLst>
-          </p:cNvPr>
-          <p:cNvGrpSpPr/>
-          <p:nvPr/>
-        </p:nvGrpSpPr>
-        <p:grpSpPr>
-          <a:xfrm>
-            <a:off x="4560479" y="1812525"/>
-            <a:ext cx="3455461" cy="2601024"/>
-            <a:chOff x="4560479" y="1812525"/>
-            <a:chExt cx="3455461" cy="2601024"/>
-          </a:xfrm>
-        </p:grpSpPr>
-        <p:sp>
-          <p:nvSpPr>
-            <p:cNvPr id="57" name="Arrow: Curved Right 56">
-              <a:extLst>
-                <a:ext uri="{FF2B5EF4-FFF2-40B4-BE49-F238E27FC236}">
-                  <a16:creationId xmlns:a16="http://schemas.microsoft.com/office/drawing/2014/main" id="{4A1F8AB3-ADCC-4902-8DC5-534D05A7F64C}"/>
+                  <a16:creationId xmlns:a16="http://schemas.microsoft.com/office/drawing/2014/main" id="{C8EA8BB5-3A5A-4C08-8223-4785BD4CCAEF}"/>
                 </a:ext>
               </a:extLst>
             </p:cNvPr>
@@ -12990,1386 +10580,10 @@
           </p:nvSpPr>
           <p:spPr>
             <a:xfrm rot="5400000">
-              <a:off x="7763940" y="4161549"/>
-              <a:ext cx="252000" cy="252000"/>
+              <a:off x="3014122" y="2282133"/>
+              <a:ext cx="184557" cy="1980000"/>
             </a:xfrm>
-            <a:prstGeom prst="curvedRightArrow">
-              <a:avLst/>
-            </a:prstGeom>
-          </p:spPr>
-          <p:style>
-            <a:lnRef idx="2">
-              <a:schemeClr val="dk1"/>
-            </a:lnRef>
-            <a:fillRef idx="1">
-              <a:schemeClr val="lt1"/>
-            </a:fillRef>
-            <a:effectRef idx="0">
-              <a:schemeClr val="dk1"/>
-            </a:effectRef>
-            <a:fontRef idx="minor">
-              <a:schemeClr val="dk1"/>
-            </a:fontRef>
-          </p:style>
-          <p:txBody>
-            <a:bodyPr rtlCol="0" anchor="ctr"/>
-            <a:lstStyle/>
-            <a:p>
-              <a:pPr algn="ctr"/>
-              <a:endParaRPr lang="en-GB">
-                <a:solidFill>
-                  <a:schemeClr val="tx1"/>
-                </a:solidFill>
-              </a:endParaRPr>
-            </a:p>
-          </p:txBody>
-        </p:sp>
-        <p:sp>
-          <p:nvSpPr>
-            <p:cNvPr id="58" name="Arrow: Curved Right 57">
-              <a:extLst>
-                <a:ext uri="{FF2B5EF4-FFF2-40B4-BE49-F238E27FC236}">
-                  <a16:creationId xmlns:a16="http://schemas.microsoft.com/office/drawing/2014/main" id="{7E953FA1-EB6D-49D8-8B0C-029A9332A5FF}"/>
-                </a:ext>
-              </a:extLst>
-            </p:cNvPr>
-            <p:cNvSpPr/>
-            <p:nvPr/>
-          </p:nvSpPr>
-          <p:spPr>
-            <a:xfrm rot="5400000">
-              <a:off x="6655385" y="3384738"/>
-              <a:ext cx="252000" cy="252000"/>
-            </a:xfrm>
-            <a:prstGeom prst="curvedRightArrow">
-              <a:avLst/>
-            </a:prstGeom>
-          </p:spPr>
-          <p:style>
-            <a:lnRef idx="2">
-              <a:schemeClr val="dk1"/>
-            </a:lnRef>
-            <a:fillRef idx="1">
-              <a:schemeClr val="lt1"/>
-            </a:fillRef>
-            <a:effectRef idx="0">
-              <a:schemeClr val="dk1"/>
-            </a:effectRef>
-            <a:fontRef idx="minor">
-              <a:schemeClr val="dk1"/>
-            </a:fontRef>
-          </p:style>
-          <p:txBody>
-            <a:bodyPr rtlCol="0" anchor="ctr"/>
-            <a:lstStyle/>
-            <a:p>
-              <a:pPr algn="ctr"/>
-              <a:endParaRPr lang="en-GB">
-                <a:solidFill>
-                  <a:schemeClr val="tx1"/>
-                </a:solidFill>
-              </a:endParaRPr>
-            </a:p>
-          </p:txBody>
-        </p:sp>
-        <p:sp>
-          <p:nvSpPr>
-            <p:cNvPr id="59" name="Arrow: Curved Right 58">
-              <a:extLst>
-                <a:ext uri="{FF2B5EF4-FFF2-40B4-BE49-F238E27FC236}">
-                  <a16:creationId xmlns:a16="http://schemas.microsoft.com/office/drawing/2014/main" id="{661A2096-D18D-4A81-9E09-265EEF3FFDC6}"/>
-                </a:ext>
-              </a:extLst>
-            </p:cNvPr>
-            <p:cNvSpPr/>
-            <p:nvPr/>
-          </p:nvSpPr>
-          <p:spPr>
-            <a:xfrm rot="5400000">
-              <a:off x="5653747" y="2604872"/>
-              <a:ext cx="252000" cy="252000"/>
-            </a:xfrm>
-            <a:prstGeom prst="curvedRightArrow">
-              <a:avLst/>
-            </a:prstGeom>
-          </p:spPr>
-          <p:style>
-            <a:lnRef idx="2">
-              <a:schemeClr val="dk1"/>
-            </a:lnRef>
-            <a:fillRef idx="1">
-              <a:schemeClr val="lt1"/>
-            </a:fillRef>
-            <a:effectRef idx="0">
-              <a:schemeClr val="dk1"/>
-            </a:effectRef>
-            <a:fontRef idx="minor">
-              <a:schemeClr val="dk1"/>
-            </a:fontRef>
-          </p:style>
-          <p:txBody>
-            <a:bodyPr rtlCol="0" anchor="ctr"/>
-            <a:lstStyle/>
-            <a:p>
-              <a:pPr algn="ctr"/>
-              <a:endParaRPr lang="en-GB">
-                <a:solidFill>
-                  <a:schemeClr val="tx1"/>
-                </a:solidFill>
-              </a:endParaRPr>
-            </a:p>
-          </p:txBody>
-        </p:sp>
-        <p:sp>
-          <p:nvSpPr>
-            <p:cNvPr id="60" name="Arrow: Curved Right 59">
-              <a:extLst>
-                <a:ext uri="{FF2B5EF4-FFF2-40B4-BE49-F238E27FC236}">
-                  <a16:creationId xmlns:a16="http://schemas.microsoft.com/office/drawing/2014/main" id="{32FBB895-CA3A-4BD4-BAA2-3A40FB512073}"/>
-                </a:ext>
-              </a:extLst>
-            </p:cNvPr>
-            <p:cNvSpPr/>
-            <p:nvPr/>
-          </p:nvSpPr>
-          <p:spPr>
-            <a:xfrm rot="5400000">
-              <a:off x="4560479" y="1812525"/>
-              <a:ext cx="252000" cy="252000"/>
-            </a:xfrm>
-            <a:prstGeom prst="curvedRightArrow">
-              <a:avLst/>
-            </a:prstGeom>
-          </p:spPr>
-          <p:style>
-            <a:lnRef idx="2">
-              <a:schemeClr val="dk1"/>
-            </a:lnRef>
-            <a:fillRef idx="1">
-              <a:schemeClr val="lt1"/>
-            </a:fillRef>
-            <a:effectRef idx="0">
-              <a:schemeClr val="dk1"/>
-            </a:effectRef>
-            <a:fontRef idx="minor">
-              <a:schemeClr val="dk1"/>
-            </a:fontRef>
-          </p:style>
-          <p:txBody>
-            <a:bodyPr rtlCol="0" anchor="ctr"/>
-            <a:lstStyle/>
-            <a:p>
-              <a:pPr algn="ctr"/>
-              <a:endParaRPr lang="en-GB">
-                <a:solidFill>
-                  <a:schemeClr val="tx1"/>
-                </a:solidFill>
-              </a:endParaRPr>
-            </a:p>
-          </p:txBody>
-        </p:sp>
-      </p:grpSp>
-      <p:grpSp>
-        <p:nvGrpSpPr>
-          <p:cNvPr id="67" name="Group 66">
-            <a:extLst>
-              <a:ext uri="{FF2B5EF4-FFF2-40B4-BE49-F238E27FC236}">
-                <a16:creationId xmlns:a16="http://schemas.microsoft.com/office/drawing/2014/main" id="{3752D5B3-C447-4934-A4B5-2C9C8C497B2F}"/>
-              </a:ext>
-            </a:extLst>
-          </p:cNvPr>
-          <p:cNvGrpSpPr/>
-          <p:nvPr/>
-        </p:nvGrpSpPr>
-        <p:grpSpPr>
-          <a:xfrm>
-            <a:off x="5278901" y="2164571"/>
-            <a:ext cx="5562887" cy="3756995"/>
-            <a:chOff x="5278901" y="2164571"/>
-            <a:chExt cx="5562887" cy="3756995"/>
-          </a:xfrm>
-        </p:grpSpPr>
-        <p:grpSp>
-          <p:nvGrpSpPr>
-            <p:cNvPr id="36" name="Group 35">
-              <a:extLst>
-                <a:ext uri="{FF2B5EF4-FFF2-40B4-BE49-F238E27FC236}">
-                  <a16:creationId xmlns:a16="http://schemas.microsoft.com/office/drawing/2014/main" id="{F2D7A559-C4C8-468D-BBE3-89DC1232C59A}"/>
-                </a:ext>
-              </a:extLst>
-            </p:cNvPr>
-            <p:cNvGrpSpPr/>
-            <p:nvPr/>
-          </p:nvGrpSpPr>
-          <p:grpSpPr>
-            <a:xfrm>
-              <a:off x="5278901" y="2201117"/>
-              <a:ext cx="5562089" cy="3720449"/>
-              <a:chOff x="5278901" y="2201117"/>
-              <a:chExt cx="5562089" cy="3720449"/>
-            </a:xfrm>
-          </p:grpSpPr>
-          <p:sp>
-            <p:nvSpPr>
-              <p:cNvPr id="29" name="Arrow: Down 28">
-                <a:extLst>
-                  <a:ext uri="{FF2B5EF4-FFF2-40B4-BE49-F238E27FC236}">
-                    <a16:creationId xmlns:a16="http://schemas.microsoft.com/office/drawing/2014/main" id="{76A1786D-00D6-47F6-9976-5C188CC068D2}"/>
-                  </a:ext>
-                </a:extLst>
-              </p:cNvPr>
-              <p:cNvSpPr/>
-              <p:nvPr/>
-            </p:nvSpPr>
-            <p:spPr>
-              <a:xfrm>
-                <a:off x="10656433" y="2321566"/>
-                <a:ext cx="184557" cy="3600000"/>
-              </a:xfrm>
-              <a:prstGeom prst="downArrow">
-                <a:avLst/>
-              </a:prstGeom>
-            </p:spPr>
-            <p:style>
-              <a:lnRef idx="2">
-                <a:schemeClr val="accent2">
-                  <a:shade val="50000"/>
-                </a:schemeClr>
-              </a:lnRef>
-              <a:fillRef idx="1">
-                <a:schemeClr val="accent2"/>
-              </a:fillRef>
-              <a:effectRef idx="0">
-                <a:schemeClr val="accent2"/>
-              </a:effectRef>
-              <a:fontRef idx="minor">
-                <a:schemeClr val="lt1"/>
-              </a:fontRef>
-            </p:style>
-            <p:txBody>
-              <a:bodyPr rtlCol="0" anchor="ctr"/>
-              <a:lstStyle/>
-              <a:p>
-                <a:pPr algn="ctr"/>
-                <a:endParaRPr lang="en-GB"/>
-              </a:p>
-            </p:txBody>
-          </p:sp>
-          <p:sp>
-            <p:nvSpPr>
-              <p:cNvPr id="32" name="Rectangle 31">
-                <a:extLst>
-                  <a:ext uri="{FF2B5EF4-FFF2-40B4-BE49-F238E27FC236}">
-                    <a16:creationId xmlns:a16="http://schemas.microsoft.com/office/drawing/2014/main" id="{29364B05-C4E8-4D74-AA92-0ED568260922}"/>
-                  </a:ext>
-                </a:extLst>
-              </p:cNvPr>
-              <p:cNvSpPr/>
-              <p:nvPr/>
-            </p:nvSpPr>
-            <p:spPr>
-              <a:xfrm rot="16200000" flipH="1">
-                <a:off x="7977166" y="-497148"/>
-                <a:ext cx="111470" cy="5508000"/>
-              </a:xfrm>
-              <a:prstGeom prst="rect">
-                <a:avLst/>
-              </a:prstGeom>
-            </p:spPr>
-            <p:style>
-              <a:lnRef idx="2">
-                <a:schemeClr val="accent2">
-                  <a:shade val="50000"/>
-                </a:schemeClr>
-              </a:lnRef>
-              <a:fillRef idx="1">
-                <a:schemeClr val="accent2"/>
-              </a:fillRef>
-              <a:effectRef idx="0">
-                <a:schemeClr val="accent2"/>
-              </a:effectRef>
-              <a:fontRef idx="minor">
-                <a:schemeClr val="lt1"/>
-              </a:fontRef>
-            </p:style>
-            <p:txBody>
-              <a:bodyPr rtlCol="0" anchor="ctr"/>
-              <a:lstStyle/>
-              <a:p>
-                <a:pPr algn="ctr"/>
-                <a:endParaRPr lang="en-GB"/>
-              </a:p>
-            </p:txBody>
-          </p:sp>
-          <p:sp>
-            <p:nvSpPr>
-              <p:cNvPr id="33" name="Rectangle 32">
-                <a:extLst>
-                  <a:ext uri="{FF2B5EF4-FFF2-40B4-BE49-F238E27FC236}">
-                    <a16:creationId xmlns:a16="http://schemas.microsoft.com/office/drawing/2014/main" id="{1C6FA6BF-1351-40DB-A247-75D03839E060}"/>
-                  </a:ext>
-                </a:extLst>
-              </p:cNvPr>
-              <p:cNvSpPr/>
-              <p:nvPr/>
-            </p:nvSpPr>
-            <p:spPr>
-              <a:xfrm rot="16200000" flipH="1">
-                <a:off x="8503407" y="810667"/>
-                <a:ext cx="111470" cy="4464000"/>
-              </a:xfrm>
-              <a:prstGeom prst="rect">
-                <a:avLst/>
-              </a:prstGeom>
-            </p:spPr>
-            <p:style>
-              <a:lnRef idx="2">
-                <a:schemeClr val="accent2">
-                  <a:shade val="50000"/>
-                </a:schemeClr>
-              </a:lnRef>
-              <a:fillRef idx="1">
-                <a:schemeClr val="accent2"/>
-              </a:fillRef>
-              <a:effectRef idx="0">
-                <a:schemeClr val="accent2"/>
-              </a:effectRef>
-              <a:fontRef idx="minor">
-                <a:schemeClr val="lt1"/>
-              </a:fontRef>
-            </p:style>
-            <p:txBody>
-              <a:bodyPr rtlCol="0" anchor="ctr"/>
-              <a:lstStyle/>
-              <a:p>
-                <a:pPr algn="ctr"/>
-                <a:endParaRPr lang="en-GB"/>
-              </a:p>
-            </p:txBody>
-          </p:sp>
-          <p:sp>
-            <p:nvSpPr>
-              <p:cNvPr id="34" name="Rectangle 33">
-                <a:extLst>
-                  <a:ext uri="{FF2B5EF4-FFF2-40B4-BE49-F238E27FC236}">
-                    <a16:creationId xmlns:a16="http://schemas.microsoft.com/office/drawing/2014/main" id="{71F1F958-47AA-4482-9CA6-901E7634D5FC}"/>
-                  </a:ext>
-                </a:extLst>
-              </p:cNvPr>
-              <p:cNvSpPr/>
-              <p:nvPr/>
-            </p:nvSpPr>
-            <p:spPr>
-              <a:xfrm rot="16200000" flipH="1">
-                <a:off x="9017040" y="2101507"/>
-                <a:ext cx="111470" cy="3438000"/>
-              </a:xfrm>
-              <a:prstGeom prst="rect">
-                <a:avLst/>
-              </a:prstGeom>
-            </p:spPr>
-            <p:style>
-              <a:lnRef idx="2">
-                <a:schemeClr val="accent2">
-                  <a:shade val="50000"/>
-                </a:schemeClr>
-              </a:lnRef>
-              <a:fillRef idx="1">
-                <a:schemeClr val="accent2"/>
-              </a:fillRef>
-              <a:effectRef idx="0">
-                <a:schemeClr val="accent2"/>
-              </a:effectRef>
-              <a:fontRef idx="minor">
-                <a:schemeClr val="lt1"/>
-              </a:fontRef>
-            </p:style>
-            <p:txBody>
-              <a:bodyPr rtlCol="0" anchor="ctr"/>
-              <a:lstStyle/>
-              <a:p>
-                <a:pPr algn="ctr"/>
-                <a:endParaRPr lang="en-GB"/>
-              </a:p>
-            </p:txBody>
-          </p:sp>
-          <p:sp>
-            <p:nvSpPr>
-              <p:cNvPr id="35" name="Rectangle 34">
-                <a:extLst>
-                  <a:ext uri="{FF2B5EF4-FFF2-40B4-BE49-F238E27FC236}">
-                    <a16:creationId xmlns:a16="http://schemas.microsoft.com/office/drawing/2014/main" id="{636CA79C-C297-47AE-8B42-3490BF92C2B1}"/>
-                  </a:ext>
-                </a:extLst>
-              </p:cNvPr>
-              <p:cNvSpPr/>
-              <p:nvPr/>
-            </p:nvSpPr>
-            <p:spPr>
-              <a:xfrm rot="16200000" flipH="1">
-                <a:off x="9522101" y="3395146"/>
-                <a:ext cx="111470" cy="2412000"/>
-              </a:xfrm>
-              <a:prstGeom prst="rect">
-                <a:avLst/>
-              </a:prstGeom>
-            </p:spPr>
-            <p:style>
-              <a:lnRef idx="2">
-                <a:schemeClr val="accent2">
-                  <a:shade val="50000"/>
-                </a:schemeClr>
-              </a:lnRef>
-              <a:fillRef idx="1">
-                <a:schemeClr val="accent2"/>
-              </a:fillRef>
-              <a:effectRef idx="0">
-                <a:schemeClr val="accent2"/>
-              </a:effectRef>
-              <a:fontRef idx="minor">
-                <a:schemeClr val="lt1"/>
-              </a:fontRef>
-            </p:style>
-            <p:txBody>
-              <a:bodyPr rtlCol="0" anchor="ctr"/>
-              <a:lstStyle/>
-              <a:p>
-                <a:pPr algn="ctr"/>
-                <a:endParaRPr lang="en-GB"/>
-              </a:p>
-            </p:txBody>
-          </p:sp>
-        </p:grpSp>
-        <p:sp>
-          <p:nvSpPr>
-            <p:cNvPr id="63" name="Oval 62">
-              <a:extLst>
-                <a:ext uri="{FF2B5EF4-FFF2-40B4-BE49-F238E27FC236}">
-                  <a16:creationId xmlns:a16="http://schemas.microsoft.com/office/drawing/2014/main" id="{C60845B3-A1E7-4E75-B479-0649275318D5}"/>
-                </a:ext>
-              </a:extLst>
-            </p:cNvPr>
-            <p:cNvSpPr/>
-            <p:nvPr/>
-          </p:nvSpPr>
-          <p:spPr>
-            <a:xfrm>
-              <a:off x="10656433" y="2164571"/>
-              <a:ext cx="180000" cy="180000"/>
-            </a:xfrm>
-            <a:prstGeom prst="ellipse">
-              <a:avLst/>
-            </a:prstGeom>
-          </p:spPr>
-          <p:style>
-            <a:lnRef idx="2">
-              <a:schemeClr val="accent2">
-                <a:shade val="50000"/>
-              </a:schemeClr>
-            </a:lnRef>
-            <a:fillRef idx="1">
-              <a:schemeClr val="accent2"/>
-            </a:fillRef>
-            <a:effectRef idx="0">
-              <a:schemeClr val="accent2"/>
-            </a:effectRef>
-            <a:fontRef idx="minor">
-              <a:schemeClr val="lt1"/>
-            </a:fontRef>
-          </p:style>
-          <p:txBody>
-            <a:bodyPr rtlCol="0" anchor="ctr"/>
-            <a:lstStyle/>
-            <a:p>
-              <a:pPr algn="ctr"/>
-              <a:endParaRPr lang="en-GB"/>
-            </a:p>
-          </p:txBody>
-        </p:sp>
-        <p:sp>
-          <p:nvSpPr>
-            <p:cNvPr id="64" name="Oval 63">
-              <a:extLst>
-                <a:ext uri="{FF2B5EF4-FFF2-40B4-BE49-F238E27FC236}">
-                  <a16:creationId xmlns:a16="http://schemas.microsoft.com/office/drawing/2014/main" id="{647DB37A-2559-4EC2-9ACB-E1F73DBC2B99}"/>
-                </a:ext>
-              </a:extLst>
-            </p:cNvPr>
-            <p:cNvSpPr/>
-            <p:nvPr/>
-          </p:nvSpPr>
-          <p:spPr>
-            <a:xfrm>
-              <a:off x="10656433" y="2945999"/>
-              <a:ext cx="180000" cy="180000"/>
-            </a:xfrm>
-            <a:prstGeom prst="ellipse">
-              <a:avLst/>
-            </a:prstGeom>
-          </p:spPr>
-          <p:style>
-            <a:lnRef idx="2">
-              <a:schemeClr val="accent2">
-                <a:shade val="50000"/>
-              </a:schemeClr>
-            </a:lnRef>
-            <a:fillRef idx="1">
-              <a:schemeClr val="accent2"/>
-            </a:fillRef>
-            <a:effectRef idx="0">
-              <a:schemeClr val="accent2"/>
-            </a:effectRef>
-            <a:fontRef idx="minor">
-              <a:schemeClr val="lt1"/>
-            </a:fontRef>
-          </p:style>
-          <p:txBody>
-            <a:bodyPr rtlCol="0" anchor="ctr"/>
-            <a:lstStyle/>
-            <a:p>
-              <a:pPr algn="ctr"/>
-              <a:endParaRPr lang="en-GB"/>
-            </a:p>
-          </p:txBody>
-        </p:sp>
-        <p:sp>
-          <p:nvSpPr>
-            <p:cNvPr id="65" name="Oval 64">
-              <a:extLst>
-                <a:ext uri="{FF2B5EF4-FFF2-40B4-BE49-F238E27FC236}">
-                  <a16:creationId xmlns:a16="http://schemas.microsoft.com/office/drawing/2014/main" id="{86CE48EE-F963-42D4-8457-C7606A7A9251}"/>
-                </a:ext>
-              </a:extLst>
-            </p:cNvPr>
-            <p:cNvSpPr/>
-            <p:nvPr/>
-          </p:nvSpPr>
-          <p:spPr>
-            <a:xfrm>
-              <a:off x="10655074" y="3726638"/>
-              <a:ext cx="180000" cy="180000"/>
-            </a:xfrm>
-            <a:prstGeom prst="ellipse">
-              <a:avLst/>
-            </a:prstGeom>
-          </p:spPr>
-          <p:style>
-            <a:lnRef idx="2">
-              <a:schemeClr val="accent2">
-                <a:shade val="50000"/>
-              </a:schemeClr>
-            </a:lnRef>
-            <a:fillRef idx="1">
-              <a:schemeClr val="accent2"/>
-            </a:fillRef>
-            <a:effectRef idx="0">
-              <a:schemeClr val="accent2"/>
-            </a:effectRef>
-            <a:fontRef idx="minor">
-              <a:schemeClr val="lt1"/>
-            </a:fontRef>
-          </p:style>
-          <p:txBody>
-            <a:bodyPr rtlCol="0" anchor="ctr"/>
-            <a:lstStyle/>
-            <a:p>
-              <a:pPr algn="ctr"/>
-              <a:endParaRPr lang="en-GB"/>
-            </a:p>
-          </p:txBody>
-        </p:sp>
-        <p:sp>
-          <p:nvSpPr>
-            <p:cNvPr id="66" name="Oval 65">
-              <a:extLst>
-                <a:ext uri="{FF2B5EF4-FFF2-40B4-BE49-F238E27FC236}">
-                  <a16:creationId xmlns:a16="http://schemas.microsoft.com/office/drawing/2014/main" id="{D4066141-6798-43F7-8001-82D9B89B8B63}"/>
-                </a:ext>
-              </a:extLst>
-            </p:cNvPr>
-            <p:cNvSpPr/>
-            <p:nvPr/>
-          </p:nvSpPr>
-          <p:spPr>
-            <a:xfrm>
-              <a:off x="10661788" y="4507020"/>
-              <a:ext cx="180000" cy="180000"/>
-            </a:xfrm>
-            <a:prstGeom prst="ellipse">
-              <a:avLst/>
-            </a:prstGeom>
-          </p:spPr>
-          <p:style>
-            <a:lnRef idx="2">
-              <a:schemeClr val="accent2">
-                <a:shade val="50000"/>
-              </a:schemeClr>
-            </a:lnRef>
-            <a:fillRef idx="1">
-              <a:schemeClr val="accent2"/>
-            </a:fillRef>
-            <a:effectRef idx="0">
-              <a:schemeClr val="accent2"/>
-            </a:effectRef>
-            <a:fontRef idx="minor">
-              <a:schemeClr val="lt1"/>
-            </a:fontRef>
-          </p:style>
-          <p:txBody>
-            <a:bodyPr rtlCol="0" anchor="ctr"/>
-            <a:lstStyle/>
-            <a:p>
-              <a:pPr algn="ctr"/>
-              <a:endParaRPr lang="en-GB"/>
-            </a:p>
-          </p:txBody>
-        </p:sp>
-      </p:grpSp>
-      <p:grpSp>
-        <p:nvGrpSpPr>
-          <p:cNvPr id="72" name="Group 71">
-            <a:extLst>
-              <a:ext uri="{FF2B5EF4-FFF2-40B4-BE49-F238E27FC236}">
-                <a16:creationId xmlns:a16="http://schemas.microsoft.com/office/drawing/2014/main" id="{E2431B87-9E66-4AD4-B4B3-9EEC51B2A366}"/>
-              </a:ext>
-            </a:extLst>
-          </p:cNvPr>
-          <p:cNvGrpSpPr/>
-          <p:nvPr/>
-        </p:nvGrpSpPr>
-        <p:grpSpPr>
-          <a:xfrm>
-            <a:off x="1465402" y="923575"/>
-            <a:ext cx="5470316" cy="3772194"/>
-            <a:chOff x="1465402" y="923575"/>
-            <a:chExt cx="5470316" cy="3772194"/>
-          </a:xfrm>
-        </p:grpSpPr>
-        <p:grpSp>
-          <p:nvGrpSpPr>
-            <p:cNvPr id="44" name="Group 43">
-              <a:extLst>
-                <a:ext uri="{FF2B5EF4-FFF2-40B4-BE49-F238E27FC236}">
-                  <a16:creationId xmlns:a16="http://schemas.microsoft.com/office/drawing/2014/main" id="{1AD65947-5C39-4130-BEC4-F77F3D2DBC32}"/>
-                </a:ext>
-              </a:extLst>
-            </p:cNvPr>
-            <p:cNvGrpSpPr/>
-            <p:nvPr/>
-          </p:nvGrpSpPr>
-          <p:grpSpPr>
-            <a:xfrm>
-              <a:off x="1499667" y="923575"/>
-              <a:ext cx="5436051" cy="3763962"/>
-              <a:chOff x="1499667" y="923575"/>
-              <a:chExt cx="5436051" cy="3763962"/>
-            </a:xfrm>
-          </p:grpSpPr>
-          <p:sp>
-            <p:nvSpPr>
-              <p:cNvPr id="39" name="Rectangle 38">
-                <a:extLst>
-                  <a:ext uri="{FF2B5EF4-FFF2-40B4-BE49-F238E27FC236}">
-                    <a16:creationId xmlns:a16="http://schemas.microsoft.com/office/drawing/2014/main" id="{BBBFB6FB-45AE-4E69-8C7C-BB68475542B8}"/>
-                  </a:ext>
-                </a:extLst>
-              </p:cNvPr>
-              <p:cNvSpPr/>
-              <p:nvPr/>
-            </p:nvSpPr>
-            <p:spPr>
-              <a:xfrm flipH="1">
-                <a:off x="1499667" y="923575"/>
-                <a:ext cx="111470" cy="3726000"/>
-              </a:xfrm>
-              <a:prstGeom prst="rect">
-                <a:avLst/>
-              </a:prstGeom>
-            </p:spPr>
-            <p:style>
-              <a:lnRef idx="2">
-                <a:schemeClr val="accent3">
-                  <a:shade val="50000"/>
-                </a:schemeClr>
-              </a:lnRef>
-              <a:fillRef idx="1">
-                <a:schemeClr val="accent3"/>
-              </a:fillRef>
-              <a:effectRef idx="0">
-                <a:schemeClr val="accent3"/>
-              </a:effectRef>
-              <a:fontRef idx="minor">
-                <a:schemeClr val="lt1"/>
-              </a:fontRef>
-            </p:style>
-            <p:txBody>
-              <a:bodyPr rtlCol="0" anchor="ctr"/>
-              <a:lstStyle/>
-              <a:p>
-                <a:pPr algn="ctr"/>
-                <a:endParaRPr lang="en-GB"/>
-              </a:p>
-            </p:txBody>
-          </p:sp>
-          <p:sp>
-            <p:nvSpPr>
-              <p:cNvPr id="40" name="Arrow: Down 39">
-                <a:extLst>
-                  <a:ext uri="{FF2B5EF4-FFF2-40B4-BE49-F238E27FC236}">
-                    <a16:creationId xmlns:a16="http://schemas.microsoft.com/office/drawing/2014/main" id="{400BBD02-C94E-4BDC-B0FA-47674A40A4CE}"/>
-                  </a:ext>
-                </a:extLst>
-              </p:cNvPr>
-              <p:cNvSpPr/>
-              <p:nvPr/>
-            </p:nvSpPr>
-            <p:spPr>
-              <a:xfrm rot="16200000">
-                <a:off x="2564399" y="1104850"/>
-                <a:ext cx="184557" cy="2304000"/>
-              </a:xfrm>
-              <a:prstGeom prst="downArrow">
-                <a:avLst/>
-              </a:prstGeom>
-            </p:spPr>
-            <p:style>
-              <a:lnRef idx="2">
-                <a:schemeClr val="accent3">
-                  <a:shade val="50000"/>
-                </a:schemeClr>
-              </a:lnRef>
-              <a:fillRef idx="1">
-                <a:schemeClr val="accent3"/>
-              </a:fillRef>
-              <a:effectRef idx="0">
-                <a:schemeClr val="accent3"/>
-              </a:effectRef>
-              <a:fontRef idx="minor">
-                <a:schemeClr val="lt1"/>
-              </a:fontRef>
-            </p:style>
-            <p:txBody>
-              <a:bodyPr rtlCol="0" anchor="ctr"/>
-              <a:lstStyle/>
-              <a:p>
-                <a:pPr algn="ctr"/>
-                <a:endParaRPr lang="en-GB"/>
-              </a:p>
-            </p:txBody>
-          </p:sp>
-          <p:sp>
-            <p:nvSpPr>
-              <p:cNvPr id="41" name="Arrow: Down 40">
-                <a:extLst>
-                  <a:ext uri="{FF2B5EF4-FFF2-40B4-BE49-F238E27FC236}">
-                    <a16:creationId xmlns:a16="http://schemas.microsoft.com/office/drawing/2014/main" id="{38AFF814-B0CE-4FB1-A135-0B36D994FFBC}"/>
-                  </a:ext>
-                </a:extLst>
-              </p:cNvPr>
-              <p:cNvSpPr/>
-              <p:nvPr/>
-            </p:nvSpPr>
-            <p:spPr>
-              <a:xfrm rot="16200000">
-                <a:off x="3090935" y="1365868"/>
-                <a:ext cx="184557" cy="3348000"/>
-              </a:xfrm>
-              <a:prstGeom prst="downArrow">
-                <a:avLst/>
-              </a:prstGeom>
-            </p:spPr>
-            <p:style>
-              <a:lnRef idx="2">
-                <a:schemeClr val="accent3">
-                  <a:shade val="50000"/>
-                </a:schemeClr>
-              </a:lnRef>
-              <a:fillRef idx="1">
-                <a:schemeClr val="accent3"/>
-              </a:fillRef>
-              <a:effectRef idx="0">
-                <a:schemeClr val="accent3"/>
-              </a:effectRef>
-              <a:fontRef idx="minor">
-                <a:schemeClr val="lt1"/>
-              </a:fontRef>
-            </p:style>
-            <p:txBody>
-              <a:bodyPr rtlCol="0" anchor="ctr"/>
-              <a:lstStyle/>
-              <a:p>
-                <a:pPr algn="ctr"/>
-                <a:endParaRPr lang="en-GB"/>
-              </a:p>
-            </p:txBody>
-          </p:sp>
-          <p:sp>
-            <p:nvSpPr>
-              <p:cNvPr id="42" name="Arrow: Down 41">
-                <a:extLst>
-                  <a:ext uri="{FF2B5EF4-FFF2-40B4-BE49-F238E27FC236}">
-                    <a16:creationId xmlns:a16="http://schemas.microsoft.com/office/drawing/2014/main" id="{11CE37CC-1FF3-4BAD-B22B-DCF255529BB1}"/>
-                  </a:ext>
-                </a:extLst>
-              </p:cNvPr>
-              <p:cNvSpPr/>
-              <p:nvPr/>
-            </p:nvSpPr>
-            <p:spPr>
-              <a:xfrm rot="16200000">
-                <a:off x="3617468" y="1624506"/>
-                <a:ext cx="184557" cy="4392000"/>
-              </a:xfrm>
-              <a:prstGeom prst="downArrow">
-                <a:avLst/>
-              </a:prstGeom>
-            </p:spPr>
-            <p:style>
-              <a:lnRef idx="2">
-                <a:schemeClr val="accent3">
-                  <a:shade val="50000"/>
-                </a:schemeClr>
-              </a:lnRef>
-              <a:fillRef idx="1">
-                <a:schemeClr val="accent3"/>
-              </a:fillRef>
-              <a:effectRef idx="0">
-                <a:schemeClr val="accent3"/>
-              </a:effectRef>
-              <a:fontRef idx="minor">
-                <a:schemeClr val="lt1"/>
-              </a:fontRef>
-            </p:style>
-            <p:txBody>
-              <a:bodyPr rtlCol="0" anchor="ctr"/>
-              <a:lstStyle/>
-              <a:p>
-                <a:pPr algn="ctr"/>
-                <a:endParaRPr lang="en-GB"/>
-              </a:p>
-            </p:txBody>
-          </p:sp>
-          <p:sp>
-            <p:nvSpPr>
-              <p:cNvPr id="43" name="Arrow: Down 42">
-                <a:extLst>
-                  <a:ext uri="{FF2B5EF4-FFF2-40B4-BE49-F238E27FC236}">
-                    <a16:creationId xmlns:a16="http://schemas.microsoft.com/office/drawing/2014/main" id="{947E16F1-B5AF-4323-853E-E5ABA00D4199}"/>
-                  </a:ext>
-                </a:extLst>
-              </p:cNvPr>
-              <p:cNvSpPr/>
-              <p:nvPr/>
-            </p:nvSpPr>
-            <p:spPr>
-              <a:xfrm rot="16200000">
-                <a:off x="4125439" y="1877259"/>
-                <a:ext cx="184557" cy="5436000"/>
-              </a:xfrm>
-              <a:prstGeom prst="downArrow">
-                <a:avLst/>
-              </a:prstGeom>
-            </p:spPr>
-            <p:style>
-              <a:lnRef idx="2">
-                <a:schemeClr val="accent3">
-                  <a:shade val="50000"/>
-                </a:schemeClr>
-              </a:lnRef>
-              <a:fillRef idx="1">
-                <a:schemeClr val="accent3"/>
-              </a:fillRef>
-              <a:effectRef idx="0">
-                <a:schemeClr val="accent3"/>
-              </a:effectRef>
-              <a:fontRef idx="minor">
-                <a:schemeClr val="lt1"/>
-              </a:fontRef>
-            </p:style>
-            <p:txBody>
-              <a:bodyPr rtlCol="0" anchor="ctr"/>
-              <a:lstStyle/>
-              <a:p>
-                <a:pPr algn="ctr"/>
-                <a:endParaRPr lang="en-GB" dirty="0"/>
-              </a:p>
-            </p:txBody>
-          </p:sp>
-        </p:grpSp>
-        <p:sp>
-          <p:nvSpPr>
-            <p:cNvPr id="68" name="Oval 67">
-              <a:extLst>
-                <a:ext uri="{FF2B5EF4-FFF2-40B4-BE49-F238E27FC236}">
-                  <a16:creationId xmlns:a16="http://schemas.microsoft.com/office/drawing/2014/main" id="{EC90399D-A752-41DB-997F-7FF2DD65CB5E}"/>
-                </a:ext>
-              </a:extLst>
-            </p:cNvPr>
-            <p:cNvSpPr/>
-            <p:nvPr/>
-          </p:nvSpPr>
-          <p:spPr>
-            <a:xfrm>
-              <a:off x="1465402" y="2172394"/>
-              <a:ext cx="180000" cy="180000"/>
-            </a:xfrm>
-            <a:prstGeom prst="ellipse">
-              <a:avLst/>
-            </a:prstGeom>
-          </p:spPr>
-          <p:style>
-            <a:lnRef idx="2">
-              <a:schemeClr val="accent3">
-                <a:shade val="50000"/>
-              </a:schemeClr>
-            </a:lnRef>
-            <a:fillRef idx="1">
-              <a:schemeClr val="accent3"/>
-            </a:fillRef>
-            <a:effectRef idx="0">
-              <a:schemeClr val="accent3"/>
-            </a:effectRef>
-            <a:fontRef idx="minor">
-              <a:schemeClr val="lt1"/>
-            </a:fontRef>
-          </p:style>
-          <p:txBody>
-            <a:bodyPr rtlCol="0" anchor="ctr"/>
-            <a:lstStyle/>
-            <a:p>
-              <a:pPr algn="ctr"/>
-              <a:endParaRPr lang="en-GB"/>
-            </a:p>
-          </p:txBody>
-        </p:sp>
-        <p:sp>
-          <p:nvSpPr>
-            <p:cNvPr id="69" name="Oval 68">
-              <a:extLst>
-                <a:ext uri="{FF2B5EF4-FFF2-40B4-BE49-F238E27FC236}">
-                  <a16:creationId xmlns:a16="http://schemas.microsoft.com/office/drawing/2014/main" id="{9B9E0EF2-2318-4EC0-8E8E-5BB4C940C43C}"/>
-                </a:ext>
-              </a:extLst>
-            </p:cNvPr>
-            <p:cNvSpPr/>
-            <p:nvPr/>
-          </p:nvSpPr>
-          <p:spPr>
-            <a:xfrm>
-              <a:off x="1471897" y="2943143"/>
-              <a:ext cx="180000" cy="180000"/>
-            </a:xfrm>
-            <a:prstGeom prst="ellipse">
-              <a:avLst/>
-            </a:prstGeom>
-          </p:spPr>
-          <p:style>
-            <a:lnRef idx="2">
-              <a:schemeClr val="accent3">
-                <a:shade val="50000"/>
-              </a:schemeClr>
-            </a:lnRef>
-            <a:fillRef idx="1">
-              <a:schemeClr val="accent3"/>
-            </a:fillRef>
-            <a:effectRef idx="0">
-              <a:schemeClr val="accent3"/>
-            </a:effectRef>
-            <a:fontRef idx="minor">
-              <a:schemeClr val="lt1"/>
-            </a:fontRef>
-          </p:style>
-          <p:txBody>
-            <a:bodyPr rtlCol="0" anchor="ctr"/>
-            <a:lstStyle/>
-            <a:p>
-              <a:pPr algn="ctr"/>
-              <a:endParaRPr lang="en-GB"/>
-            </a:p>
-          </p:txBody>
-        </p:sp>
-        <p:sp>
-          <p:nvSpPr>
-            <p:cNvPr id="70" name="Oval 69">
-              <a:extLst>
-                <a:ext uri="{FF2B5EF4-FFF2-40B4-BE49-F238E27FC236}">
-                  <a16:creationId xmlns:a16="http://schemas.microsoft.com/office/drawing/2014/main" id="{4A3C0A96-8C24-477B-9104-3E4255B4B1B4}"/>
-                </a:ext>
-              </a:extLst>
-            </p:cNvPr>
-            <p:cNvSpPr/>
-            <p:nvPr/>
-          </p:nvSpPr>
-          <p:spPr>
-            <a:xfrm>
-              <a:off x="1465402" y="3732231"/>
-              <a:ext cx="180000" cy="180000"/>
-            </a:xfrm>
-            <a:prstGeom prst="ellipse">
-              <a:avLst/>
-            </a:prstGeom>
-          </p:spPr>
-          <p:style>
-            <a:lnRef idx="2">
-              <a:schemeClr val="accent3">
-                <a:shade val="50000"/>
-              </a:schemeClr>
-            </a:lnRef>
-            <a:fillRef idx="1">
-              <a:schemeClr val="accent3"/>
-            </a:fillRef>
-            <a:effectRef idx="0">
-              <a:schemeClr val="accent3"/>
-            </a:effectRef>
-            <a:fontRef idx="minor">
-              <a:schemeClr val="lt1"/>
-            </a:fontRef>
-          </p:style>
-          <p:txBody>
-            <a:bodyPr rtlCol="0" anchor="ctr"/>
-            <a:lstStyle/>
-            <a:p>
-              <a:pPr algn="ctr"/>
-              <a:endParaRPr lang="en-GB"/>
-            </a:p>
-          </p:txBody>
-        </p:sp>
-        <p:sp>
-          <p:nvSpPr>
-            <p:cNvPr id="71" name="Oval 70">
-              <a:extLst>
-                <a:ext uri="{FF2B5EF4-FFF2-40B4-BE49-F238E27FC236}">
-                  <a16:creationId xmlns:a16="http://schemas.microsoft.com/office/drawing/2014/main" id="{8A3D4BF8-CA09-4D66-BA41-45AB1F77DEB7}"/>
-                </a:ext>
-              </a:extLst>
-            </p:cNvPr>
-            <p:cNvSpPr/>
-            <p:nvPr/>
-          </p:nvSpPr>
-          <p:spPr>
-            <a:xfrm>
-              <a:off x="1465402" y="4515769"/>
-              <a:ext cx="180000" cy="180000"/>
-            </a:xfrm>
-            <a:prstGeom prst="ellipse">
-              <a:avLst/>
-            </a:prstGeom>
-          </p:spPr>
-          <p:style>
-            <a:lnRef idx="2">
-              <a:schemeClr val="accent3">
-                <a:shade val="50000"/>
-              </a:schemeClr>
-            </a:lnRef>
-            <a:fillRef idx="1">
-              <a:schemeClr val="accent3"/>
-            </a:fillRef>
-            <a:effectRef idx="0">
-              <a:schemeClr val="accent3"/>
-            </a:effectRef>
-            <a:fontRef idx="minor">
-              <a:schemeClr val="lt1"/>
-            </a:fontRef>
-          </p:style>
-          <p:txBody>
-            <a:bodyPr rtlCol="0" anchor="ctr"/>
-            <a:lstStyle/>
-            <a:p>
-              <a:pPr algn="ctr"/>
-              <a:endParaRPr lang="en-GB"/>
-            </a:p>
-          </p:txBody>
-        </p:sp>
-      </p:grpSp>
-      <p:grpSp>
-        <p:nvGrpSpPr>
-          <p:cNvPr id="77" name="Group 76">
-            <a:extLst>
-              <a:ext uri="{FF2B5EF4-FFF2-40B4-BE49-F238E27FC236}">
-                <a16:creationId xmlns:a16="http://schemas.microsoft.com/office/drawing/2014/main" id="{A425204E-1830-40F1-ADCD-C2C38DC681A2}"/>
-              </a:ext>
-            </a:extLst>
-          </p:cNvPr>
-          <p:cNvGrpSpPr/>
-          <p:nvPr/>
-        </p:nvGrpSpPr>
-        <p:grpSpPr>
-          <a:xfrm>
-            <a:off x="2058982" y="2441519"/>
-            <a:ext cx="5598574" cy="3766293"/>
-            <a:chOff x="2058982" y="2441519"/>
-            <a:chExt cx="5598574" cy="3766293"/>
-          </a:xfrm>
-        </p:grpSpPr>
-        <p:grpSp>
-          <p:nvGrpSpPr>
-            <p:cNvPr id="54" name="Group 53">
-              <a:extLst>
-                <a:ext uri="{FF2B5EF4-FFF2-40B4-BE49-F238E27FC236}">
-                  <a16:creationId xmlns:a16="http://schemas.microsoft.com/office/drawing/2014/main" id="{5956BA97-65B5-4F56-9EE8-4AE0059C2A1D}"/>
-                </a:ext>
-              </a:extLst>
-            </p:cNvPr>
-            <p:cNvGrpSpPr/>
-            <p:nvPr/>
-          </p:nvGrpSpPr>
-          <p:grpSpPr>
-            <a:xfrm>
-              <a:off x="2058982" y="2441519"/>
-              <a:ext cx="5560789" cy="3763963"/>
-              <a:chOff x="2058982" y="2441519"/>
-              <a:chExt cx="5560789" cy="3763963"/>
-            </a:xfrm>
-          </p:grpSpPr>
-          <p:sp>
-            <p:nvSpPr>
-              <p:cNvPr id="46" name="Arrow: Down 45">
-                <a:extLst>
-                  <a:ext uri="{FF2B5EF4-FFF2-40B4-BE49-F238E27FC236}">
-                    <a16:creationId xmlns:a16="http://schemas.microsoft.com/office/drawing/2014/main" id="{24022525-DBA0-4F0C-93D3-A5038A22A3BE}"/>
-                  </a:ext>
-                </a:extLst>
-              </p:cNvPr>
-              <p:cNvSpPr/>
-              <p:nvPr/>
-            </p:nvSpPr>
-            <p:spPr>
-              <a:xfrm rot="5400000">
-                <a:off x="4738703" y="3341204"/>
-                <a:ext cx="184557" cy="5544000"/>
-              </a:xfrm>
-              <a:prstGeom prst="downArrow">
-                <a:avLst/>
-              </a:prstGeom>
-            </p:spPr>
-            <p:style>
-              <a:lnRef idx="2">
-                <a:schemeClr val="accent6">
-                  <a:shade val="50000"/>
-                </a:schemeClr>
-              </a:lnRef>
-              <a:fillRef idx="1">
-                <a:schemeClr val="accent6"/>
-              </a:fillRef>
-              <a:effectRef idx="0">
-                <a:schemeClr val="accent6"/>
-              </a:effectRef>
-              <a:fontRef idx="minor">
-                <a:schemeClr val="lt1"/>
-              </a:fontRef>
-            </p:style>
-            <p:txBody>
-              <a:bodyPr rtlCol="0" anchor="ctr"/>
-              <a:lstStyle/>
-              <a:p>
-                <a:pPr algn="ctr"/>
-                <a:endParaRPr lang="en-GB" dirty="0"/>
-              </a:p>
-            </p:txBody>
-          </p:sp>
-          <p:sp>
-            <p:nvSpPr>
-              <p:cNvPr id="47" name="Rectangle 46">
-                <a:extLst>
-                  <a:ext uri="{FF2B5EF4-FFF2-40B4-BE49-F238E27FC236}">
-                    <a16:creationId xmlns:a16="http://schemas.microsoft.com/office/drawing/2014/main" id="{24A08E0F-ED29-4829-A790-E1D312432C3D}"/>
-                  </a:ext>
-                </a:extLst>
-              </p:cNvPr>
-              <p:cNvSpPr/>
-              <p:nvPr/>
-            </p:nvSpPr>
-            <p:spPr>
-              <a:xfrm flipH="1">
-                <a:off x="4283027" y="2441519"/>
-                <a:ext cx="111470" cy="3726000"/>
-              </a:xfrm>
-              <a:prstGeom prst="rect">
-                <a:avLst/>
-              </a:prstGeom>
-            </p:spPr>
-            <p:style>
-              <a:lnRef idx="2">
-                <a:schemeClr val="accent6">
-                  <a:shade val="50000"/>
-                </a:schemeClr>
-              </a:lnRef>
-              <a:fillRef idx="1">
-                <a:schemeClr val="accent6"/>
-              </a:fillRef>
-              <a:effectRef idx="0">
-                <a:schemeClr val="accent6"/>
-              </a:effectRef>
-              <a:fontRef idx="minor">
-                <a:schemeClr val="lt1"/>
-              </a:fontRef>
-            </p:style>
-            <p:txBody>
-              <a:bodyPr rtlCol="0" anchor="ctr"/>
-              <a:lstStyle/>
-              <a:p>
-                <a:pPr algn="ctr"/>
-                <a:endParaRPr lang="en-GB"/>
-              </a:p>
-            </p:txBody>
-          </p:sp>
-          <p:sp>
-            <p:nvSpPr>
-              <p:cNvPr id="48" name="Rectangle 47">
-                <a:extLst>
-                  <a:ext uri="{FF2B5EF4-FFF2-40B4-BE49-F238E27FC236}">
-                    <a16:creationId xmlns:a16="http://schemas.microsoft.com/office/drawing/2014/main" id="{3A26BEAE-AFD5-4036-B926-58B901AAB917}"/>
-                  </a:ext>
-                </a:extLst>
-              </p:cNvPr>
-              <p:cNvSpPr/>
-              <p:nvPr/>
-            </p:nvSpPr>
-            <p:spPr>
-              <a:xfrm flipH="1">
-                <a:off x="5395964" y="3229020"/>
-                <a:ext cx="111470" cy="2916000"/>
-              </a:xfrm>
-              <a:prstGeom prst="rect">
-                <a:avLst/>
-              </a:prstGeom>
-            </p:spPr>
-            <p:style>
-              <a:lnRef idx="2">
-                <a:schemeClr val="accent6">
-                  <a:shade val="50000"/>
-                </a:schemeClr>
-              </a:lnRef>
-              <a:fillRef idx="1">
-                <a:schemeClr val="accent6"/>
-              </a:fillRef>
-              <a:effectRef idx="0">
-                <a:schemeClr val="accent6"/>
-              </a:effectRef>
-              <a:fontRef idx="minor">
-                <a:schemeClr val="lt1"/>
-              </a:fontRef>
-            </p:style>
-            <p:txBody>
-              <a:bodyPr rtlCol="0" anchor="ctr"/>
-              <a:lstStyle/>
-              <a:p>
-                <a:pPr algn="ctr"/>
-                <a:endParaRPr lang="en-GB"/>
-              </a:p>
-            </p:txBody>
-          </p:sp>
-          <p:sp>
-            <p:nvSpPr>
-              <p:cNvPr id="49" name="Rectangle 48">
-                <a:extLst>
-                  <a:ext uri="{FF2B5EF4-FFF2-40B4-BE49-F238E27FC236}">
-                    <a16:creationId xmlns:a16="http://schemas.microsoft.com/office/drawing/2014/main" id="{3D1B3AC9-BD4B-4BA7-A353-237A94EAA4AB}"/>
-                  </a:ext>
-                </a:extLst>
-              </p:cNvPr>
-              <p:cNvSpPr/>
-              <p:nvPr/>
-            </p:nvSpPr>
-            <p:spPr>
-              <a:xfrm flipH="1">
-                <a:off x="6431758" y="4002797"/>
-                <a:ext cx="111470" cy="2160000"/>
-              </a:xfrm>
-              <a:prstGeom prst="rect">
-                <a:avLst/>
-              </a:prstGeom>
-            </p:spPr>
-            <p:style>
-              <a:lnRef idx="2">
-                <a:schemeClr val="accent6">
-                  <a:shade val="50000"/>
-                </a:schemeClr>
-              </a:lnRef>
-              <a:fillRef idx="1">
-                <a:schemeClr val="accent6"/>
-              </a:fillRef>
-              <a:effectRef idx="0">
-                <a:schemeClr val="accent6"/>
-              </a:effectRef>
-              <a:fontRef idx="minor">
-                <a:schemeClr val="lt1"/>
-              </a:fontRef>
-            </p:style>
-            <p:txBody>
-              <a:bodyPr rtlCol="0" anchor="ctr"/>
-              <a:lstStyle/>
-              <a:p>
-                <a:pPr algn="ctr"/>
-                <a:endParaRPr lang="en-GB"/>
-              </a:p>
-            </p:txBody>
-          </p:sp>
-          <p:sp>
-            <p:nvSpPr>
-              <p:cNvPr id="50" name="Rectangle 49">
-                <a:extLst>
-                  <a:ext uri="{FF2B5EF4-FFF2-40B4-BE49-F238E27FC236}">
-                    <a16:creationId xmlns:a16="http://schemas.microsoft.com/office/drawing/2014/main" id="{1DC758B9-2FBF-4915-9589-0BD4FA6EE329}"/>
-                  </a:ext>
-                </a:extLst>
-              </p:cNvPr>
-              <p:cNvSpPr/>
-              <p:nvPr/>
-            </p:nvSpPr>
-            <p:spPr>
-              <a:xfrm flipH="1">
-                <a:off x="7508301" y="4785812"/>
-                <a:ext cx="111470" cy="1368000"/>
-              </a:xfrm>
-              <a:prstGeom prst="rect">
-                <a:avLst/>
-              </a:prstGeom>
-            </p:spPr>
-            <p:style>
-              <a:lnRef idx="2">
-                <a:schemeClr val="accent6">
-                  <a:shade val="50000"/>
-                </a:schemeClr>
-              </a:lnRef>
-              <a:fillRef idx="1">
-                <a:schemeClr val="accent6"/>
-              </a:fillRef>
-              <a:effectRef idx="0">
-                <a:schemeClr val="accent6"/>
-              </a:effectRef>
-              <a:fontRef idx="minor">
-                <a:schemeClr val="lt1"/>
-              </a:fontRef>
-            </p:style>
-            <p:txBody>
-              <a:bodyPr rtlCol="0" anchor="ctr"/>
-              <a:lstStyle/>
-              <a:p>
-                <a:pPr algn="ctr"/>
-                <a:endParaRPr lang="en-GB"/>
-              </a:p>
-            </p:txBody>
-          </p:sp>
-        </p:grpSp>
-        <p:sp>
-          <p:nvSpPr>
-            <p:cNvPr id="73" name="Oval 72">
-              <a:extLst>
-                <a:ext uri="{FF2B5EF4-FFF2-40B4-BE49-F238E27FC236}">
-                  <a16:creationId xmlns:a16="http://schemas.microsoft.com/office/drawing/2014/main" id="{A1929DB8-16B4-4113-8A63-FCCB8807D32A}"/>
-                </a:ext>
-              </a:extLst>
-            </p:cNvPr>
-            <p:cNvSpPr/>
-            <p:nvPr/>
-          </p:nvSpPr>
-          <p:spPr>
-            <a:xfrm>
-              <a:off x="4246210" y="6027812"/>
-              <a:ext cx="180000" cy="180000"/>
-            </a:xfrm>
-            <a:prstGeom prst="ellipse">
+            <a:prstGeom prst="downArrow">
               <a:avLst/>
             </a:prstGeom>
           </p:spPr>
@@ -14400,10 +10614,10 @@
         </p:sp>
         <p:sp>
           <p:nvSpPr>
-            <p:cNvPr id="74" name="Oval 73">
+            <p:cNvPr id="24" name="Arrow: Down 23">
               <a:extLst>
                 <a:ext uri="{FF2B5EF4-FFF2-40B4-BE49-F238E27FC236}">
-                  <a16:creationId xmlns:a16="http://schemas.microsoft.com/office/drawing/2014/main" id="{0519579B-11D1-4696-ABA0-B4D5D42FEEAD}"/>
+                  <a16:creationId xmlns:a16="http://schemas.microsoft.com/office/drawing/2014/main" id="{DBA5EF45-8246-4288-8FCA-5B101233F25C}"/>
                 </a:ext>
               </a:extLst>
             </p:cNvPr>
@@ -14411,103 +10625,11 @@
             <p:nvPr/>
           </p:nvSpPr>
           <p:spPr>
-            <a:xfrm>
-              <a:off x="5359570" y="6023204"/>
-              <a:ext cx="180000" cy="180000"/>
+            <a:xfrm rot="5400000">
+              <a:off x="3014121" y="2595868"/>
+              <a:ext cx="184557" cy="1980000"/>
             </a:xfrm>
-            <a:prstGeom prst="ellipse">
-              <a:avLst/>
-            </a:prstGeom>
-          </p:spPr>
-          <p:style>
-            <a:lnRef idx="2">
-              <a:schemeClr val="accent6">
-                <a:shade val="50000"/>
-              </a:schemeClr>
-            </a:lnRef>
-            <a:fillRef idx="1">
-              <a:schemeClr val="accent6"/>
-            </a:fillRef>
-            <a:effectRef idx="0">
-              <a:schemeClr val="accent6"/>
-            </a:effectRef>
-            <a:fontRef idx="minor">
-              <a:schemeClr val="lt1"/>
-            </a:fontRef>
-          </p:style>
-          <p:txBody>
-            <a:bodyPr rtlCol="0" anchor="ctr"/>
-            <a:lstStyle/>
-            <a:p>
-              <a:pPr algn="ctr"/>
-              <a:endParaRPr lang="en-GB"/>
-            </a:p>
-          </p:txBody>
-        </p:sp>
-        <p:sp>
-          <p:nvSpPr>
-            <p:cNvPr id="75" name="Oval 74">
-              <a:extLst>
-                <a:ext uri="{FF2B5EF4-FFF2-40B4-BE49-F238E27FC236}">
-                  <a16:creationId xmlns:a16="http://schemas.microsoft.com/office/drawing/2014/main" id="{43FF03FF-DC23-4D07-A4E5-CECC16BD6349}"/>
-                </a:ext>
-              </a:extLst>
-            </p:cNvPr>
-            <p:cNvSpPr/>
-            <p:nvPr/>
-          </p:nvSpPr>
-          <p:spPr>
-            <a:xfrm>
-              <a:off x="6391276" y="6018596"/>
-              <a:ext cx="180000" cy="180000"/>
-            </a:xfrm>
-            <a:prstGeom prst="ellipse">
-              <a:avLst/>
-            </a:prstGeom>
-          </p:spPr>
-          <p:style>
-            <a:lnRef idx="2">
-              <a:schemeClr val="accent6">
-                <a:shade val="50000"/>
-              </a:schemeClr>
-            </a:lnRef>
-            <a:fillRef idx="1">
-              <a:schemeClr val="accent6"/>
-            </a:fillRef>
-            <a:effectRef idx="0">
-              <a:schemeClr val="accent6"/>
-            </a:effectRef>
-            <a:fontRef idx="minor">
-              <a:schemeClr val="lt1"/>
-            </a:fontRef>
-          </p:style>
-          <p:txBody>
-            <a:bodyPr rtlCol="0" anchor="ctr"/>
-            <a:lstStyle/>
-            <a:p>
-              <a:pPr algn="ctr"/>
-              <a:endParaRPr lang="en-GB"/>
-            </a:p>
-          </p:txBody>
-        </p:sp>
-        <p:sp>
-          <p:nvSpPr>
-            <p:cNvPr id="76" name="Oval 75">
-              <a:extLst>
-                <a:ext uri="{FF2B5EF4-FFF2-40B4-BE49-F238E27FC236}">
-                  <a16:creationId xmlns:a16="http://schemas.microsoft.com/office/drawing/2014/main" id="{BA42A20B-2EF8-4AEA-8D39-820A337F4F82}"/>
-                </a:ext>
-              </a:extLst>
-            </p:cNvPr>
-            <p:cNvSpPr/>
-            <p:nvPr/>
-          </p:nvSpPr>
-          <p:spPr>
-            <a:xfrm>
-              <a:off x="7477556" y="6014893"/>
-              <a:ext cx="180000" cy="180000"/>
-            </a:xfrm>
-            <a:prstGeom prst="ellipse">
+            <a:prstGeom prst="downArrow">
               <a:avLst/>
             </a:prstGeom>
           </p:spPr>
@@ -14537,12 +10659,418 @@
           </p:txBody>
         </p:sp>
       </p:grpSp>
+      <p:sp>
+        <p:nvSpPr>
+          <p:cNvPr id="26" name="Arrow: Down 25">
+            <a:extLst>
+              <a:ext uri="{FF2B5EF4-FFF2-40B4-BE49-F238E27FC236}">
+                <a16:creationId xmlns:a16="http://schemas.microsoft.com/office/drawing/2014/main" id="{9438C7B5-5486-42DE-8DFF-CE4E9D8CC744}"/>
+              </a:ext>
+            </a:extLst>
+          </p:cNvPr>
+          <p:cNvSpPr/>
+          <p:nvPr/>
+        </p:nvSpPr>
+        <p:spPr>
+          <a:xfrm>
+            <a:off x="7557070" y="1575631"/>
+            <a:ext cx="184557" cy="1368000"/>
+          </a:xfrm>
+          <a:prstGeom prst="downArrow">
+            <a:avLst/>
+          </a:prstGeom>
+        </p:spPr>
+        <p:style>
+          <a:lnRef idx="2">
+            <a:schemeClr val="accent3">
+              <a:shade val="50000"/>
+            </a:schemeClr>
+          </a:lnRef>
+          <a:fillRef idx="1">
+            <a:schemeClr val="accent3"/>
+          </a:fillRef>
+          <a:effectRef idx="0">
+            <a:schemeClr val="accent3"/>
+          </a:effectRef>
+          <a:fontRef idx="minor">
+            <a:schemeClr val="lt1"/>
+          </a:fontRef>
+        </p:style>
+        <p:txBody>
+          <a:bodyPr rtlCol="0" anchor="ctr"/>
+          <a:lstStyle/>
+          <a:p>
+            <a:pPr algn="ctr"/>
+            <a:endParaRPr lang="en-GB"/>
+          </a:p>
+        </p:txBody>
+      </p:sp>
+      <p:sp>
+        <p:nvSpPr>
+          <p:cNvPr id="29" name="TextBox 28">
+            <a:extLst>
+              <a:ext uri="{FF2B5EF4-FFF2-40B4-BE49-F238E27FC236}">
+                <a16:creationId xmlns:a16="http://schemas.microsoft.com/office/drawing/2014/main" id="{D9EAAE17-7900-4362-B8D1-9521389479CA}"/>
+              </a:ext>
+            </a:extLst>
+          </p:cNvPr>
+          <p:cNvSpPr txBox="1"/>
+          <p:nvPr/>
+        </p:nvSpPr>
+        <p:spPr>
+          <a:xfrm>
+            <a:off x="2446090" y="2912177"/>
+            <a:ext cx="1330036" cy="276999"/>
+          </a:xfrm>
+          <a:prstGeom prst="rect">
+            <a:avLst/>
+          </a:prstGeom>
+          <a:noFill/>
+        </p:spPr>
+        <p:txBody>
+          <a:bodyPr wrap="square" rtlCol="0">
+            <a:spAutoFit/>
+          </a:bodyPr>
+          <a:lstStyle/>
+          <a:p>
+            <a:r>
+              <a:rPr lang="en-GB" sz="1200" dirty="0"/>
+              <a:t>General recovery</a:t>
+            </a:r>
+          </a:p>
+        </p:txBody>
+      </p:sp>
+      <p:sp>
+        <p:nvSpPr>
+          <p:cNvPr id="30" name="TextBox 29">
+            <a:extLst>
+              <a:ext uri="{FF2B5EF4-FFF2-40B4-BE49-F238E27FC236}">
+                <a16:creationId xmlns:a16="http://schemas.microsoft.com/office/drawing/2014/main" id="{97E19624-929E-4A89-9E0B-26B16E360B06}"/>
+              </a:ext>
+            </a:extLst>
+          </p:cNvPr>
+          <p:cNvSpPr txBox="1"/>
+          <p:nvPr/>
+        </p:nvSpPr>
+        <p:spPr>
+          <a:xfrm>
+            <a:off x="2446090" y="3678147"/>
+            <a:ext cx="1330036" cy="461665"/>
+          </a:xfrm>
+          <a:prstGeom prst="rect">
+            <a:avLst/>
+          </a:prstGeom>
+          <a:noFill/>
+        </p:spPr>
+        <p:txBody>
+          <a:bodyPr wrap="square" rtlCol="0">
+            <a:spAutoFit/>
+          </a:bodyPr>
+          <a:lstStyle/>
+          <a:p>
+            <a:r>
+              <a:rPr lang="en-GB" sz="1200" dirty="0"/>
+              <a:t>Recovery due to treatment</a:t>
+            </a:r>
+          </a:p>
+        </p:txBody>
+      </p:sp>
+      <p:sp>
+        <p:nvSpPr>
+          <p:cNvPr id="31" name="TextBox 30">
+            <a:extLst>
+              <a:ext uri="{FF2B5EF4-FFF2-40B4-BE49-F238E27FC236}">
+                <a16:creationId xmlns:a16="http://schemas.microsoft.com/office/drawing/2014/main" id="{C20D2958-1744-4B48-98D9-08EC5942ADE1}"/>
+              </a:ext>
+            </a:extLst>
+          </p:cNvPr>
+          <p:cNvSpPr txBox="1"/>
+          <p:nvPr/>
+        </p:nvSpPr>
+        <p:spPr>
+          <a:xfrm>
+            <a:off x="8125150" y="4108760"/>
+            <a:ext cx="3357346" cy="1754326"/>
+          </a:xfrm>
+          <a:prstGeom prst="rect">
+            <a:avLst/>
+          </a:prstGeom>
+          <a:noFill/>
+          <a:ln w="76200">
+            <a:solidFill>
+              <a:srgbClr val="FF0000"/>
+            </a:solidFill>
+            <a:prstDash val="dash"/>
+          </a:ln>
+        </p:spPr>
+        <p:txBody>
+          <a:bodyPr wrap="square" rtlCol="0">
+            <a:spAutoFit/>
+          </a:bodyPr>
+          <a:lstStyle/>
+          <a:p>
+            <a:r>
+              <a:rPr lang="en-GB" sz="1200" dirty="0"/>
+              <a:t>Mutations in the infection lead to a more resistant strain, which when treated with antibiotic #n+1 becomes the dominant strain, making the patient resistant to antibiotic #n+1</a:t>
+            </a:r>
+          </a:p>
+          <a:p>
+            <a:endParaRPr lang="en-GB" sz="1200" dirty="0"/>
+          </a:p>
+          <a:p>
+            <a:r>
+              <a:rPr lang="en-GB" sz="1200" dirty="0">
+                <a:solidFill>
+                  <a:srgbClr val="00B050"/>
+                </a:solidFill>
+              </a:rPr>
+              <a:t>Conditional on patient being treated with antibiotic #n+1 whilst they have an infection (because of tiered approach, this will always be resistant to antibiotic #n)</a:t>
+            </a:r>
+          </a:p>
+        </p:txBody>
+      </p:sp>
+      <p:sp>
+        <p:nvSpPr>
+          <p:cNvPr id="32" name="TextBox 31">
+            <a:extLst>
+              <a:ext uri="{FF2B5EF4-FFF2-40B4-BE49-F238E27FC236}">
+                <a16:creationId xmlns:a16="http://schemas.microsoft.com/office/drawing/2014/main" id="{27688E74-4F83-4712-8984-606AD1819845}"/>
+              </a:ext>
+            </a:extLst>
+          </p:cNvPr>
+          <p:cNvSpPr txBox="1"/>
+          <p:nvPr/>
+        </p:nvSpPr>
+        <p:spPr>
+          <a:xfrm>
+            <a:off x="9226602" y="3041354"/>
+            <a:ext cx="577221" cy="276999"/>
+          </a:xfrm>
+          <a:prstGeom prst="rect">
+            <a:avLst/>
+          </a:prstGeom>
+          <a:noFill/>
+        </p:spPr>
+        <p:txBody>
+          <a:bodyPr wrap="square" rtlCol="0">
+            <a:spAutoFit/>
+          </a:bodyPr>
+          <a:lstStyle/>
+          <a:p>
+            <a:r>
+              <a:rPr lang="en-GB" sz="1200" dirty="0"/>
+              <a:t>Death</a:t>
+            </a:r>
+          </a:p>
+        </p:txBody>
+      </p:sp>
+      <p:sp>
+        <p:nvSpPr>
+          <p:cNvPr id="33" name="TextBox 32">
+            <a:extLst>
+              <a:ext uri="{FF2B5EF4-FFF2-40B4-BE49-F238E27FC236}">
+                <a16:creationId xmlns:a16="http://schemas.microsoft.com/office/drawing/2014/main" id="{2774D669-2C72-4B92-B7FC-0C6571FF7A1A}"/>
+              </a:ext>
+            </a:extLst>
+          </p:cNvPr>
+          <p:cNvSpPr txBox="1"/>
+          <p:nvPr/>
+        </p:nvSpPr>
+        <p:spPr>
+          <a:xfrm>
+            <a:off x="5065263" y="2193631"/>
+            <a:ext cx="844336" cy="276999"/>
+          </a:xfrm>
+          <a:prstGeom prst="rect">
+            <a:avLst/>
+          </a:prstGeom>
+          <a:noFill/>
+        </p:spPr>
+        <p:txBody>
+          <a:bodyPr wrap="square" rtlCol="0">
+            <a:spAutoFit/>
+          </a:bodyPr>
+          <a:lstStyle/>
+          <a:p>
+            <a:r>
+              <a:rPr lang="en-GB" sz="1200" dirty="0"/>
+              <a:t>No change</a:t>
+            </a:r>
+          </a:p>
+        </p:txBody>
+      </p:sp>
+      <p:sp>
+        <p:nvSpPr>
+          <p:cNvPr id="35" name="TextBox 34">
+            <a:extLst>
+              <a:ext uri="{FF2B5EF4-FFF2-40B4-BE49-F238E27FC236}">
+                <a16:creationId xmlns:a16="http://schemas.microsoft.com/office/drawing/2014/main" id="{F64E08EC-A559-41D9-8253-145FEAB18A8E}"/>
+              </a:ext>
+            </a:extLst>
+          </p:cNvPr>
+          <p:cNvSpPr txBox="1"/>
+          <p:nvPr/>
+        </p:nvSpPr>
+        <p:spPr>
+          <a:xfrm>
+            <a:off x="5831718" y="490053"/>
+            <a:ext cx="2959923" cy="1077218"/>
+          </a:xfrm>
+          <a:prstGeom prst="rect">
+            <a:avLst/>
+          </a:prstGeom>
+        </p:spPr>
+        <p:style>
+          <a:lnRef idx="2">
+            <a:schemeClr val="dk1"/>
+          </a:lnRef>
+          <a:fillRef idx="1">
+            <a:schemeClr val="lt1"/>
+          </a:fillRef>
+          <a:effectRef idx="0">
+            <a:schemeClr val="dk1"/>
+          </a:effectRef>
+          <a:fontRef idx="minor">
+            <a:schemeClr val="dk1"/>
+          </a:fontRef>
+        </p:style>
+        <p:txBody>
+          <a:bodyPr wrap="square" rtlCol="0">
+            <a:spAutoFit/>
+          </a:bodyPr>
+          <a:lstStyle/>
+          <a:p>
+            <a:r>
+              <a:rPr lang="en-GB" sz="3200" dirty="0"/>
+              <a:t>Uninfected, or lower resistance</a:t>
+            </a:r>
+          </a:p>
+        </p:txBody>
+      </p:sp>
+      <p:sp>
+        <p:nvSpPr>
+          <p:cNvPr id="36" name="TextBox 35">
+            <a:extLst>
+              <a:ext uri="{FF2B5EF4-FFF2-40B4-BE49-F238E27FC236}">
+                <a16:creationId xmlns:a16="http://schemas.microsoft.com/office/drawing/2014/main" id="{C277580A-A6BC-41F5-BBC5-9AE0F4ACB0D2}"/>
+              </a:ext>
+            </a:extLst>
+          </p:cNvPr>
+          <p:cNvSpPr txBox="1"/>
+          <p:nvPr/>
+        </p:nvSpPr>
+        <p:spPr>
+          <a:xfrm>
+            <a:off x="4017850" y="1177726"/>
+            <a:ext cx="844336" cy="276999"/>
+          </a:xfrm>
+          <a:prstGeom prst="rect">
+            <a:avLst/>
+          </a:prstGeom>
+          <a:noFill/>
+        </p:spPr>
+        <p:txBody>
+          <a:bodyPr wrap="square" rtlCol="0">
+            <a:spAutoFit/>
+          </a:bodyPr>
+          <a:lstStyle/>
+          <a:p>
+            <a:r>
+              <a:rPr lang="en-GB" sz="1200" dirty="0"/>
+              <a:t>Mutation</a:t>
+            </a:r>
+          </a:p>
+        </p:txBody>
+      </p:sp>
+      <p:sp>
+        <p:nvSpPr>
+          <p:cNvPr id="37" name="TextBox 36">
+            <a:extLst>
+              <a:ext uri="{FF2B5EF4-FFF2-40B4-BE49-F238E27FC236}">
+                <a16:creationId xmlns:a16="http://schemas.microsoft.com/office/drawing/2014/main" id="{3FD58809-8566-4DC9-8D40-54B2BD7FC9E2}"/>
+              </a:ext>
+            </a:extLst>
+          </p:cNvPr>
+          <p:cNvSpPr txBox="1"/>
+          <p:nvPr/>
+        </p:nvSpPr>
+        <p:spPr>
+          <a:xfrm>
+            <a:off x="6889511" y="1725627"/>
+            <a:ext cx="844336" cy="276999"/>
+          </a:xfrm>
+          <a:prstGeom prst="rect">
+            <a:avLst/>
+          </a:prstGeom>
+          <a:noFill/>
+        </p:spPr>
+        <p:txBody>
+          <a:bodyPr wrap="square" rtlCol="0">
+            <a:spAutoFit/>
+          </a:bodyPr>
+          <a:lstStyle/>
+          <a:p>
+            <a:r>
+              <a:rPr lang="en-GB" sz="1200" dirty="0"/>
+              <a:t>Spread</a:t>
+            </a:r>
+          </a:p>
+        </p:txBody>
+      </p:sp>
+      <p:sp>
+        <p:nvSpPr>
+          <p:cNvPr id="34" name="Arrow: Curved Right 33">
+            <a:extLst>
+              <a:ext uri="{FF2B5EF4-FFF2-40B4-BE49-F238E27FC236}">
+                <a16:creationId xmlns:a16="http://schemas.microsoft.com/office/drawing/2014/main" id="{0721D7EA-A3B1-4FDC-8C16-3A96E67C4182}"/>
+              </a:ext>
+            </a:extLst>
+          </p:cNvPr>
+          <p:cNvSpPr/>
+          <p:nvPr/>
+        </p:nvSpPr>
+        <p:spPr>
+          <a:xfrm rot="16200000">
+            <a:off x="5306336" y="3897186"/>
+            <a:ext cx="432000" cy="432000"/>
+          </a:xfrm>
+          <a:prstGeom prst="curvedRightArrow">
+            <a:avLst/>
+          </a:prstGeom>
+        </p:spPr>
+        <p:style>
+          <a:lnRef idx="2">
+            <a:schemeClr val="accent4"/>
+          </a:lnRef>
+          <a:fillRef idx="1">
+            <a:schemeClr val="lt1"/>
+          </a:fillRef>
+          <a:effectRef idx="0">
+            <a:schemeClr val="accent4"/>
+          </a:effectRef>
+          <a:fontRef idx="minor">
+            <a:schemeClr val="dk1"/>
+          </a:fontRef>
+        </p:style>
+        <p:txBody>
+          <a:bodyPr rtlCol="0" anchor="ctr"/>
+          <a:lstStyle/>
+          <a:p>
+            <a:pPr algn="ctr"/>
+            <a:endParaRPr lang="en-GB" dirty="0">
+              <a:solidFill>
+                <a:schemeClr val="tx1"/>
+              </a:solidFill>
+            </a:endParaRPr>
+          </a:p>
+        </p:txBody>
+      </p:sp>
       <p:grpSp>
         <p:nvGrpSpPr>
-          <p:cNvPr id="3" name="Group 2">
-            <a:extLst>
-              <a:ext uri="{FF2B5EF4-FFF2-40B4-BE49-F238E27FC236}">
-                <a16:creationId xmlns:a16="http://schemas.microsoft.com/office/drawing/2014/main" id="{CD919222-78C2-4A67-A3C2-71CE67F95C03}"/>
+          <p:cNvPr id="50" name="Group 49">
+            <a:extLst>
+              <a:ext uri="{FF2B5EF4-FFF2-40B4-BE49-F238E27FC236}">
+                <a16:creationId xmlns:a16="http://schemas.microsoft.com/office/drawing/2014/main" id="{E18FF31E-8087-4C7C-AAC9-BE3D7506F584}"/>
               </a:ext>
             </a:extLst>
           </p:cNvPr>
@@ -14559,10 +11087,10 @@
         </p:grpSpPr>
         <p:grpSp>
           <p:nvGrpSpPr>
-            <p:cNvPr id="2" name="Group 1">
+            <p:cNvPr id="51" name="Group 50">
               <a:extLst>
                 <a:ext uri="{FF2B5EF4-FFF2-40B4-BE49-F238E27FC236}">
-                  <a16:creationId xmlns:a16="http://schemas.microsoft.com/office/drawing/2014/main" id="{AC148486-A8BE-48DE-A487-69851E88ADE8}"/>
+                  <a16:creationId xmlns:a16="http://schemas.microsoft.com/office/drawing/2014/main" id="{D26AC0D4-D1A6-464B-92BD-AC1744B160F1}"/>
                 </a:ext>
               </a:extLst>
             </p:cNvPr>
@@ -14579,10 +11107,10 @@
           </p:grpSpPr>
           <p:grpSp>
             <p:nvGrpSpPr>
-              <p:cNvPr id="83" name="Group 82">
+              <p:cNvPr id="53" name="Group 52">
                 <a:extLst>
                   <a:ext uri="{FF2B5EF4-FFF2-40B4-BE49-F238E27FC236}">
-                    <a16:creationId xmlns:a16="http://schemas.microsoft.com/office/drawing/2014/main" id="{A3FAA0ED-FB08-4495-ADBA-EFF812E7F11E}"/>
+                    <a16:creationId xmlns:a16="http://schemas.microsoft.com/office/drawing/2014/main" id="{5FC71757-0F2E-476F-ADA0-3D2CC585689F}"/>
                   </a:ext>
                 </a:extLst>
               </p:cNvPr>
@@ -14599,10 +11127,10 @@
             </p:grpSpPr>
             <p:sp>
               <p:nvSpPr>
-                <p:cNvPr id="78" name="TextBox 77">
+                <p:cNvPr id="55" name="TextBox 54">
                   <a:extLst>
                     <a:ext uri="{FF2B5EF4-FFF2-40B4-BE49-F238E27FC236}">
-                      <a16:creationId xmlns:a16="http://schemas.microsoft.com/office/drawing/2014/main" id="{D8EC32A6-70C8-4E57-AD4F-BFFAFFADD17D}"/>
+                      <a16:creationId xmlns:a16="http://schemas.microsoft.com/office/drawing/2014/main" id="{E976E799-41FB-4789-AA2B-877EE11DEBBF}"/>
                     </a:ext>
                   </a:extLst>
                 </p:cNvPr>
@@ -14707,10 +11235,10 @@
             </p:sp>
             <p:sp>
               <p:nvSpPr>
-                <p:cNvPr id="79" name="Rectangle 78">
+                <p:cNvPr id="56" name="Rectangle 55">
                   <a:extLst>
                     <a:ext uri="{FF2B5EF4-FFF2-40B4-BE49-F238E27FC236}">
-                      <a16:creationId xmlns:a16="http://schemas.microsoft.com/office/drawing/2014/main" id="{64DE77D6-4E8F-463F-931A-F7D14808EEEA}"/>
+                      <a16:creationId xmlns:a16="http://schemas.microsoft.com/office/drawing/2014/main" id="{E5F2B194-4C55-4045-9587-AFABC8F06AA1}"/>
                     </a:ext>
                   </a:extLst>
                 </p:cNvPr>
@@ -14753,10 +11281,10 @@
             </p:sp>
             <p:sp>
               <p:nvSpPr>
-                <p:cNvPr id="80" name="Rectangle 79">
+                <p:cNvPr id="57" name="Rectangle 56">
                   <a:extLst>
                     <a:ext uri="{FF2B5EF4-FFF2-40B4-BE49-F238E27FC236}">
-                      <a16:creationId xmlns:a16="http://schemas.microsoft.com/office/drawing/2014/main" id="{1A98B002-80C8-424D-90D5-BD7979977AEF}"/>
+                      <a16:creationId xmlns:a16="http://schemas.microsoft.com/office/drawing/2014/main" id="{936B4521-E37D-4E3E-868B-985E811C67FD}"/>
                     </a:ext>
                   </a:extLst>
                 </p:cNvPr>
@@ -14799,10 +11327,10 @@
             </p:sp>
             <p:sp>
               <p:nvSpPr>
-                <p:cNvPr id="81" name="Rectangle 80">
+                <p:cNvPr id="58" name="Rectangle 57">
                   <a:extLst>
                     <a:ext uri="{FF2B5EF4-FFF2-40B4-BE49-F238E27FC236}">
-                      <a16:creationId xmlns:a16="http://schemas.microsoft.com/office/drawing/2014/main" id="{BC82A7DE-86A2-4F01-9AA8-88BEBD534AEB}"/>
+                      <a16:creationId xmlns:a16="http://schemas.microsoft.com/office/drawing/2014/main" id="{77645A9C-FBBF-4063-AE5F-EBEF94973E50}"/>
                     </a:ext>
                   </a:extLst>
                 </p:cNvPr>
@@ -14845,10 +11373,10 @@
             </p:sp>
             <p:sp>
               <p:nvSpPr>
-                <p:cNvPr id="82" name="Rectangle 81">
+                <p:cNvPr id="59" name="Rectangle 58">
                   <a:extLst>
                     <a:ext uri="{FF2B5EF4-FFF2-40B4-BE49-F238E27FC236}">
-                      <a16:creationId xmlns:a16="http://schemas.microsoft.com/office/drawing/2014/main" id="{51988EDD-5CBB-48EC-9BC8-60C3D7619AAB}"/>
+                      <a16:creationId xmlns:a16="http://schemas.microsoft.com/office/drawing/2014/main" id="{F614A73C-D01C-4D8C-8A84-35B055D0132D}"/>
                     </a:ext>
                   </a:extLst>
                 </p:cNvPr>
@@ -14892,10 +11420,10 @@
           </p:grpSp>
           <p:sp>
             <p:nvSpPr>
-              <p:cNvPr id="84" name="Arrow: Curved Right 83">
+              <p:cNvPr id="54" name="Arrow: Curved Right 53">
                 <a:extLst>
                   <a:ext uri="{FF2B5EF4-FFF2-40B4-BE49-F238E27FC236}">
-                    <a16:creationId xmlns:a16="http://schemas.microsoft.com/office/drawing/2014/main" id="{8A6DCBDE-5063-4B1C-AFDB-ABEEB51C72CB}"/>
+                    <a16:creationId xmlns:a16="http://schemas.microsoft.com/office/drawing/2014/main" id="{BCBEFE5F-1E53-4B58-B3F1-3AD092FE9F8A}"/>
                   </a:ext>
                 </a:extLst>
               </p:cNvPr>
@@ -14941,10 +11469,10 @@
         </p:grpSp>
         <p:sp>
           <p:nvSpPr>
-            <p:cNvPr id="85" name="Arrow: Curved Right 84">
+            <p:cNvPr id="52" name="Arrow: Curved Right 51">
               <a:extLst>
                 <a:ext uri="{FF2B5EF4-FFF2-40B4-BE49-F238E27FC236}">
-                  <a16:creationId xmlns:a16="http://schemas.microsoft.com/office/drawing/2014/main" id="{44B7C320-33A6-465F-B69E-FC6B99645B19}"/>
+                  <a16:creationId xmlns:a16="http://schemas.microsoft.com/office/drawing/2014/main" id="{AE8F19AB-DD57-4513-837C-5867BA691F0E}"/>
                 </a:ext>
               </a:extLst>
             </p:cNvPr>
@@ -14990,104 +11518,1576 @@
       </p:grpSp>
       <p:sp>
         <p:nvSpPr>
-          <p:cNvPr id="86" name="Arrow: Curved Right 85">
-            <a:extLst>
-              <a:ext uri="{FF2B5EF4-FFF2-40B4-BE49-F238E27FC236}">
-                <a16:creationId xmlns:a16="http://schemas.microsoft.com/office/drawing/2014/main" id="{4D45007D-9A2C-452B-A150-9B66658044BE}"/>
-              </a:ext>
-            </a:extLst>
-          </p:cNvPr>
-          <p:cNvSpPr/>
+          <p:cNvPr id="38" name="TextBox 37">
+            <a:extLst>
+              <a:ext uri="{FF2B5EF4-FFF2-40B4-BE49-F238E27FC236}">
+                <a16:creationId xmlns:a16="http://schemas.microsoft.com/office/drawing/2014/main" id="{8ADC46C6-3C92-46D6-BF65-EA88FEC06EF8}"/>
+              </a:ext>
+            </a:extLst>
+          </p:cNvPr>
+          <p:cNvSpPr txBox="1"/>
           <p:nvPr/>
         </p:nvSpPr>
         <p:spPr>
-          <a:xfrm rot="5400000">
-            <a:off x="6994689" y="3373517"/>
-            <a:ext cx="252000" cy="252000"/>
+          <a:xfrm>
+            <a:off x="5121127" y="4376479"/>
+            <a:ext cx="846184" cy="276999"/>
           </a:xfrm>
-          <a:prstGeom prst="curvedRightArrow">
+          <a:prstGeom prst="rect">
+            <a:avLst/>
+          </a:prstGeom>
+          <a:noFill/>
+        </p:spPr>
+        <p:txBody>
+          <a:bodyPr wrap="square" rtlCol="0">
+            <a:spAutoFit/>
+          </a:bodyPr>
+          <a:lstStyle/>
+          <a:p>
+            <a:r>
+              <a:rPr lang="en-GB" sz="1200" dirty="0"/>
+              <a:t>Isolation</a:t>
+            </a:r>
+          </a:p>
+        </p:txBody>
+      </p:sp>
+    </p:spTree>
+    <p:extLst>
+      <p:ext uri="{BB962C8B-B14F-4D97-AF65-F5344CB8AC3E}">
+        <p14:creationId xmlns:p14="http://schemas.microsoft.com/office/powerpoint/2010/main" val="549594761"/>
+      </p:ext>
+    </p:extLst>
+  </p:cSld>
+  <p:clrMapOvr>
+    <a:masterClrMapping/>
+  </p:clrMapOvr>
+</p:sld>
+</file>
+
+<file path=ppt/slides/slide21.xml><?xml version="1.0" encoding="utf-8"?>
+<p:sld xmlns:a="http://schemas.openxmlformats.org/drawingml/2006/main" xmlns:r="http://schemas.openxmlformats.org/officeDocument/2006/relationships" xmlns:p="http://schemas.openxmlformats.org/presentationml/2006/main">
+  <p:cSld>
+    <p:spTree>
+      <p:nvGrpSpPr>
+        <p:cNvPr id="1" name=""/>
+        <p:cNvGrpSpPr/>
+        <p:nvPr/>
+      </p:nvGrpSpPr>
+      <p:grpSpPr>
+        <a:xfrm>
+          <a:off x="0" y="0"/>
+          <a:ext cx="0" cy="0"/>
+          <a:chOff x="0" y="0"/>
+          <a:chExt cx="0" cy="0"/>
+        </a:xfrm>
+      </p:grpSpPr>
+      <p:pic>
+        <p:nvPicPr>
+          <p:cNvPr id="5" name="Picture 4" descr="Text&#10;&#10;Description automatically generated">
+            <a:extLst>
+              <a:ext uri="{FF2B5EF4-FFF2-40B4-BE49-F238E27FC236}">
+                <a16:creationId xmlns:a16="http://schemas.microsoft.com/office/drawing/2014/main" id="{151D83A0-75D3-49FB-AE29-9932A172B467}"/>
+              </a:ext>
+            </a:extLst>
+          </p:cNvPr>
+          <p:cNvPicPr>
+            <a:picLocks noChangeAspect="1"/>
+          </p:cNvPicPr>
+          <p:nvPr/>
+        </p:nvPicPr>
+        <p:blipFill>
+          <a:blip r:embed="rId2">
+            <a:extLst>
+              <a:ext uri="{28A0092B-C50C-407E-A947-70E740481C1C}">
+                <a14:useLocalDpi xmlns:a14="http://schemas.microsoft.com/office/drawing/2010/main" val="0"/>
+              </a:ext>
+            </a:extLst>
+          </a:blip>
+          <a:stretch>
+            <a:fillRect/>
+          </a:stretch>
+        </p:blipFill>
+        <p:spPr>
+          <a:xfrm>
+            <a:off x="1351096" y="1200440"/>
+            <a:ext cx="9489805" cy="5114635"/>
+          </a:xfrm>
+          <a:prstGeom prst="rect">
             <a:avLst/>
           </a:prstGeom>
         </p:spPr>
-        <p:style>
-          <a:lnRef idx="2">
-            <a:schemeClr val="accent4"/>
-          </a:lnRef>
-          <a:fillRef idx="1">
-            <a:schemeClr val="lt1"/>
-          </a:fillRef>
-          <a:effectRef idx="0">
-            <a:schemeClr val="accent4"/>
-          </a:effectRef>
-          <a:fontRef idx="minor">
-            <a:schemeClr val="dk1"/>
-          </a:fontRef>
-        </p:style>
-        <p:txBody>
-          <a:bodyPr rtlCol="0" anchor="ctr"/>
+      </p:pic>
+    </p:spTree>
+    <p:extLst>
+      <p:ext uri="{BB962C8B-B14F-4D97-AF65-F5344CB8AC3E}">
+        <p14:creationId xmlns:p14="http://schemas.microsoft.com/office/powerpoint/2010/main" val="3404637071"/>
+      </p:ext>
+    </p:extLst>
+  </p:cSld>
+  <p:clrMapOvr>
+    <a:masterClrMapping/>
+  </p:clrMapOvr>
+</p:sld>
+</file>
+
+<file path=ppt/slides/slide22.xml><?xml version="1.0" encoding="utf-8"?>
+<p:sld xmlns:a="http://schemas.openxmlformats.org/drawingml/2006/main" xmlns:r="http://schemas.openxmlformats.org/officeDocument/2006/relationships" xmlns:p="http://schemas.openxmlformats.org/presentationml/2006/main">
+  <p:cSld>
+    <p:spTree>
+      <p:nvGrpSpPr>
+        <p:cNvPr id="1" name=""/>
+        <p:cNvGrpSpPr/>
+        <p:nvPr/>
+      </p:nvGrpSpPr>
+      <p:grpSpPr>
+        <a:xfrm>
+          <a:off x="0" y="0"/>
+          <a:ext cx="0" cy="0"/>
+          <a:chOff x="0" y="0"/>
+          <a:chExt cx="0" cy="0"/>
+        </a:xfrm>
+      </p:grpSpPr>
+      <p:sp>
+        <p:nvSpPr>
+          <p:cNvPr id="2" name="Title 1">
+            <a:extLst>
+              <a:ext uri="{FF2B5EF4-FFF2-40B4-BE49-F238E27FC236}">
+                <a16:creationId xmlns:a16="http://schemas.microsoft.com/office/drawing/2014/main" id="{5FB154A0-D196-4545-8B26-E5E8A54DCB0C}"/>
+              </a:ext>
+            </a:extLst>
+          </p:cNvPr>
+          <p:cNvSpPr>
+            <a:spLocks noGrp="1"/>
+          </p:cNvSpPr>
+          <p:nvPr>
+            <p:ph type="title"/>
+          </p:nvPr>
+        </p:nvSpPr>
+        <p:spPr>
+          <a:xfrm>
+            <a:off x="831850" y="928688"/>
+            <a:ext cx="10515600" cy="2852737"/>
+          </a:xfrm>
+        </p:spPr>
+        <p:txBody>
+          <a:bodyPr/>
+          <a:lstStyle/>
+          <a:p>
+            <a:r>
+              <a:rPr lang="en-GB" dirty="0"/>
+              <a:t>Context and real-world grounding</a:t>
+            </a:r>
+          </a:p>
+        </p:txBody>
+      </p:sp>
+      <p:sp>
+        <p:nvSpPr>
+          <p:cNvPr id="3" name="Text Placeholder 2">
+            <a:extLst>
+              <a:ext uri="{FF2B5EF4-FFF2-40B4-BE49-F238E27FC236}">
+                <a16:creationId xmlns:a16="http://schemas.microsoft.com/office/drawing/2014/main" id="{F59CD67C-7051-44DF-9597-E828768036B1}"/>
+              </a:ext>
+            </a:extLst>
+          </p:cNvPr>
+          <p:cNvSpPr>
+            <a:spLocks noGrp="1"/>
+          </p:cNvSpPr>
+          <p:nvPr>
+            <p:ph type="body" idx="1"/>
+          </p:nvPr>
+        </p:nvSpPr>
+        <p:spPr>
+          <a:xfrm>
+            <a:off x="831850" y="3808413"/>
+            <a:ext cx="10515600" cy="1500187"/>
+          </a:xfrm>
+        </p:spPr>
+        <p:txBody>
+          <a:bodyPr>
+            <a:normAutofit/>
+          </a:bodyPr>
           <a:lstStyle/>
           <a:p>
             <a:pPr algn="ctr"/>
-            <a:endParaRPr lang="en-GB">
-              <a:solidFill>
-                <a:schemeClr val="tx1"/>
-              </a:solidFill>
-            </a:endParaRPr>
-          </a:p>
-        </p:txBody>
-      </p:sp>
-      <p:sp>
-        <p:nvSpPr>
-          <p:cNvPr id="87" name="Arrow: Curved Right 86">
-            <a:extLst>
-              <a:ext uri="{FF2B5EF4-FFF2-40B4-BE49-F238E27FC236}">
-                <a16:creationId xmlns:a16="http://schemas.microsoft.com/office/drawing/2014/main" id="{B2CA2BFA-27CC-4715-9114-06B868C21A3C}"/>
-              </a:ext>
-            </a:extLst>
-          </p:cNvPr>
-          <p:cNvSpPr/>
+            <a:r>
+              <a:rPr lang="en-GB" sz="8000" dirty="0">
+                <a:solidFill>
+                  <a:srgbClr val="FF0000"/>
+                </a:solidFill>
+              </a:rPr>
+              <a:t>Axel, fill these in</a:t>
+            </a:r>
+          </a:p>
+        </p:txBody>
+      </p:sp>
+    </p:spTree>
+    <p:extLst>
+      <p:ext uri="{BB962C8B-B14F-4D97-AF65-F5344CB8AC3E}">
+        <p14:creationId xmlns:p14="http://schemas.microsoft.com/office/powerpoint/2010/main" val="333483316"/>
+      </p:ext>
+    </p:extLst>
+  </p:cSld>
+  <p:clrMapOvr>
+    <a:masterClrMapping/>
+  </p:clrMapOvr>
+</p:sld>
+</file>
+
+<file path=ppt/slides/slide23.xml><?xml version="1.0" encoding="utf-8"?>
+<p:sld xmlns:a="http://schemas.openxmlformats.org/drawingml/2006/main" xmlns:r="http://schemas.openxmlformats.org/officeDocument/2006/relationships" xmlns:p="http://schemas.openxmlformats.org/presentationml/2006/main">
+  <p:cSld>
+    <p:spTree>
+      <p:nvGrpSpPr>
+        <p:cNvPr id="1" name=""/>
+        <p:cNvGrpSpPr/>
+        <p:nvPr/>
+      </p:nvGrpSpPr>
+      <p:grpSpPr>
+        <a:xfrm>
+          <a:off x="0" y="0"/>
+          <a:ext cx="0" cy="0"/>
+          <a:chOff x="0" y="0"/>
+          <a:chExt cx="0" cy="0"/>
+        </a:xfrm>
+      </p:grpSpPr>
+      <p:sp>
+        <p:nvSpPr>
+          <p:cNvPr id="2" name="Title 1">
+            <a:extLst>
+              <a:ext uri="{FF2B5EF4-FFF2-40B4-BE49-F238E27FC236}">
+                <a16:creationId xmlns:a16="http://schemas.microsoft.com/office/drawing/2014/main" id="{769BD065-4D4B-4BEC-AED0-990130B9B0B7}"/>
+              </a:ext>
+            </a:extLst>
+          </p:cNvPr>
+          <p:cNvSpPr>
+            <a:spLocks noGrp="1"/>
+          </p:cNvSpPr>
+          <p:nvPr>
+            <p:ph type="title"/>
+          </p:nvPr>
+        </p:nvSpPr>
+        <p:spPr/>
+        <p:txBody>
+          <a:bodyPr/>
+          <a:lstStyle/>
+          <a:p>
+            <a:r>
+              <a:rPr lang="en-GB" dirty="0"/>
+              <a:t>Why context is important</a:t>
+            </a:r>
+          </a:p>
+        </p:txBody>
+      </p:sp>
+      <p:sp>
+        <p:nvSpPr>
+          <p:cNvPr id="3" name="Content Placeholder 2">
+            <a:extLst>
+              <a:ext uri="{FF2B5EF4-FFF2-40B4-BE49-F238E27FC236}">
+                <a16:creationId xmlns:a16="http://schemas.microsoft.com/office/drawing/2014/main" id="{4ABE8A88-DF28-4919-81F6-A882431707A0}"/>
+              </a:ext>
+            </a:extLst>
+          </p:cNvPr>
+          <p:cNvSpPr>
+            <a:spLocks noGrp="1"/>
+          </p:cNvSpPr>
+          <p:nvPr>
+            <p:ph idx="1"/>
+          </p:nvPr>
+        </p:nvSpPr>
+        <p:spPr/>
+        <p:txBody>
+          <a:bodyPr/>
+          <a:lstStyle/>
+          <a:p>
+            <a:r>
+              <a:rPr lang="en-GB" dirty="0"/>
+              <a:t>Without context, the model doesn’t tell us anything about the real world impacts our product may have</a:t>
+            </a:r>
+          </a:p>
+        </p:txBody>
+      </p:sp>
+    </p:spTree>
+    <p:extLst>
+      <p:ext uri="{BB962C8B-B14F-4D97-AF65-F5344CB8AC3E}">
+        <p14:creationId xmlns:p14="http://schemas.microsoft.com/office/powerpoint/2010/main" val="2906390446"/>
+      </p:ext>
+    </p:extLst>
+  </p:cSld>
+  <p:clrMapOvr>
+    <a:masterClrMapping/>
+  </p:clrMapOvr>
+</p:sld>
+</file>
+
+<file path=ppt/slides/slide24.xml><?xml version="1.0" encoding="utf-8"?>
+<p:sld xmlns:a="http://schemas.openxmlformats.org/drawingml/2006/main" xmlns:r="http://schemas.openxmlformats.org/officeDocument/2006/relationships" xmlns:p="http://schemas.openxmlformats.org/presentationml/2006/main">
+  <p:cSld>
+    <p:spTree>
+      <p:nvGrpSpPr>
+        <p:cNvPr id="1" name=""/>
+        <p:cNvGrpSpPr/>
+        <p:nvPr/>
+      </p:nvGrpSpPr>
+      <p:grpSpPr>
+        <a:xfrm>
+          <a:off x="0" y="0"/>
+          <a:ext cx="0" cy="0"/>
+          <a:chOff x="0" y="0"/>
+          <a:chExt cx="0" cy="0"/>
+        </a:xfrm>
+      </p:grpSpPr>
+      <p:sp>
+        <p:nvSpPr>
+          <p:cNvPr id="2" name="Title 1">
+            <a:extLst>
+              <a:ext uri="{FF2B5EF4-FFF2-40B4-BE49-F238E27FC236}">
+                <a16:creationId xmlns:a16="http://schemas.microsoft.com/office/drawing/2014/main" id="{42B2C3C1-B11F-44D3-91E5-50C72DBF61A3}"/>
+              </a:ext>
+            </a:extLst>
+          </p:cNvPr>
+          <p:cNvSpPr>
+            <a:spLocks noGrp="1"/>
+          </p:cNvSpPr>
+          <p:nvPr>
+            <p:ph type="title"/>
+          </p:nvPr>
+        </p:nvSpPr>
+        <p:spPr/>
+        <p:txBody>
+          <a:bodyPr/>
+          <a:lstStyle/>
+          <a:p>
+            <a:r>
+              <a:rPr lang="en-GB" dirty="0"/>
+              <a:t>Selecting the contextual data set</a:t>
+            </a:r>
+          </a:p>
+        </p:txBody>
+      </p:sp>
+      <p:sp>
+        <p:nvSpPr>
+          <p:cNvPr id="3" name="Content Placeholder 2">
+            <a:extLst>
+              <a:ext uri="{FF2B5EF4-FFF2-40B4-BE49-F238E27FC236}">
+                <a16:creationId xmlns:a16="http://schemas.microsoft.com/office/drawing/2014/main" id="{135FE89B-D3AD-4AE4-B566-79F36297E395}"/>
+              </a:ext>
+            </a:extLst>
+          </p:cNvPr>
+          <p:cNvSpPr>
+            <a:spLocks noGrp="1"/>
+          </p:cNvSpPr>
+          <p:nvPr>
+            <p:ph idx="1"/>
+          </p:nvPr>
+        </p:nvSpPr>
+        <p:spPr/>
+        <p:txBody>
+          <a:bodyPr/>
+          <a:lstStyle/>
+          <a:p>
+            <a:r>
+              <a:rPr lang="en-GB" dirty="0"/>
+              <a:t>We selected neo-natal meningitis because…</a:t>
+            </a:r>
+          </a:p>
+          <a:p>
+            <a:r>
+              <a:rPr lang="en-GB" dirty="0"/>
+              <a:t>This specific data set fits our product because…</a:t>
+            </a:r>
+          </a:p>
+          <a:p>
+            <a:r>
+              <a:rPr lang="en-GB" dirty="0"/>
+              <a:t>Explanation of the data set, etc.</a:t>
+            </a:r>
+          </a:p>
+        </p:txBody>
+      </p:sp>
+    </p:spTree>
+    <p:extLst>
+      <p:ext uri="{BB962C8B-B14F-4D97-AF65-F5344CB8AC3E}">
+        <p14:creationId xmlns:p14="http://schemas.microsoft.com/office/powerpoint/2010/main" val="2791449091"/>
+      </p:ext>
+    </p:extLst>
+  </p:cSld>
+  <p:clrMapOvr>
+    <a:masterClrMapping/>
+  </p:clrMapOvr>
+</p:sld>
+</file>
+
+<file path=ppt/slides/slide25.xml><?xml version="1.0" encoding="utf-8"?>
+<p:sld xmlns:a="http://schemas.openxmlformats.org/drawingml/2006/main" xmlns:r="http://schemas.openxmlformats.org/officeDocument/2006/relationships" xmlns:p="http://schemas.openxmlformats.org/presentationml/2006/main">
+  <p:cSld>
+    <p:spTree>
+      <p:nvGrpSpPr>
+        <p:cNvPr id="1" name=""/>
+        <p:cNvGrpSpPr/>
+        <p:nvPr/>
+      </p:nvGrpSpPr>
+      <p:grpSpPr>
+        <a:xfrm>
+          <a:off x="0" y="0"/>
+          <a:ext cx="0" cy="0"/>
+          <a:chOff x="0" y="0"/>
+          <a:chExt cx="0" cy="0"/>
+        </a:xfrm>
+      </p:grpSpPr>
+      <p:sp>
+        <p:nvSpPr>
+          <p:cNvPr id="2" name="Title 1">
+            <a:extLst>
+              <a:ext uri="{FF2B5EF4-FFF2-40B4-BE49-F238E27FC236}">
+                <a16:creationId xmlns:a16="http://schemas.microsoft.com/office/drawing/2014/main" id="{A3C59334-4C57-4E58-9394-84A28634BA78}"/>
+              </a:ext>
+            </a:extLst>
+          </p:cNvPr>
+          <p:cNvSpPr>
+            <a:spLocks noGrp="1"/>
+          </p:cNvSpPr>
+          <p:nvPr>
+            <p:ph type="title"/>
+          </p:nvPr>
+        </p:nvSpPr>
+        <p:spPr/>
+        <p:txBody>
+          <a:bodyPr/>
+          <a:lstStyle/>
+          <a:p>
+            <a:r>
+              <a:rPr lang="en-GB" dirty="0"/>
+              <a:t>Neo-natal meningitis data</a:t>
+            </a:r>
+          </a:p>
+        </p:txBody>
+      </p:sp>
+      <p:sp>
+        <p:nvSpPr>
+          <p:cNvPr id="3" name="Content Placeholder 2">
+            <a:extLst>
+              <a:ext uri="{FF2B5EF4-FFF2-40B4-BE49-F238E27FC236}">
+                <a16:creationId xmlns:a16="http://schemas.microsoft.com/office/drawing/2014/main" id="{F84FF158-50B7-4793-A57A-4E3D8F5458CE}"/>
+              </a:ext>
+            </a:extLst>
+          </p:cNvPr>
+          <p:cNvSpPr>
+            <a:spLocks noGrp="1"/>
+          </p:cNvSpPr>
+          <p:nvPr>
+            <p:ph idx="1"/>
+          </p:nvPr>
+        </p:nvSpPr>
+        <p:spPr/>
+        <p:txBody>
+          <a:bodyPr/>
+          <a:lstStyle/>
+          <a:p>
+            <a:r>
+              <a:rPr lang="en-GB" dirty="0"/>
+              <a:t>Add image of data set</a:t>
+            </a:r>
+          </a:p>
+          <a:p>
+            <a:r>
+              <a:rPr lang="en-GB" dirty="0"/>
+              <a:t>Add citation of paper</a:t>
+            </a:r>
+          </a:p>
+          <a:p>
+            <a:r>
+              <a:rPr lang="en-GB" dirty="0"/>
+              <a:t>Etc.</a:t>
+            </a:r>
+          </a:p>
+        </p:txBody>
+      </p:sp>
+    </p:spTree>
+    <p:extLst>
+      <p:ext uri="{BB962C8B-B14F-4D97-AF65-F5344CB8AC3E}">
+        <p14:creationId xmlns:p14="http://schemas.microsoft.com/office/powerpoint/2010/main" val="1254590270"/>
+      </p:ext>
+    </p:extLst>
+  </p:cSld>
+  <p:clrMapOvr>
+    <a:masterClrMapping/>
+  </p:clrMapOvr>
+</p:sld>
+</file>
+
+<file path=ppt/slides/slide26.xml><?xml version="1.0" encoding="utf-8"?>
+<p:sld xmlns:a="http://schemas.openxmlformats.org/drawingml/2006/main" xmlns:r="http://schemas.openxmlformats.org/officeDocument/2006/relationships" xmlns:p="http://schemas.openxmlformats.org/presentationml/2006/main">
+  <p:cSld>
+    <p:spTree>
+      <p:nvGrpSpPr>
+        <p:cNvPr id="1" name=""/>
+        <p:cNvGrpSpPr/>
+        <p:nvPr/>
+      </p:nvGrpSpPr>
+      <p:grpSpPr>
+        <a:xfrm>
+          <a:off x="0" y="0"/>
+          <a:ext cx="0" cy="0"/>
+          <a:chOff x="0" y="0"/>
+          <a:chExt cx="0" cy="0"/>
+        </a:xfrm>
+      </p:grpSpPr>
+      <p:sp>
+        <p:nvSpPr>
+          <p:cNvPr id="2" name="Title 1">
+            <a:extLst>
+              <a:ext uri="{FF2B5EF4-FFF2-40B4-BE49-F238E27FC236}">
+                <a16:creationId xmlns:a16="http://schemas.microsoft.com/office/drawing/2014/main" id="{ADBB864F-9E23-4956-9E78-C9692F6F9A33}"/>
+              </a:ext>
+            </a:extLst>
+          </p:cNvPr>
+          <p:cNvSpPr>
+            <a:spLocks noGrp="1"/>
+          </p:cNvSpPr>
+          <p:nvPr>
+            <p:ph type="title"/>
+          </p:nvPr>
+        </p:nvSpPr>
+        <p:spPr/>
+        <p:txBody>
+          <a:bodyPr/>
+          <a:lstStyle/>
+          <a:p>
+            <a:r>
+              <a:rPr lang="en-GB" dirty="0"/>
+              <a:t>Parameters extrapolated from the data set</a:t>
+            </a:r>
+          </a:p>
+        </p:txBody>
+      </p:sp>
+      <p:sp>
+        <p:nvSpPr>
+          <p:cNvPr id="3" name="Content Placeholder 2">
+            <a:extLst>
+              <a:ext uri="{FF2B5EF4-FFF2-40B4-BE49-F238E27FC236}">
+                <a16:creationId xmlns:a16="http://schemas.microsoft.com/office/drawing/2014/main" id="{91FCDC0C-234E-499A-A0E0-FCE071516E38}"/>
+              </a:ext>
+            </a:extLst>
+          </p:cNvPr>
+          <p:cNvSpPr>
+            <a:spLocks noGrp="1"/>
+          </p:cNvSpPr>
+          <p:nvPr>
+            <p:ph idx="1"/>
+          </p:nvPr>
+        </p:nvSpPr>
+        <p:spPr/>
+        <p:txBody>
+          <a:bodyPr/>
+          <a:lstStyle/>
+          <a:p>
+            <a:r>
+              <a:rPr lang="en-GB" dirty="0"/>
+              <a:t>Send me file you changed the parameters on for the data set, and I can make them look nice as with the other code embeds</a:t>
+            </a:r>
+          </a:p>
+          <a:p>
+            <a:pPr lvl="1"/>
+            <a:r>
+              <a:rPr lang="en-GB" dirty="0"/>
+              <a:t>If you need to, just screenshot it from your editor, but I have a mechanism which will make it look nice, and it shouldn’t be too much effort to send</a:t>
+            </a:r>
+          </a:p>
+        </p:txBody>
+      </p:sp>
+    </p:spTree>
+    <p:extLst>
+      <p:ext uri="{BB962C8B-B14F-4D97-AF65-F5344CB8AC3E}">
+        <p14:creationId xmlns:p14="http://schemas.microsoft.com/office/powerpoint/2010/main" val="1851201481"/>
+      </p:ext>
+    </p:extLst>
+  </p:cSld>
+  <p:clrMapOvr>
+    <a:masterClrMapping/>
+  </p:clrMapOvr>
+</p:sld>
+</file>
+
+<file path=ppt/slides/slide27.xml><?xml version="1.0" encoding="utf-8"?>
+<p:sld xmlns:a="http://schemas.openxmlformats.org/drawingml/2006/main" xmlns:r="http://schemas.openxmlformats.org/officeDocument/2006/relationships" xmlns:p="http://schemas.openxmlformats.org/presentationml/2006/main">
+  <p:cSld>
+    <p:spTree>
+      <p:nvGrpSpPr>
+        <p:cNvPr id="1" name=""/>
+        <p:cNvGrpSpPr/>
+        <p:nvPr/>
+      </p:nvGrpSpPr>
+      <p:grpSpPr>
+        <a:xfrm>
+          <a:off x="0" y="0"/>
+          <a:ext cx="0" cy="0"/>
+          <a:chOff x="0" y="0"/>
+          <a:chExt cx="0" cy="0"/>
+        </a:xfrm>
+      </p:grpSpPr>
+      <p:sp>
+        <p:nvSpPr>
+          <p:cNvPr id="2" name="Title 1">
+            <a:extLst>
+              <a:ext uri="{FF2B5EF4-FFF2-40B4-BE49-F238E27FC236}">
+                <a16:creationId xmlns:a16="http://schemas.microsoft.com/office/drawing/2014/main" id="{1C06F957-05F4-4C1B-BD91-AB3666128332}"/>
+              </a:ext>
+            </a:extLst>
+          </p:cNvPr>
+          <p:cNvSpPr>
+            <a:spLocks noGrp="1"/>
+          </p:cNvSpPr>
+          <p:nvPr>
+            <p:ph type="title"/>
+          </p:nvPr>
+        </p:nvSpPr>
+        <p:spPr/>
+        <p:txBody>
+          <a:bodyPr/>
+          <a:lstStyle/>
+          <a:p>
+            <a:r>
+              <a:rPr lang="en-GB" dirty="0"/>
+              <a:t>Results of neo-natal meningitis model</a:t>
+            </a:r>
+          </a:p>
+        </p:txBody>
+      </p:sp>
+      <p:sp>
+        <p:nvSpPr>
+          <p:cNvPr id="3" name="Content Placeholder 2">
+            <a:extLst>
+              <a:ext uri="{FF2B5EF4-FFF2-40B4-BE49-F238E27FC236}">
+                <a16:creationId xmlns:a16="http://schemas.microsoft.com/office/drawing/2014/main" id="{D8D5F3C6-670D-47AD-8735-E4552B707AA5}"/>
+              </a:ext>
+            </a:extLst>
+          </p:cNvPr>
+          <p:cNvSpPr>
+            <a:spLocks noGrp="1"/>
+          </p:cNvSpPr>
+          <p:nvPr>
+            <p:ph idx="1"/>
+          </p:nvPr>
+        </p:nvSpPr>
+        <p:spPr/>
+        <p:txBody>
+          <a:bodyPr/>
+          <a:lstStyle/>
+          <a:p>
+            <a:r>
+              <a:rPr lang="en-GB" dirty="0"/>
+              <a:t>Add a screenshot of graph output of code running here</a:t>
+            </a:r>
+          </a:p>
+        </p:txBody>
+      </p:sp>
+    </p:spTree>
+    <p:extLst>
+      <p:ext uri="{BB962C8B-B14F-4D97-AF65-F5344CB8AC3E}">
+        <p14:creationId xmlns:p14="http://schemas.microsoft.com/office/powerpoint/2010/main" val="3152347606"/>
+      </p:ext>
+    </p:extLst>
+  </p:cSld>
+  <p:clrMapOvr>
+    <a:masterClrMapping/>
+  </p:clrMapOvr>
+</p:sld>
+</file>
+
+<file path=ppt/slides/slide28.xml><?xml version="1.0" encoding="utf-8"?>
+<p:sld xmlns:a="http://schemas.openxmlformats.org/drawingml/2006/main" xmlns:r="http://schemas.openxmlformats.org/officeDocument/2006/relationships" xmlns:p="http://schemas.openxmlformats.org/presentationml/2006/main">
+  <p:cSld>
+    <p:spTree>
+      <p:nvGrpSpPr>
+        <p:cNvPr id="1" name=""/>
+        <p:cNvGrpSpPr/>
+        <p:nvPr/>
+      </p:nvGrpSpPr>
+      <p:grpSpPr>
+        <a:xfrm>
+          <a:off x="0" y="0"/>
+          <a:ext cx="0" cy="0"/>
+          <a:chOff x="0" y="0"/>
+          <a:chExt cx="0" cy="0"/>
+        </a:xfrm>
+      </p:grpSpPr>
+      <p:sp>
+        <p:nvSpPr>
+          <p:cNvPr id="2" name="Title 1">
+            <a:extLst>
+              <a:ext uri="{FF2B5EF4-FFF2-40B4-BE49-F238E27FC236}">
+                <a16:creationId xmlns:a16="http://schemas.microsoft.com/office/drawing/2014/main" id="{7768A245-1E3D-4539-A903-3EE43446BC56}"/>
+              </a:ext>
+            </a:extLst>
+          </p:cNvPr>
+          <p:cNvSpPr>
+            <a:spLocks noGrp="1"/>
+          </p:cNvSpPr>
+          <p:nvPr>
+            <p:ph type="title"/>
+          </p:nvPr>
+        </p:nvSpPr>
+        <p:spPr/>
+        <p:txBody>
+          <a:bodyPr/>
+          <a:lstStyle/>
+          <a:p>
+            <a:r>
+              <a:rPr lang="en-GB" dirty="0"/>
+              <a:t>Conclusions from neo-natal meningitis model</a:t>
+            </a:r>
+          </a:p>
+        </p:txBody>
+      </p:sp>
+      <p:sp>
+        <p:nvSpPr>
+          <p:cNvPr id="3" name="Content Placeholder 2">
+            <a:extLst>
+              <a:ext uri="{FF2B5EF4-FFF2-40B4-BE49-F238E27FC236}">
+                <a16:creationId xmlns:a16="http://schemas.microsoft.com/office/drawing/2014/main" id="{2784F256-B3D9-4595-B529-9371C60B68EF}"/>
+              </a:ext>
+            </a:extLst>
+          </p:cNvPr>
+          <p:cNvSpPr>
+            <a:spLocks noGrp="1"/>
+          </p:cNvSpPr>
+          <p:nvPr>
+            <p:ph idx="1"/>
+          </p:nvPr>
+        </p:nvSpPr>
+        <p:spPr/>
+        <p:txBody>
+          <a:bodyPr/>
+          <a:lstStyle/>
+          <a:p>
+            <a:r>
+              <a:rPr lang="en-GB" dirty="0"/>
+              <a:t>Our product helps because…</a:t>
+            </a:r>
+          </a:p>
+          <a:p>
+            <a:r>
+              <a:rPr lang="en-GB" dirty="0"/>
+              <a:t>Some flaws in our product are…</a:t>
+            </a:r>
+          </a:p>
+          <a:p>
+            <a:r>
+              <a:rPr lang="en-GB" dirty="0"/>
+              <a:t>The data set could be improved by…</a:t>
+            </a:r>
+          </a:p>
+          <a:p>
+            <a:r>
+              <a:rPr lang="en-GB" dirty="0"/>
+              <a:t>Etc.</a:t>
+            </a:r>
+          </a:p>
+        </p:txBody>
+      </p:sp>
+    </p:spTree>
+    <p:extLst>
+      <p:ext uri="{BB962C8B-B14F-4D97-AF65-F5344CB8AC3E}">
+        <p14:creationId xmlns:p14="http://schemas.microsoft.com/office/powerpoint/2010/main" val="3659010097"/>
+      </p:ext>
+    </p:extLst>
+  </p:cSld>
+  <p:clrMapOvr>
+    <a:masterClrMapping/>
+  </p:clrMapOvr>
+</p:sld>
+</file>
+
+<file path=ppt/slides/slide29.xml><?xml version="1.0" encoding="utf-8"?>
+<p:sld xmlns:a="http://schemas.openxmlformats.org/drawingml/2006/main" xmlns:r="http://schemas.openxmlformats.org/officeDocument/2006/relationships" xmlns:p="http://schemas.openxmlformats.org/presentationml/2006/main">
+  <p:cSld>
+    <p:spTree>
+      <p:nvGrpSpPr>
+        <p:cNvPr id="1" name=""/>
+        <p:cNvGrpSpPr/>
+        <p:nvPr/>
+      </p:nvGrpSpPr>
+      <p:grpSpPr>
+        <a:xfrm>
+          <a:off x="0" y="0"/>
+          <a:ext cx="0" cy="0"/>
+          <a:chOff x="0" y="0"/>
+          <a:chExt cx="0" cy="0"/>
+        </a:xfrm>
+      </p:grpSpPr>
+      <p:sp>
+        <p:nvSpPr>
+          <p:cNvPr id="2" name="Title 1">
+            <a:extLst>
+              <a:ext uri="{FF2B5EF4-FFF2-40B4-BE49-F238E27FC236}">
+                <a16:creationId xmlns:a16="http://schemas.microsoft.com/office/drawing/2014/main" id="{6F887A7E-AA5D-4B77-8C40-D46996620026}"/>
+              </a:ext>
+            </a:extLst>
+          </p:cNvPr>
+          <p:cNvSpPr>
+            <a:spLocks noGrp="1"/>
+          </p:cNvSpPr>
+          <p:nvPr>
+            <p:ph type="title"/>
+          </p:nvPr>
+        </p:nvSpPr>
+        <p:spPr/>
+        <p:txBody>
+          <a:bodyPr/>
+          <a:lstStyle/>
+          <a:p>
+            <a:r>
+              <a:rPr lang="en-GB" dirty="0"/>
+              <a:t>Discussion of the model</a:t>
+            </a:r>
+          </a:p>
+        </p:txBody>
+      </p:sp>
+      <p:sp>
+        <p:nvSpPr>
+          <p:cNvPr id="3" name="Content Placeholder 2">
+            <a:extLst>
+              <a:ext uri="{FF2B5EF4-FFF2-40B4-BE49-F238E27FC236}">
+                <a16:creationId xmlns:a16="http://schemas.microsoft.com/office/drawing/2014/main" id="{D3C66037-7596-4AA0-B0E4-22B1238466C2}"/>
+              </a:ext>
+            </a:extLst>
+          </p:cNvPr>
+          <p:cNvSpPr>
+            <a:spLocks noGrp="1"/>
+          </p:cNvSpPr>
+          <p:nvPr>
+            <p:ph idx="1"/>
+          </p:nvPr>
+        </p:nvSpPr>
+        <p:spPr/>
+        <p:txBody>
+          <a:bodyPr>
+            <a:normAutofit fontScale="92500" lnSpcReduction="10000"/>
+          </a:bodyPr>
+          <a:lstStyle/>
+          <a:p>
+            <a:r>
+              <a:rPr lang="en-GB" dirty="0"/>
+              <a:t>Is the model realistic?</a:t>
+            </a:r>
+          </a:p>
+          <a:p>
+            <a:pPr lvl="1"/>
+            <a:r>
+              <a:rPr lang="en-GB" dirty="0"/>
+              <a:t>No, very little about it is realistic. It is a model meant to portray how resistance spreads and is combatted.</a:t>
+            </a:r>
+          </a:p>
+          <a:p>
+            <a:r>
+              <a:rPr lang="en-GB" dirty="0"/>
+              <a:t>Is it useful?</a:t>
+            </a:r>
+          </a:p>
+          <a:p>
+            <a:pPr lvl="1"/>
+            <a:r>
+              <a:rPr lang="en-GB" dirty="0"/>
+              <a:t>Yes, because it provides several helpful insights:</a:t>
+            </a:r>
+          </a:p>
+          <a:p>
+            <a:pPr marL="1371600" lvl="2" indent="-457200">
+              <a:buFont typeface="+mj-lt"/>
+              <a:buAutoNum type="arabicPeriod"/>
+            </a:pPr>
+            <a:r>
+              <a:rPr lang="en-GB" dirty="0"/>
+              <a:t>The impact our product will have on the spread of resistance just by quickly detecting who to put into isolation.</a:t>
+            </a:r>
+          </a:p>
+          <a:p>
+            <a:pPr marL="1371600" lvl="2" indent="-457200">
+              <a:buFont typeface="+mj-lt"/>
+              <a:buAutoNum type="arabicPeriod"/>
+            </a:pPr>
+            <a:r>
+              <a:rPr lang="en-GB" dirty="0"/>
+              <a:t>Whether higher or lower mortality or transmissibility of a disease increase or decrease the effectiveness. </a:t>
+            </a:r>
+          </a:p>
+          <a:p>
+            <a:r>
+              <a:rPr lang="en-GB" dirty="0"/>
+              <a:t>What other potential improvements are there?</a:t>
+            </a:r>
+          </a:p>
+          <a:p>
+            <a:pPr lvl="1"/>
+            <a:r>
+              <a:rPr lang="en-GB" dirty="0"/>
+              <a:t>Add special features to make more realistic scenario and results, for example:</a:t>
+            </a:r>
+          </a:p>
+          <a:p>
+            <a:pPr lvl="2"/>
+            <a:r>
+              <a:rPr lang="en-GB" dirty="0"/>
+              <a:t>Spatial considerations – e.g. modelling multiple wards with movement between them</a:t>
+            </a:r>
+          </a:p>
+          <a:p>
+            <a:pPr lvl="2"/>
+            <a:r>
+              <a:rPr lang="en-GB" dirty="0"/>
+              <a:t>Asymptomatic transmission</a:t>
+            </a:r>
+          </a:p>
+        </p:txBody>
+      </p:sp>
+    </p:spTree>
+    <p:extLst>
+      <p:ext uri="{BB962C8B-B14F-4D97-AF65-F5344CB8AC3E}">
+        <p14:creationId xmlns:p14="http://schemas.microsoft.com/office/powerpoint/2010/main" val="3350282928"/>
+      </p:ext>
+    </p:extLst>
+  </p:cSld>
+  <p:clrMapOvr>
+    <a:masterClrMapping/>
+  </p:clrMapOvr>
+</p:sld>
+</file>
+
+<file path=ppt/slides/slide3.xml><?xml version="1.0" encoding="utf-8"?>
+<p:sld xmlns:a="http://schemas.openxmlformats.org/drawingml/2006/main" xmlns:r="http://schemas.openxmlformats.org/officeDocument/2006/relationships" xmlns:p="http://schemas.openxmlformats.org/presentationml/2006/main">
+  <p:cSld>
+    <p:spTree>
+      <p:nvGrpSpPr>
+        <p:cNvPr id="1" name=""/>
+        <p:cNvGrpSpPr/>
+        <p:nvPr/>
+      </p:nvGrpSpPr>
+      <p:grpSpPr>
+        <a:xfrm>
+          <a:off x="0" y="0"/>
+          <a:ext cx="0" cy="0"/>
+          <a:chOff x="0" y="0"/>
+          <a:chExt cx="0" cy="0"/>
+        </a:xfrm>
+      </p:grpSpPr>
+      <p:sp>
+        <p:nvSpPr>
+          <p:cNvPr id="2" name="Title 1">
+            <a:extLst>
+              <a:ext uri="{FF2B5EF4-FFF2-40B4-BE49-F238E27FC236}">
+                <a16:creationId xmlns:a16="http://schemas.microsoft.com/office/drawing/2014/main" id="{A490FED1-72C2-49F4-A356-AB26392C057D}"/>
+              </a:ext>
+            </a:extLst>
+          </p:cNvPr>
+          <p:cNvSpPr>
+            <a:spLocks noGrp="1"/>
+          </p:cNvSpPr>
+          <p:nvPr>
+            <p:ph type="title"/>
+          </p:nvPr>
+        </p:nvSpPr>
+        <p:spPr>
+          <a:xfrm>
+            <a:off x="838200" y="795338"/>
+            <a:ext cx="10515600" cy="2852737"/>
+          </a:xfrm>
+        </p:spPr>
+        <p:txBody>
+          <a:bodyPr/>
+          <a:lstStyle/>
+          <a:p>
+            <a:pPr algn="ctr"/>
+            <a:r>
+              <a:rPr lang="en-GB" dirty="0"/>
+              <a:t>General overview</a:t>
+            </a:r>
+          </a:p>
+        </p:txBody>
+      </p:sp>
+    </p:spTree>
+    <p:extLst>
+      <p:ext uri="{BB962C8B-B14F-4D97-AF65-F5344CB8AC3E}">
+        <p14:creationId xmlns:p14="http://schemas.microsoft.com/office/powerpoint/2010/main" val="1770829288"/>
+      </p:ext>
+    </p:extLst>
+  </p:cSld>
+  <p:clrMapOvr>
+    <a:masterClrMapping/>
+  </p:clrMapOvr>
+</p:sld>
+</file>
+
+<file path=ppt/slides/slide4.xml><?xml version="1.0" encoding="utf-8"?>
+<p:sld xmlns:a="http://schemas.openxmlformats.org/drawingml/2006/main" xmlns:r="http://schemas.openxmlformats.org/officeDocument/2006/relationships" xmlns:p="http://schemas.openxmlformats.org/presentationml/2006/main">
+  <p:cSld>
+    <p:spTree>
+      <p:nvGrpSpPr>
+        <p:cNvPr id="1" name=""/>
+        <p:cNvGrpSpPr/>
+        <p:nvPr/>
+      </p:nvGrpSpPr>
+      <p:grpSpPr>
+        <a:xfrm>
+          <a:off x="0" y="0"/>
+          <a:ext cx="0" cy="0"/>
+          <a:chOff x="0" y="0"/>
+          <a:chExt cx="0" cy="0"/>
+        </a:xfrm>
+      </p:grpSpPr>
+      <p:sp>
+        <p:nvSpPr>
+          <p:cNvPr id="2" name="Title 1">
+            <a:extLst>
+              <a:ext uri="{FF2B5EF4-FFF2-40B4-BE49-F238E27FC236}">
+                <a16:creationId xmlns:a16="http://schemas.microsoft.com/office/drawing/2014/main" id="{0CD7586B-54E1-49A9-AF67-A27C720C50B6}"/>
+              </a:ext>
+            </a:extLst>
+          </p:cNvPr>
+          <p:cNvSpPr>
+            <a:spLocks noGrp="1"/>
+          </p:cNvSpPr>
+          <p:nvPr>
+            <p:ph type="title"/>
+          </p:nvPr>
+        </p:nvSpPr>
+        <p:spPr/>
+        <p:txBody>
+          <a:bodyPr/>
+          <a:lstStyle/>
+          <a:p>
+            <a:r>
+              <a:rPr lang="en-GB" dirty="0"/>
+              <a:t>General overview</a:t>
+            </a:r>
+          </a:p>
+        </p:txBody>
+      </p:sp>
+      <p:sp>
+        <p:nvSpPr>
+          <p:cNvPr id="3" name="Content Placeholder 2">
+            <a:extLst>
+              <a:ext uri="{FF2B5EF4-FFF2-40B4-BE49-F238E27FC236}">
+                <a16:creationId xmlns:a16="http://schemas.microsoft.com/office/drawing/2014/main" id="{6545CAFA-ABBB-4E8C-BDBC-C173FDF3856E}"/>
+              </a:ext>
+            </a:extLst>
+          </p:cNvPr>
+          <p:cNvSpPr>
+            <a:spLocks noGrp="1"/>
+          </p:cNvSpPr>
+          <p:nvPr>
+            <p:ph idx="1"/>
+          </p:nvPr>
+        </p:nvSpPr>
+        <p:spPr/>
+        <p:txBody>
+          <a:bodyPr/>
+          <a:lstStyle/>
+          <a:p>
+            <a:pPr marL="514350" indent="-514350">
+              <a:buFont typeface="+mj-lt"/>
+              <a:buAutoNum type="arabicPeriod"/>
+            </a:pPr>
+            <a:r>
+              <a:rPr lang="en-GB" dirty="0"/>
+              <a:t>Changes occur in like turns in a board game – granular steps which represent periods of time, such as hours or days</a:t>
+            </a:r>
+          </a:p>
+          <a:p>
+            <a:pPr marL="514350" indent="-514350">
+              <a:buFont typeface="+mj-lt"/>
+              <a:buAutoNum type="arabicPeriod"/>
+            </a:pPr>
+            <a:r>
+              <a:rPr lang="en-GB" dirty="0"/>
+              <a:t>The population is fixed size – no one enters or leaves</a:t>
+            </a:r>
+          </a:p>
+          <a:p>
+            <a:pPr marL="0" indent="0">
+              <a:buNone/>
+            </a:pPr>
+            <a:endParaRPr lang="en-GB" dirty="0"/>
+          </a:p>
+          <a:p>
+            <a:pPr marL="0" indent="0">
+              <a:buNone/>
+            </a:pPr>
+            <a:endParaRPr lang="en-GB" dirty="0"/>
+          </a:p>
+        </p:txBody>
+      </p:sp>
+    </p:spTree>
+    <p:extLst>
+      <p:ext uri="{BB962C8B-B14F-4D97-AF65-F5344CB8AC3E}">
+        <p14:creationId xmlns:p14="http://schemas.microsoft.com/office/powerpoint/2010/main" val="3211385247"/>
+      </p:ext>
+    </p:extLst>
+  </p:cSld>
+  <p:clrMapOvr>
+    <a:masterClrMapping/>
+  </p:clrMapOvr>
+</p:sld>
+</file>
+
+<file path=ppt/slides/slide5.xml><?xml version="1.0" encoding="utf-8"?>
+<p:sld xmlns:a="http://schemas.openxmlformats.org/drawingml/2006/main" xmlns:r="http://schemas.openxmlformats.org/officeDocument/2006/relationships" xmlns:p="http://schemas.openxmlformats.org/presentationml/2006/main">
+  <p:cSld>
+    <p:spTree>
+      <p:nvGrpSpPr>
+        <p:cNvPr id="1" name=""/>
+        <p:cNvGrpSpPr/>
+        <p:nvPr/>
+      </p:nvGrpSpPr>
+      <p:grpSpPr>
+        <a:xfrm>
+          <a:off x="0" y="0"/>
+          <a:ext cx="0" cy="0"/>
+          <a:chOff x="0" y="0"/>
+          <a:chExt cx="0" cy="0"/>
+        </a:xfrm>
+      </p:grpSpPr>
+      <p:pic>
+        <p:nvPicPr>
+          <p:cNvPr id="5" name="Picture 4" descr="Text&#10;&#10;Description automatically generated">
+            <a:extLst>
+              <a:ext uri="{FF2B5EF4-FFF2-40B4-BE49-F238E27FC236}">
+                <a16:creationId xmlns:a16="http://schemas.microsoft.com/office/drawing/2014/main" id="{F50C7314-BE4B-475B-B754-2FE9B97AB139}"/>
+              </a:ext>
+            </a:extLst>
+          </p:cNvPr>
+          <p:cNvPicPr>
+            <a:picLocks noChangeAspect="1"/>
+          </p:cNvPicPr>
           <p:nvPr/>
-        </p:nvSpPr>
+        </p:nvPicPr>
+        <p:blipFill>
+          <a:blip r:embed="rId2">
+            <a:extLst>
+              <a:ext uri="{28A0092B-C50C-407E-A947-70E740481C1C}">
+                <a14:useLocalDpi xmlns:a14="http://schemas.microsoft.com/office/drawing/2010/main" val="0"/>
+              </a:ext>
+            </a:extLst>
+          </a:blip>
+          <a:stretch>
+            <a:fillRect/>
+          </a:stretch>
+        </p:blipFill>
         <p:spPr>
-          <a:xfrm rot="5400000">
-            <a:off x="8080752" y="4152313"/>
-            <a:ext cx="252000" cy="252000"/>
+          <a:xfrm>
+            <a:off x="1581150" y="1963139"/>
+            <a:ext cx="9029700" cy="2931721"/>
           </a:xfrm>
-          <a:prstGeom prst="curvedRightArrow">
+          <a:prstGeom prst="rect">
             <a:avLst/>
           </a:prstGeom>
         </p:spPr>
-        <p:style>
-          <a:lnRef idx="2">
-            <a:schemeClr val="accent4"/>
-          </a:lnRef>
-          <a:fillRef idx="1">
-            <a:schemeClr val="lt1"/>
-          </a:fillRef>
-          <a:effectRef idx="0">
-            <a:schemeClr val="accent4"/>
-          </a:effectRef>
-          <a:fontRef idx="minor">
-            <a:schemeClr val="dk1"/>
-          </a:fontRef>
-        </p:style>
-        <p:txBody>
-          <a:bodyPr rtlCol="0" anchor="ctr"/>
-          <a:lstStyle/>
-          <a:p>
-            <a:pPr algn="ctr"/>
-            <a:endParaRPr lang="en-GB">
-              <a:solidFill>
-                <a:schemeClr val="tx1"/>
-              </a:solidFill>
-            </a:endParaRPr>
-          </a:p>
-        </p:txBody>
-      </p:sp>
+      </p:pic>
     </p:spTree>
     <p:extLst>
       <p:ext uri="{BB962C8B-B14F-4D97-AF65-F5344CB8AC3E}">
-        <p14:creationId xmlns:p14="http://schemas.microsoft.com/office/powerpoint/2010/main" val="3420221809"/>
+        <p14:creationId xmlns:p14="http://schemas.microsoft.com/office/powerpoint/2010/main" val="2988418754"/>
+      </p:ext>
+    </p:extLst>
+  </p:cSld>
+  <p:clrMapOvr>
+    <a:masterClrMapping/>
+  </p:clrMapOvr>
+</p:sld>
+</file>
+
+<file path=ppt/slides/slide6.xml><?xml version="1.0" encoding="utf-8"?>
+<p:sld xmlns:a="http://schemas.openxmlformats.org/drawingml/2006/main" xmlns:r="http://schemas.openxmlformats.org/officeDocument/2006/relationships" xmlns:p="http://schemas.openxmlformats.org/presentationml/2006/main">
+  <p:cSld>
+    <p:spTree>
+      <p:nvGrpSpPr>
+        <p:cNvPr id="1" name=""/>
+        <p:cNvGrpSpPr/>
+        <p:nvPr/>
+      </p:nvGrpSpPr>
+      <p:grpSpPr>
+        <a:xfrm>
+          <a:off x="0" y="0"/>
+          <a:ext cx="0" cy="0"/>
+          <a:chOff x="0" y="0"/>
+          <a:chExt cx="0" cy="0"/>
+        </a:xfrm>
+      </p:grpSpPr>
+      <p:sp>
+        <p:nvSpPr>
+          <p:cNvPr id="2" name="Title 1">
+            <a:extLst>
+              <a:ext uri="{FF2B5EF4-FFF2-40B4-BE49-F238E27FC236}">
+                <a16:creationId xmlns:a16="http://schemas.microsoft.com/office/drawing/2014/main" id="{0CD7586B-54E1-49A9-AF67-A27C720C50B6}"/>
+              </a:ext>
+            </a:extLst>
+          </p:cNvPr>
+          <p:cNvSpPr>
+            <a:spLocks noGrp="1"/>
+          </p:cNvSpPr>
+          <p:nvPr>
+            <p:ph type="title"/>
+          </p:nvPr>
+        </p:nvSpPr>
+        <p:spPr/>
+        <p:txBody>
+          <a:bodyPr/>
+          <a:lstStyle/>
+          <a:p>
+            <a:r>
+              <a:rPr lang="en-GB" dirty="0"/>
+              <a:t>General overview</a:t>
+            </a:r>
+          </a:p>
+        </p:txBody>
+      </p:sp>
+      <p:sp>
+        <p:nvSpPr>
+          <p:cNvPr id="3" name="Content Placeholder 2">
+            <a:extLst>
+              <a:ext uri="{FF2B5EF4-FFF2-40B4-BE49-F238E27FC236}">
+                <a16:creationId xmlns:a16="http://schemas.microsoft.com/office/drawing/2014/main" id="{6545CAFA-ABBB-4E8C-BDBC-C173FDF3856E}"/>
+              </a:ext>
+            </a:extLst>
+          </p:cNvPr>
+          <p:cNvSpPr>
+            <a:spLocks noGrp="1"/>
+          </p:cNvSpPr>
+          <p:nvPr>
+            <p:ph idx="1"/>
+          </p:nvPr>
+        </p:nvSpPr>
+        <p:spPr/>
+        <p:txBody>
+          <a:bodyPr/>
+          <a:lstStyle/>
+          <a:p>
+            <a:pPr marL="514350" indent="-514350">
+              <a:buFont typeface="+mj-lt"/>
+              <a:buAutoNum type="arabicPeriod"/>
+            </a:pPr>
+            <a:r>
+              <a:rPr lang="en-GB" dirty="0"/>
+              <a:t>Changes occur in like turns in a board game – granular steps which represent periods of time, such as hours or days</a:t>
+            </a:r>
+          </a:p>
+          <a:p>
+            <a:pPr marL="514350" indent="-514350">
+              <a:buFont typeface="+mj-lt"/>
+              <a:buAutoNum type="arabicPeriod"/>
+            </a:pPr>
+            <a:r>
+              <a:rPr lang="en-GB" dirty="0"/>
+              <a:t>The population is fixed size – no one enters or leaves</a:t>
+            </a:r>
+          </a:p>
+          <a:p>
+            <a:pPr marL="514350" indent="-514350">
+              <a:buFont typeface="+mj-lt"/>
+              <a:buAutoNum type="arabicPeriod"/>
+            </a:pPr>
+            <a:r>
+              <a:rPr lang="en-GB" dirty="0"/>
+              <a:t>The model is stochastic, meaning it is based on random probabilities, rather than a system of equations</a:t>
+            </a:r>
+          </a:p>
+          <a:p>
+            <a:pPr lvl="1"/>
+            <a:r>
+              <a:rPr lang="en-GB" dirty="0"/>
+              <a:t>Composed of starting probabilities set at the top as variable parameters</a:t>
+            </a:r>
+          </a:p>
+          <a:p>
+            <a:pPr lvl="1"/>
+            <a:r>
+              <a:rPr lang="en-GB" dirty="0"/>
+              <a:t>Based on these parameters, people within the population transition between states, such as infected, uninfected, immune, etc.</a:t>
+            </a:r>
+          </a:p>
+          <a:p>
+            <a:endParaRPr lang="en-GB" dirty="0"/>
+          </a:p>
+        </p:txBody>
+      </p:sp>
+    </p:spTree>
+    <p:extLst>
+      <p:ext uri="{BB962C8B-B14F-4D97-AF65-F5344CB8AC3E}">
+        <p14:creationId xmlns:p14="http://schemas.microsoft.com/office/powerpoint/2010/main" val="3433255688"/>
+      </p:ext>
+    </p:extLst>
+  </p:cSld>
+  <p:clrMapOvr>
+    <a:masterClrMapping/>
+  </p:clrMapOvr>
+</p:sld>
+</file>
+
+<file path=ppt/slides/slide7.xml><?xml version="1.0" encoding="utf-8"?>
+<p:sld xmlns:a="http://schemas.openxmlformats.org/drawingml/2006/main" xmlns:r="http://schemas.openxmlformats.org/officeDocument/2006/relationships" xmlns:p="http://schemas.openxmlformats.org/presentationml/2006/main">
+  <p:cSld>
+    <p:spTree>
+      <p:nvGrpSpPr>
+        <p:cNvPr id="1" name=""/>
+        <p:cNvGrpSpPr/>
+        <p:nvPr/>
+      </p:nvGrpSpPr>
+      <p:grpSpPr>
+        <a:xfrm>
+          <a:off x="0" y="0"/>
+          <a:ext cx="0" cy="0"/>
+          <a:chOff x="0" y="0"/>
+          <a:chExt cx="0" cy="0"/>
+        </a:xfrm>
+      </p:grpSpPr>
+      <p:pic>
+        <p:nvPicPr>
+          <p:cNvPr id="4" name="Picture 3" descr="Text&#10;&#10;Description automatically generated">
+            <a:extLst>
+              <a:ext uri="{FF2B5EF4-FFF2-40B4-BE49-F238E27FC236}">
+                <a16:creationId xmlns:a16="http://schemas.microsoft.com/office/drawing/2014/main" id="{42FC3E67-9186-495E-BB70-0622EC509FEE}"/>
+              </a:ext>
+            </a:extLst>
+          </p:cNvPr>
+          <p:cNvPicPr>
+            <a:picLocks noChangeAspect="1"/>
+          </p:cNvPicPr>
+          <p:nvPr/>
+        </p:nvPicPr>
+        <p:blipFill>
+          <a:blip r:embed="rId2">
+            <a:extLst>
+              <a:ext uri="{28A0092B-C50C-407E-A947-70E740481C1C}">
+                <a14:useLocalDpi xmlns:a14="http://schemas.microsoft.com/office/drawing/2010/main" val="0"/>
+              </a:ext>
+            </a:extLst>
+          </a:blip>
+          <a:stretch>
+            <a:fillRect/>
+          </a:stretch>
+        </p:blipFill>
+        <p:spPr>
+          <a:xfrm>
+            <a:off x="2378197" y="767835"/>
+            <a:ext cx="7435606" cy="5322329"/>
+          </a:xfrm>
+          <a:prstGeom prst="rect">
+            <a:avLst/>
+          </a:prstGeom>
+        </p:spPr>
+      </p:pic>
+    </p:spTree>
+    <p:extLst>
+      <p:ext uri="{BB962C8B-B14F-4D97-AF65-F5344CB8AC3E}">
+        <p14:creationId xmlns:p14="http://schemas.microsoft.com/office/powerpoint/2010/main" val="3673651231"/>
+      </p:ext>
+    </p:extLst>
+  </p:cSld>
+  <p:clrMapOvr>
+    <a:masterClrMapping/>
+  </p:clrMapOvr>
+</p:sld>
+</file>
+
+<file path=ppt/slides/slide8.xml><?xml version="1.0" encoding="utf-8"?>
+<p:sld xmlns:a="http://schemas.openxmlformats.org/drawingml/2006/main" xmlns:r="http://schemas.openxmlformats.org/officeDocument/2006/relationships" xmlns:p="http://schemas.openxmlformats.org/presentationml/2006/main">
+  <p:cSld>
+    <p:spTree>
+      <p:nvGrpSpPr>
+        <p:cNvPr id="1" name=""/>
+        <p:cNvGrpSpPr/>
+        <p:nvPr/>
+      </p:nvGrpSpPr>
+      <p:grpSpPr>
+        <a:xfrm>
+          <a:off x="0" y="0"/>
+          <a:ext cx="0" cy="0"/>
+          <a:chOff x="0" y="0"/>
+          <a:chExt cx="0" cy="0"/>
+        </a:xfrm>
+      </p:grpSpPr>
+      <p:sp>
+        <p:nvSpPr>
+          <p:cNvPr id="2" name="Title 1">
+            <a:extLst>
+              <a:ext uri="{FF2B5EF4-FFF2-40B4-BE49-F238E27FC236}">
+                <a16:creationId xmlns:a16="http://schemas.microsoft.com/office/drawing/2014/main" id="{A490FED1-72C2-49F4-A356-AB26392C057D}"/>
+              </a:ext>
+            </a:extLst>
+          </p:cNvPr>
+          <p:cNvSpPr>
+            <a:spLocks noGrp="1"/>
+          </p:cNvSpPr>
+          <p:nvPr>
+            <p:ph type="title"/>
+          </p:nvPr>
+        </p:nvSpPr>
+        <p:spPr>
+          <a:xfrm>
+            <a:off x="838200" y="795338"/>
+            <a:ext cx="10515600" cy="2852737"/>
+          </a:xfrm>
+        </p:spPr>
+        <p:txBody>
+          <a:bodyPr/>
+          <a:lstStyle/>
+          <a:p>
+            <a:pPr algn="ctr"/>
+            <a:r>
+              <a:rPr lang="en-GB" dirty="0"/>
+              <a:t>Implementation &amp; features</a:t>
+            </a:r>
+          </a:p>
+        </p:txBody>
+      </p:sp>
+    </p:spTree>
+    <p:extLst>
+      <p:ext uri="{BB962C8B-B14F-4D97-AF65-F5344CB8AC3E}">
+        <p14:creationId xmlns:p14="http://schemas.microsoft.com/office/powerpoint/2010/main" val="19703046"/>
+      </p:ext>
+    </p:extLst>
+  </p:cSld>
+  <p:clrMapOvr>
+    <a:masterClrMapping/>
+  </p:clrMapOvr>
+</p:sld>
+</file>
+
+<file path=ppt/slides/slide9.xml><?xml version="1.0" encoding="utf-8"?>
+<p:sld xmlns:a="http://schemas.openxmlformats.org/drawingml/2006/main" xmlns:r="http://schemas.openxmlformats.org/officeDocument/2006/relationships" xmlns:p="http://schemas.openxmlformats.org/presentationml/2006/main">
+  <p:cSld>
+    <p:spTree>
+      <p:nvGrpSpPr>
+        <p:cNvPr id="1" name=""/>
+        <p:cNvGrpSpPr/>
+        <p:nvPr/>
+      </p:nvGrpSpPr>
+      <p:grpSpPr>
+        <a:xfrm>
+          <a:off x="0" y="0"/>
+          <a:ext cx="0" cy="0"/>
+          <a:chOff x="0" y="0"/>
+          <a:chExt cx="0" cy="0"/>
+        </a:xfrm>
+      </p:grpSpPr>
+      <p:sp>
+        <p:nvSpPr>
+          <p:cNvPr id="2" name="Title 1">
+            <a:extLst>
+              <a:ext uri="{FF2B5EF4-FFF2-40B4-BE49-F238E27FC236}">
+                <a16:creationId xmlns:a16="http://schemas.microsoft.com/office/drawing/2014/main" id="{26BDD262-EA69-45C4-8668-4EDCDE606433}"/>
+              </a:ext>
+            </a:extLst>
+          </p:cNvPr>
+          <p:cNvSpPr>
+            <a:spLocks noGrp="1"/>
+          </p:cNvSpPr>
+          <p:nvPr>
+            <p:ph type="title"/>
+          </p:nvPr>
+        </p:nvSpPr>
+        <p:spPr/>
+        <p:txBody>
+          <a:bodyPr/>
+          <a:lstStyle/>
+          <a:p>
+            <a:r>
+              <a:rPr lang="en-GB" dirty="0"/>
+              <a:t>Disease and people within the model</a:t>
+            </a:r>
+          </a:p>
+        </p:txBody>
+      </p:sp>
+      <p:sp>
+        <p:nvSpPr>
+          <p:cNvPr id="3" name="Content Placeholder 2">
+            <a:extLst>
+              <a:ext uri="{FF2B5EF4-FFF2-40B4-BE49-F238E27FC236}">
+                <a16:creationId xmlns:a16="http://schemas.microsoft.com/office/drawing/2014/main" id="{AD698E42-8243-417B-8F93-3E3A492D218B}"/>
+              </a:ext>
+            </a:extLst>
+          </p:cNvPr>
+          <p:cNvSpPr>
+            <a:spLocks noGrp="1"/>
+          </p:cNvSpPr>
+          <p:nvPr>
+            <p:ph idx="1"/>
+          </p:nvPr>
+        </p:nvSpPr>
+        <p:spPr/>
+        <p:txBody>
+          <a:bodyPr>
+            <a:normAutofit lnSpcReduction="10000"/>
+          </a:bodyPr>
+          <a:lstStyle/>
+          <a:p>
+            <a:pPr marL="514350" indent="-514350">
+              <a:buFont typeface="+mj-lt"/>
+              <a:buAutoNum type="arabicPeriod"/>
+            </a:pPr>
+            <a:r>
+              <a:rPr lang="en-GB" dirty="0"/>
+              <a:t>A disease with a probability of death and a probability of recovery spreads through the population</a:t>
+            </a:r>
+          </a:p>
+          <a:p>
+            <a:pPr marL="514350" indent="-514350">
+              <a:buFont typeface="+mj-lt"/>
+              <a:buAutoNum type="arabicPeriod"/>
+            </a:pPr>
+            <a:r>
+              <a:rPr lang="en-GB" dirty="0"/>
+              <a:t>Patients have a small chance of recovering by themselves, or can be treated with antibiotics, which have a larger chance of curing them</a:t>
+            </a:r>
+          </a:p>
+          <a:p>
+            <a:pPr marL="514350" indent="-514350">
+              <a:buFont typeface="+mj-lt"/>
+              <a:buAutoNum type="arabicPeriod"/>
+            </a:pPr>
+            <a:r>
+              <a:rPr lang="en-GB" dirty="0"/>
+              <a:t>When they have recovered, they become immune to the disease irrespective of resistance</a:t>
+            </a:r>
+          </a:p>
+          <a:p>
+            <a:pPr marL="514350" indent="-514350">
+              <a:buFont typeface="+mj-lt"/>
+              <a:buAutoNum type="arabicPeriod"/>
+            </a:pPr>
+            <a:r>
+              <a:rPr lang="en-GB" dirty="0"/>
+              <a:t>Patients also have a small chance of dying due to the disease</a:t>
+            </a:r>
+          </a:p>
+          <a:p>
+            <a:pPr marL="514350" indent="-514350">
+              <a:buFont typeface="+mj-lt"/>
+              <a:buAutoNum type="arabicPeriod"/>
+            </a:pPr>
+            <a:r>
+              <a:rPr lang="en-GB" dirty="0"/>
+              <a:t>Hence, patients can be uninfected, infected (with resistances), immune, or dead.</a:t>
+            </a:r>
+          </a:p>
+          <a:p>
+            <a:pPr marL="514350" indent="-514350">
+              <a:buFont typeface="+mj-lt"/>
+              <a:buAutoNum type="arabicPeriod"/>
+            </a:pPr>
+            <a:r>
+              <a:rPr lang="en-GB" dirty="0"/>
+              <a:t>Eventually, all individuals will be either uninfected, immune or dead</a:t>
+            </a:r>
+          </a:p>
+          <a:p>
+            <a:endParaRPr lang="en-GB" dirty="0"/>
+          </a:p>
+        </p:txBody>
+      </p:sp>
+    </p:spTree>
+    <p:extLst>
+      <p:ext uri="{BB962C8B-B14F-4D97-AF65-F5344CB8AC3E}">
+        <p14:creationId xmlns:p14="http://schemas.microsoft.com/office/powerpoint/2010/main" val="3075941230"/>
       </p:ext>
     </p:extLst>
   </p:cSld>
